--- a/deck/02. Immobweb - Machine Learning.pptx
+++ b/deck/02. Immobweb - Machine Learning.pptx
@@ -221,7 +221,7 @@
             <a:pPr rtl="0"/>
             <a:fld id="{023DB037-710F-4A44-BDF0-28DC42F2FAE9}" type="datetime1">
               <a:rPr lang="fr-FR" smtClean="0"/>
-              <a:t>01/07/2025</a:t>
+              <a:t>02/07/2025</a:t>
             </a:fld>
             <a:endParaRPr lang="fr-FR" dirty="0"/>
           </a:p>
@@ -391,7 +391,7 @@
             <a:fld id="{284718FD-5C33-42D8-BCA9-0B83DD06AC51}" type="datetime1">
               <a:rPr lang="fr-FR" smtClean="0"/>
               <a:pPr/>
-              <a:t>01/07/2025</a:t>
+              <a:t>02/07/2025</a:t>
             </a:fld>
             <a:endParaRPr lang="fr-FR" dirty="0"/>
           </a:p>
@@ -979,62 +979,32 @@
           <a:bodyPr/>
           <a:lstStyle/>
           <a:p>
+            <a:pPr marL="0" indent="0">
+              <a:buFont typeface="Arial" panose="020B0604020202020204" pitchFamily="34" charset="0"/>
+              <a:buNone/>
+            </a:pPr>
+            <a:r>
+              <a:rPr lang="en-US" dirty="0"/>
+              <a:t>We compared multiple models, each with strengths and limitations.</a:t>
+            </a:r>
+            <a:br>
+              <a:rPr lang="en-US" dirty="0"/>
+            </a:br>
+            <a:endParaRPr lang="en-US" dirty="0"/>
+          </a:p>
+          <a:p>
             <a:pPr marL="171450" indent="-171450">
               <a:buFont typeface="Arial" panose="020B0604020202020204" pitchFamily="34" charset="0"/>
               <a:buChar char="•"/>
             </a:pPr>
             <a:r>
-              <a:rPr lang="en-US" noProof="0" dirty="0"/>
-              <a:t>We tested multiple models:</a:t>
-            </a:r>
-          </a:p>
-          <a:p>
-            <a:pPr marL="628650" lvl="1" indent="-171450">
-              <a:buFont typeface="Courier New" panose="02070309020205020404" pitchFamily="49" charset="0"/>
-              <a:buChar char="o"/>
-            </a:pPr>
-            <a:r>
-              <a:rPr lang="en-US" noProof="0" dirty="0"/>
-              <a:t>Linear Regression (simple and fast)</a:t>
-            </a:r>
-          </a:p>
-          <a:p>
-            <a:pPr marL="628650" lvl="1" indent="-171450">
-              <a:buFont typeface="Courier New" panose="02070309020205020404" pitchFamily="49" charset="0"/>
-              <a:buChar char="o"/>
-            </a:pPr>
-            <a:r>
-              <a:rPr lang="en-US" noProof="0" dirty="0"/>
-              <a:t>Random Forest (handles non-linearity)</a:t>
-            </a:r>
-          </a:p>
-          <a:p>
-            <a:pPr marL="628650" lvl="1" indent="-171450">
-              <a:buFont typeface="Courier New" panose="02070309020205020404" pitchFamily="49" charset="0"/>
-              <a:buChar char="o"/>
-            </a:pPr>
-            <a:r>
-              <a:rPr lang="en-US" noProof="0" dirty="0"/>
-              <a:t>Polynomial Regression (captures simple non-linear relations)</a:t>
-            </a:r>
-          </a:p>
-          <a:p>
-            <a:pPr marL="628650" lvl="1" indent="-171450">
-              <a:buFont typeface="Courier New" panose="02070309020205020404" pitchFamily="49" charset="0"/>
-              <a:buChar char="o"/>
-            </a:pPr>
-            <a:r>
-              <a:rPr lang="en-US" noProof="0" dirty="0" err="1"/>
-              <a:t>XGBoost</a:t>
-            </a:r>
-            <a:r>
-              <a:rPr lang="en-US" noProof="0" dirty="0"/>
-              <a:t> (powerful gradient boosting)</a:t>
-            </a:r>
-          </a:p>
-          <a:p>
-            <a:pPr lvl="1"/>
-            <a:endParaRPr lang="en-US" noProof="0" dirty="0"/>
+              <a:rPr lang="en-US" b="1" dirty="0"/>
+              <a:t>Linear Regression</a:t>
+            </a:r>
+            <a:r>
+              <a:rPr lang="en-US" dirty="0"/>
+              <a:t> is fast and interpretable, but can’t capture non-linear patterns.</a:t>
+            </a:r>
           </a:p>
           <a:p>
             <a:pPr marL="171450" indent="-171450">
@@ -1042,24 +1012,12 @@
               <a:buChar char="•"/>
             </a:pPr>
             <a:r>
-              <a:rPr lang="en-US" noProof="0" dirty="0"/>
-              <a:t>We performed hyperparameter tuning with </a:t>
-            </a:r>
-            <a:r>
-              <a:rPr lang="en-US" b="1" noProof="0" dirty="0" err="1"/>
-              <a:t>Optuna</a:t>
-            </a:r>
-            <a:r>
-              <a:rPr lang="en-US" noProof="0" dirty="0"/>
-              <a:t> on </a:t>
-            </a:r>
-            <a:r>
-              <a:rPr lang="en-US" noProof="0" dirty="0" err="1"/>
-              <a:t>XGBoost</a:t>
-            </a:r>
-            <a:r>
-              <a:rPr lang="en-US" noProof="0" dirty="0"/>
-              <a:t>.</a:t>
+              <a:rPr lang="en-US" b="1" dirty="0"/>
+              <a:t>Random Forest</a:t>
+            </a:r>
+            <a:r>
+              <a:rPr lang="en-US" dirty="0"/>
+              <a:t> handles non-linearity and reduces overfitting, but can be slow and less interpretable.</a:t>
             </a:r>
           </a:p>
           <a:p>
@@ -1067,61 +1025,21 @@
               <a:buFont typeface="Arial" panose="020B0604020202020204" pitchFamily="34" charset="0"/>
               <a:buChar char="•"/>
             </a:pPr>
-            <a:endParaRPr lang="en-US" noProof="0" dirty="0"/>
+            <a:r>
+              <a:rPr lang="en-US" b="1" dirty="0"/>
+              <a:t>Polynomial Regression</a:t>
+            </a:r>
+            <a:r>
+              <a:rPr lang="en-US" dirty="0"/>
+              <a:t> captures basic curvature, but easily overfits.</a:t>
+            </a:r>
           </a:p>
           <a:p>
             <a:pPr marL="171450" indent="-171450">
               <a:buFont typeface="Arial" panose="020B0604020202020204" pitchFamily="34" charset="0"/>
               <a:buChar char="•"/>
             </a:pPr>
-            <a:r>
-              <a:rPr lang="en-US" noProof="0" dirty="0"/>
-              <a:t>Tuning parameters include:</a:t>
-            </a:r>
-          </a:p>
-          <a:p>
-            <a:pPr marL="628650" lvl="1" indent="-171450">
-              <a:buFont typeface="Courier New" panose="02070309020205020404" pitchFamily="49" charset="0"/>
-              <a:buChar char="o"/>
-            </a:pPr>
-            <a:r>
-              <a:rPr lang="en-US" noProof="0" dirty="0"/>
-              <a:t>Number of iterations</a:t>
-            </a:r>
-          </a:p>
-          <a:p>
-            <a:pPr marL="628650" lvl="1" indent="-171450">
-              <a:buFont typeface="Courier New" panose="02070309020205020404" pitchFamily="49" charset="0"/>
-              <a:buChar char="o"/>
-            </a:pPr>
-            <a:r>
-              <a:rPr lang="en-US" noProof="0" dirty="0"/>
-              <a:t>Tree depth</a:t>
-            </a:r>
-          </a:p>
-          <a:p>
-            <a:pPr marL="628650" lvl="1" indent="-171450">
-              <a:buFont typeface="Courier New" panose="02070309020205020404" pitchFamily="49" charset="0"/>
-              <a:buChar char="o"/>
-            </a:pPr>
-            <a:r>
-              <a:rPr lang="en-US" noProof="0" dirty="0"/>
-              <a:t>Learning rate</a:t>
-            </a:r>
-          </a:p>
-          <a:p>
-            <a:pPr marL="628650" lvl="1" indent="-171450">
-              <a:buFont typeface="Courier New" panose="02070309020205020404" pitchFamily="49" charset="0"/>
-              <a:buChar char="o"/>
-            </a:pPr>
-            <a:r>
-              <a:rPr lang="en-US" noProof="0" dirty="0"/>
-              <a:t>Regularization parameters</a:t>
-            </a:r>
-          </a:p>
-          <a:p>
-            <a:pPr lvl="1"/>
-            <a:endParaRPr lang="en-US" noProof="0" dirty="0"/>
+            <a:endParaRPr lang="en-US" b="1" dirty="0"/>
           </a:p>
           <a:p>
             <a:pPr marL="171450" indent="-171450">
@@ -1129,8 +1047,12 @@
               <a:buChar char="•"/>
             </a:pPr>
             <a:r>
-              <a:rPr lang="en-US" noProof="0" dirty="0"/>
-              <a:t>Goal: improve accuracy and generalization.</a:t>
+              <a:rPr lang="en-US" b="1" dirty="0" err="1"/>
+              <a:t>XGBoost</a:t>
+            </a:r>
+            <a:r>
+              <a:rPr lang="en-US" dirty="0"/>
+              <a:t> performs well and handles missing data, but requires careful tuning.</a:t>
             </a:r>
           </a:p>
           <a:p>
@@ -1138,7 +1060,7 @@
               <a:buFont typeface="Arial" panose="020B0604020202020204" pitchFamily="34" charset="0"/>
               <a:buChar char="•"/>
             </a:pPr>
-            <a:endParaRPr lang="en-US" noProof="0" dirty="0"/>
+            <a:endParaRPr lang="en-US" dirty="0"/>
           </a:p>
           <a:p>
             <a:pPr marL="171450" indent="-171450">
@@ -1146,20 +1068,122 @@
               <a:buChar char="•"/>
             </a:pPr>
             <a:r>
-              <a:rPr lang="en-US" noProof="0" dirty="0"/>
+              <a:rPr lang="en-US" dirty="0"/>
+              <a:t>With </a:t>
+            </a:r>
+            <a:r>
+              <a:rPr lang="en-US" b="1" dirty="0" err="1"/>
+              <a:t>Optuna</a:t>
+            </a:r>
+            <a:r>
+              <a:rPr lang="en-US" dirty="0"/>
+              <a:t>, we tuned key hyperparameters: </a:t>
+            </a:r>
+          </a:p>
+          <a:p>
+            <a:pPr marL="628650" lvl="1" indent="-171450">
+              <a:buFont typeface="Arial" panose="020B0604020202020204" pitchFamily="34" charset="0"/>
+              <a:buChar char="•"/>
+            </a:pPr>
+            <a:r>
+              <a:rPr lang="en-US" dirty="0"/>
+              <a:t>number of iterations, </a:t>
+            </a:r>
+          </a:p>
+          <a:p>
+            <a:pPr marL="628650" lvl="1" indent="-171450">
+              <a:buFont typeface="Arial" panose="020B0604020202020204" pitchFamily="34" charset="0"/>
+              <a:buChar char="•"/>
+            </a:pPr>
+            <a:r>
+              <a:rPr lang="en-US" dirty="0"/>
+              <a:t>tree depth, </a:t>
+            </a:r>
+          </a:p>
+          <a:p>
+            <a:pPr marL="628650" lvl="1" indent="-171450">
+              <a:buFont typeface="Arial" panose="020B0604020202020204" pitchFamily="34" charset="0"/>
+              <a:buChar char="•"/>
+            </a:pPr>
+            <a:r>
+              <a:rPr lang="en-US" dirty="0"/>
+              <a:t>learning rate, </a:t>
+            </a:r>
+          </a:p>
+          <a:p>
+            <a:pPr marL="628650" lvl="1" indent="-171450">
+              <a:buFont typeface="Arial" panose="020B0604020202020204" pitchFamily="34" charset="0"/>
+              <a:buChar char="•"/>
+            </a:pPr>
+            <a:r>
+              <a:rPr lang="en-US" dirty="0"/>
+              <a:t>and regularization.</a:t>
+            </a:r>
+          </a:p>
+          <a:p>
+            <a:pPr marL="628650" lvl="1" indent="-171450">
+              <a:buFont typeface="Wingdings" panose="05000000000000000000" pitchFamily="2" charset="2"/>
+              <a:buChar char="è"/>
+            </a:pPr>
+            <a:r>
+              <a:rPr lang="en-US" dirty="0"/>
+              <a:t>This </a:t>
+            </a:r>
+            <a:r>
+              <a:rPr lang="en-US" b="1" dirty="0"/>
+              <a:t>hyperparameter tuning</a:t>
+            </a:r>
+            <a:r>
+              <a:rPr lang="en-US" dirty="0"/>
+              <a:t> improves generalization but is computationally expensive.</a:t>
+            </a:r>
+          </a:p>
+          <a:p>
+            <a:pPr marL="171450" indent="-171450">
+              <a:buFont typeface="Wingdings" panose="05000000000000000000" pitchFamily="2" charset="2"/>
+              <a:buChar char="è"/>
+            </a:pPr>
+            <a:endParaRPr lang="en-US" dirty="0"/>
+          </a:p>
+          <a:p>
+            <a:pPr marL="171450" indent="-171450">
+              <a:buFont typeface="Arial" panose="020B0604020202020204" pitchFamily="34" charset="0"/>
+              <a:buChar char="•"/>
+            </a:pPr>
+            <a:r>
+              <a:rPr lang="en-US" b="1" dirty="0" err="1"/>
+              <a:t>CatBoost</a:t>
+            </a:r>
+            <a:r>
+              <a:rPr lang="en-US" dirty="0"/>
+              <a:t>, with native support for categorical features, is efficient but less interpretable.</a:t>
+            </a:r>
+          </a:p>
+          <a:p>
+            <a:pPr marL="171450" indent="-171450">
+              <a:buFont typeface="Arial" panose="020B0604020202020204" pitchFamily="34" charset="0"/>
+              <a:buChar char="•"/>
+            </a:pPr>
+            <a:r>
+              <a:rPr lang="en-US" dirty="0"/>
               <a:t>Tuned </a:t>
             </a:r>
             <a:r>
-              <a:rPr lang="en-US" noProof="0" dirty="0" err="1"/>
-              <a:t>XGBoost</a:t>
-            </a:r>
-            <a:r>
-              <a:rPr lang="en-US" noProof="0" dirty="0"/>
-              <a:t> achieves better results but requires more computation.</a:t>
-            </a:r>
-          </a:p>
-          <a:p>
-            <a:endParaRPr lang="en-US" dirty="0"/>
+              <a:rPr lang="en-US" b="1" dirty="0" err="1"/>
+              <a:t>CatBoost</a:t>
+            </a:r>
+            <a:r>
+              <a:rPr lang="en-US" b="1" dirty="0"/>
+              <a:t> with </a:t>
+            </a:r>
+            <a:r>
+              <a:rPr lang="en-US" b="1" dirty="0" err="1"/>
+              <a:t>Optuna</a:t>
+            </a:r>
+            <a:r>
+              <a:rPr lang="en-US" dirty="0"/>
+              <a:t> gave the best results overall, though tuning remained costly and somewhat unstable.</a:t>
+            </a:r>
           </a:p>
         </p:txBody>
       </p:sp>
@@ -1244,234 +1268,94 @@
           <a:bodyPr/>
           <a:lstStyle/>
           <a:p>
+            <a:pPr marL="0" marR="0" lvl="0" indent="0" algn="l" defTabSz="914400" rtl="0" eaLnBrk="1" fontAlgn="auto" latinLnBrk="0" hangingPunct="1">
+              <a:lnSpc>
+                <a:spcPct val="100000"/>
+              </a:lnSpc>
+              <a:spcBef>
+                <a:spcPts val="0"/>
+              </a:spcBef>
+              <a:spcAft>
+                <a:spcPts val="0"/>
+              </a:spcAft>
+              <a:buClrTx/>
+              <a:buSzTx/>
+              <a:buFont typeface="Arial" panose="020B0604020202020204" pitchFamily="34" charset="0"/>
+              <a:buNone/>
+              <a:tabLst/>
+              <a:defRPr/>
+            </a:pPr>
             <a:r>
               <a:rPr lang="en-US" dirty="0"/>
-              <a:t>On the left, </a:t>
-            </a:r>
-            <a:r>
-              <a:rPr lang="en-US" b="1" dirty="0"/>
-              <a:t>feature selection strategy</a:t>
-            </a:r>
+              <a:t>--- Train / test strategy ---</a:t>
+            </a:r>
+          </a:p>
+          <a:p>
+            <a:pPr marL="0" indent="0">
+              <a:buFont typeface="Arial" panose="020B0604020202020204" pitchFamily="34" charset="0"/>
+              <a:buNone/>
+            </a:pPr>
+            <a:endParaRPr lang="en-US" dirty="0"/>
+          </a:p>
+          <a:p>
+            <a:pPr marL="171450" indent="-171450">
+              <a:buFont typeface="Arial" panose="020B0604020202020204" pitchFamily="34" charset="0"/>
+              <a:buChar char="•"/>
+            </a:pPr>
             <a:r>
               <a:rPr lang="en-US" dirty="0"/>
-              <a:t>:</a:t>
-            </a:r>
-          </a:p>
-          <a:p>
-            <a:endParaRPr lang="en-US" dirty="0"/>
-          </a:p>
-          <a:p>
-            <a:r>
+              <a:t>We followed a standard 80/20 Train/Test split for all models.</a:t>
+            </a:r>
+            <a:br>
               <a:rPr lang="en-US" dirty="0"/>
-              <a:t>We start by </a:t>
-            </a:r>
-            <a:r>
-              <a:rPr lang="en-US" b="1" dirty="0"/>
-              <a:t>removing features with very low variance</a:t>
-            </a:r>
-            <a:r>
-              <a:rPr lang="en-US" dirty="0"/>
-              <a:t> (i.e., features that have almost the same value across all samples, so they don’t provide useful information).</a:t>
-            </a:r>
-          </a:p>
-          <a:p>
-            <a:endParaRPr lang="en-US" dirty="0"/>
-          </a:p>
-          <a:p>
-            <a:r>
-              <a:rPr lang="en-US" dirty="0"/>
-              <a:t>Then, using </a:t>
-            </a:r>
-            <a:r>
-              <a:rPr lang="en-US" b="1" dirty="0"/>
-              <a:t>Random Forest feature importance</a:t>
-            </a:r>
-            <a:r>
-              <a:rPr lang="en-US" dirty="0"/>
-              <a:t>, we pick the </a:t>
-            </a:r>
-            <a:r>
-              <a:rPr lang="en-US" b="1" dirty="0"/>
-              <a:t>top 30 most relevant features</a:t>
-            </a:r>
-            <a:r>
-              <a:rPr lang="en-US" dirty="0"/>
-              <a:t>.</a:t>
-            </a:r>
-          </a:p>
-          <a:p>
-            <a:endParaRPr lang="en-US" dirty="0"/>
-          </a:p>
-          <a:p>
-            <a:r>
-              <a:rPr lang="en-US" dirty="0"/>
-              <a:t>Models are trained and tested on two sets:</a:t>
-            </a:r>
-          </a:p>
-          <a:p>
-            <a:pPr lvl="1"/>
-            <a:r>
-              <a:rPr lang="en-US" dirty="0"/>
-              <a:t>The full set after low-variance features removed (called </a:t>
-            </a:r>
-            <a:r>
-              <a:rPr lang="en-US" i="1" dirty="0"/>
-              <a:t>full reduced features</a:t>
-            </a:r>
-            <a:r>
-              <a:rPr lang="en-US" dirty="0"/>
-              <a:t>).</a:t>
-            </a:r>
-          </a:p>
-          <a:p>
-            <a:pPr lvl="1"/>
-            <a:r>
-              <a:rPr lang="en-US" dirty="0"/>
-              <a:t>The smaller subset with only the top 30 features.</a:t>
-            </a:r>
-          </a:p>
-          <a:p>
-            <a:endParaRPr lang="en-US" dirty="0"/>
-          </a:p>
-          <a:p>
-            <a:r>
-              <a:rPr lang="en-US" dirty="0"/>
-              <a:t>The goal is to </a:t>
-            </a:r>
-            <a:r>
-              <a:rPr lang="en-US" b="1" dirty="0"/>
-              <a:t>balance model accuracy with simplicity</a:t>
-            </a:r>
-            <a:r>
-              <a:rPr lang="en-US" dirty="0"/>
-              <a:t> — fewer features often mean easier and faster models.</a:t>
-            </a:r>
-          </a:p>
-          <a:p>
-            <a:endParaRPr lang="en-US" dirty="0"/>
-          </a:p>
-          <a:p>
-            <a:r>
-              <a:rPr lang="en-US" dirty="0"/>
-              <a:t>On the right, </a:t>
-            </a:r>
-            <a:r>
-              <a:rPr lang="en-US" b="1" dirty="0"/>
-              <a:t>hyperparameter tuning with </a:t>
-            </a:r>
-            <a:r>
-              <a:rPr lang="en-US" b="1" dirty="0" err="1"/>
-              <a:t>Optuna</a:t>
-            </a:r>
-            <a:r>
-              <a:rPr lang="en-US" dirty="0"/>
-              <a:t>:</a:t>
-            </a:r>
-          </a:p>
-          <a:p>
-            <a:endParaRPr lang="en-US" dirty="0"/>
-          </a:p>
-          <a:p>
-            <a:r>
-              <a:rPr lang="en-US" dirty="0"/>
-              <a:t>We use the </a:t>
-            </a:r>
-            <a:r>
-              <a:rPr lang="en-US" b="1" dirty="0" err="1"/>
-              <a:t>Optuna</a:t>
-            </a:r>
-            <a:r>
-              <a:rPr lang="en-US" b="1" dirty="0"/>
-              <a:t> framework to automatically find the best hyperparameters</a:t>
-            </a:r>
-            <a:r>
-              <a:rPr lang="en-US" dirty="0"/>
-              <a:t>.</a:t>
-            </a:r>
-          </a:p>
-          <a:p>
-            <a:endParaRPr lang="en-US" dirty="0"/>
-          </a:p>
-          <a:p>
-            <a:r>
-              <a:rPr lang="en-US" dirty="0"/>
-              <a:t>This tuning is applied to both </a:t>
-            </a:r>
-            <a:r>
-              <a:rPr lang="en-US" b="1" dirty="0" err="1"/>
-              <a:t>CatBoost</a:t>
-            </a:r>
-            <a:r>
-              <a:rPr lang="en-US" b="1" dirty="0"/>
-              <a:t> and </a:t>
-            </a:r>
-            <a:r>
-              <a:rPr lang="en-US" b="1" dirty="0" err="1"/>
-              <a:t>XGBoost</a:t>
-            </a:r>
-            <a:r>
-              <a:rPr lang="en-US" dirty="0"/>
-              <a:t> models.</a:t>
-            </a:r>
-          </a:p>
-          <a:p>
-            <a:endParaRPr lang="en-US" dirty="0"/>
-          </a:p>
-          <a:p>
-            <a:r>
-              <a:rPr lang="en-US" dirty="0"/>
-              <a:t>Parameters tuned include:</a:t>
-            </a:r>
-          </a:p>
-          <a:p>
-            <a:pPr lvl="1"/>
-            <a:r>
-              <a:rPr lang="en-US" dirty="0"/>
-              <a:t>Number of boosting iterations.</a:t>
-            </a:r>
-          </a:p>
-          <a:p>
-            <a:pPr lvl="1"/>
-            <a:r>
-              <a:rPr lang="en-US" dirty="0"/>
-              <a:t>Tree depth.</a:t>
-            </a:r>
-          </a:p>
-          <a:p>
-            <a:pPr lvl="1"/>
-            <a:r>
-              <a:rPr lang="en-US" dirty="0"/>
-              <a:t>Learning rate.</a:t>
-            </a:r>
-          </a:p>
-          <a:p>
-            <a:pPr lvl="1"/>
-            <a:r>
-              <a:rPr lang="en-US" dirty="0"/>
-              <a:t>Regularization terms.</a:t>
-            </a:r>
-          </a:p>
-          <a:p>
-            <a:pPr lvl="1"/>
+            </a:br>
             <a:r>
               <a:rPr lang="en-US" dirty="0"/>
               <a:t>For </a:t>
             </a:r>
             <a:r>
               <a:rPr lang="en-US" dirty="0" err="1"/>
+              <a:t>XGBoost</a:t>
+            </a:r>
+            <a:r>
+              <a:rPr lang="en-US" dirty="0"/>
+              <a:t> and </a:t>
+            </a:r>
+            <a:r>
+              <a:rPr lang="en-US" dirty="0" err="1"/>
               <a:t>CatBoost</a:t>
             </a:r>
             <a:r>
               <a:rPr lang="en-US" dirty="0"/>
-              <a:t> specifically, </a:t>
-            </a:r>
-            <a:r>
-              <a:rPr lang="en-US" b="1" dirty="0"/>
-              <a:t>bootstrap aggregating (bagging) and random strength</a:t>
-            </a:r>
+              <a:t>, we didn’t use a separate dev set — we tuned hyperparameters using 5-Fold Cross Validation directly on the training set.</a:t>
+            </a:r>
+          </a:p>
+          <a:p>
+            <a:pPr marL="171450" indent="-171450">
+              <a:buFont typeface="Arial" panose="020B0604020202020204" pitchFamily="34" charset="0"/>
+              <a:buChar char="•"/>
+            </a:pPr>
             <a:r>
               <a:rPr lang="en-US" dirty="0"/>
-              <a:t>.</a:t>
+              <a:t>The test set stayed untouched until the very end, to ensure fair and unbiased evaluation.</a:t>
+            </a:r>
+          </a:p>
+          <a:p>
+            <a:pPr marL="171450" indent="-171450">
+              <a:buFont typeface="Arial" panose="020B0604020202020204" pitchFamily="34" charset="0"/>
+              <a:buChar char="•"/>
+            </a:pPr>
+            <a:r>
+              <a:rPr lang="en-US" dirty="0"/>
+              <a:t>In test mode, we reduced the number of folds and the sample size to make </a:t>
+            </a:r>
+            <a:r>
+              <a:rPr lang="en-US" dirty="0" err="1"/>
+              <a:t>Optuna</a:t>
+            </a:r>
+            <a:r>
+              <a:rPr lang="en-US" dirty="0"/>
+              <a:t> tuning much faster.</a:t>
             </a:r>
           </a:p>
           <a:p>
@@ -1480,29 +1364,103 @@
           <a:p>
             <a:r>
               <a:rPr lang="en-US" dirty="0"/>
-              <a:t>To speed up experiments, we </a:t>
-            </a:r>
-            <a:r>
-              <a:rPr lang="en-US" b="1" dirty="0"/>
-              <a:t>reduce the number of trials in test mode</a:t>
-            </a:r>
+              <a:t>--- Feature selection ---</a:t>
+            </a:r>
+          </a:p>
+          <a:p>
+            <a:endParaRPr lang="en-US" dirty="0"/>
+          </a:p>
+          <a:p>
+            <a:pPr marL="171450" indent="-171450">
+              <a:buFont typeface="Arial" panose="020B0604020202020204" pitchFamily="34" charset="0"/>
+              <a:buChar char="•"/>
+            </a:pPr>
             <a:r>
               <a:rPr lang="en-US" dirty="0"/>
-              <a:t>.</a:t>
-            </a:r>
-          </a:p>
-          <a:p>
-            <a:r>
+              <a:t>We first removed low-variance features using a Variance Threshold.</a:t>
+            </a:r>
+            <a:br>
               <a:rPr lang="en-US" dirty="0"/>
-              <a:t>Overall, these steps help us build </a:t>
-            </a:r>
-            <a:r>
-              <a:rPr lang="en-US" b="1" dirty="0"/>
-              <a:t>robust, efficient models that generalize well</a:t>
-            </a:r>
+            </a:br>
             <a:r>
               <a:rPr lang="en-US" dirty="0"/>
-              <a:t> to new data.</a:t>
+              <a:t>Then, we selected the top 30 most important features using Random Forest.</a:t>
+            </a:r>
+          </a:p>
+          <a:p>
+            <a:pPr marL="171450" indent="-171450">
+              <a:buFont typeface="Arial" panose="020B0604020202020204" pitchFamily="34" charset="0"/>
+              <a:buChar char="•"/>
+            </a:pPr>
+            <a:endParaRPr lang="en-US" dirty="0"/>
+          </a:p>
+          <a:p>
+            <a:pPr marL="171450" indent="-171450">
+              <a:buFont typeface="Arial" panose="020B0604020202020204" pitchFamily="34" charset="0"/>
+              <a:buChar char="•"/>
+            </a:pPr>
+            <a:r>
+              <a:rPr lang="en-US" dirty="0" err="1"/>
+              <a:t>XGBoost</a:t>
+            </a:r>
+            <a:r>
+              <a:rPr lang="en-US" dirty="0"/>
+              <a:t> &amp; </a:t>
+            </a:r>
+            <a:r>
+              <a:rPr lang="en-US" dirty="0" err="1"/>
+              <a:t>Catboost</a:t>
+            </a:r>
+            <a:r>
+              <a:rPr lang="en-US" dirty="0"/>
+              <a:t> were trained on both:</a:t>
+            </a:r>
+          </a:p>
+          <a:p>
+            <a:pPr marL="628650" lvl="1" indent="-171450">
+              <a:buFont typeface="Arial" panose="020B0604020202020204" pitchFamily="34" charset="0"/>
+              <a:buChar char="•"/>
+            </a:pPr>
+            <a:r>
+              <a:rPr lang="en-US" dirty="0"/>
+              <a:t>The full reduced set,</a:t>
+            </a:r>
+          </a:p>
+          <a:p>
+            <a:pPr marL="628650" lvl="1" indent="-171450">
+              <a:buFont typeface="Arial" panose="020B0604020202020204" pitchFamily="34" charset="0"/>
+              <a:buChar char="•"/>
+            </a:pPr>
+            <a:r>
+              <a:rPr lang="en-US" dirty="0"/>
+              <a:t>and the top 30 features only.</a:t>
+            </a:r>
+          </a:p>
+          <a:p>
+            <a:pPr marL="171450" indent="-171450">
+              <a:buFont typeface="Arial" panose="020B0604020202020204" pitchFamily="34" charset="0"/>
+              <a:buChar char="•"/>
+            </a:pPr>
+            <a:endParaRPr lang="en-US" dirty="0"/>
+          </a:p>
+          <a:p>
+            <a:pPr marL="171450" indent="-171450">
+              <a:buFont typeface="Arial" panose="020B0604020202020204" pitchFamily="34" charset="0"/>
+              <a:buChar char="•"/>
+            </a:pPr>
+            <a:r>
+              <a:rPr lang="en-US" dirty="0"/>
+              <a:t>This helped us compare performance and simplicity, </a:t>
+            </a:r>
+          </a:p>
+          <a:p>
+            <a:pPr marL="0" indent="0">
+              <a:buFont typeface="Arial" panose="020B0604020202020204" pitchFamily="34" charset="0"/>
+              <a:buNone/>
+            </a:pPr>
+            <a:r>
+              <a:rPr lang="en-US" dirty="0"/>
+              <a:t>-&gt; and test if fewer features could still give good results"</a:t>
             </a:r>
           </a:p>
           <a:p>
@@ -1591,6 +1549,498 @@
           <a:bodyPr/>
           <a:lstStyle/>
           <a:p>
+            <a:pPr marL="0" indent="0">
+              <a:buFont typeface="Arial" panose="020B0604020202020204" pitchFamily="34" charset="0"/>
+              <a:buNone/>
+            </a:pPr>
+            <a:endParaRPr lang="fr-BE" b="1" dirty="0"/>
+          </a:p>
+          <a:p>
+            <a:pPr marL="0" marR="0" lvl="0" indent="0" algn="l" defTabSz="914400" rtl="0" eaLnBrk="1" fontAlgn="auto" latinLnBrk="0" hangingPunct="1">
+              <a:lnSpc>
+                <a:spcPct val="100000"/>
+              </a:lnSpc>
+              <a:spcBef>
+                <a:spcPts val="0"/>
+              </a:spcBef>
+              <a:spcAft>
+                <a:spcPts val="0"/>
+              </a:spcAft>
+              <a:buClrTx/>
+              <a:buSzTx/>
+              <a:buFontTx/>
+              <a:buNone/>
+              <a:tabLst/>
+              <a:defRPr/>
+            </a:pPr>
+            <a:r>
+              <a:rPr lang="fr-BE" b="1" dirty="0"/>
+              <a:t>Best Model</a:t>
+            </a:r>
+            <a:r>
+              <a:rPr lang="fr-BE" dirty="0"/>
+              <a:t>:</a:t>
+            </a:r>
+            <a:br>
+              <a:rPr lang="fr-BE" dirty="0"/>
+            </a:br>
+            <a:r>
+              <a:rPr lang="fr-BE" dirty="0" err="1"/>
+              <a:t>CatBoost</a:t>
+            </a:r>
+            <a:r>
+              <a:rPr lang="fr-BE" dirty="0"/>
+              <a:t> + </a:t>
+            </a:r>
+            <a:r>
+              <a:rPr lang="fr-BE" dirty="0" err="1"/>
+              <a:t>Optuna</a:t>
+            </a:r>
+            <a:r>
+              <a:rPr lang="fr-BE" dirty="0"/>
+              <a:t> + Post-Split Evaluation </a:t>
+            </a:r>
+            <a:r>
+              <a:rPr lang="fr-BE" dirty="0" err="1"/>
+              <a:t>reaches</a:t>
+            </a:r>
+            <a:r>
+              <a:rPr lang="fr-BE" dirty="0"/>
+              <a:t> </a:t>
+            </a:r>
+            <a:r>
+              <a:rPr lang="fr-BE" b="1" dirty="0"/>
+              <a:t>0.81 R²</a:t>
+            </a:r>
+            <a:r>
+              <a:rPr lang="fr-BE" dirty="0"/>
+              <a:t> </a:t>
+            </a:r>
+            <a:r>
+              <a:rPr lang="fr-BE" dirty="0" err="1"/>
+              <a:t>with</a:t>
+            </a:r>
+            <a:r>
+              <a:rPr lang="fr-BE" dirty="0"/>
+              <a:t> </a:t>
+            </a:r>
+            <a:r>
+              <a:rPr lang="fr-BE" b="1" dirty="0" err="1"/>
+              <a:t>moderate</a:t>
+            </a:r>
+            <a:r>
+              <a:rPr lang="fr-BE" b="1" dirty="0"/>
+              <a:t> </a:t>
+            </a:r>
+            <a:r>
+              <a:rPr lang="fr-BE" b="1" dirty="0" err="1"/>
+              <a:t>overfitting</a:t>
+            </a:r>
+            <a:r>
+              <a:rPr lang="fr-BE" dirty="0"/>
+              <a:t>.</a:t>
+            </a:r>
+            <a:br>
+              <a:rPr lang="fr-BE" dirty="0"/>
+            </a:br>
+            <a:r>
+              <a:rPr lang="fr-BE" i="1" dirty="0"/>
+              <a:t>(Post-split = re-</a:t>
+            </a:r>
+            <a:r>
+              <a:rPr lang="fr-BE" i="1" dirty="0" err="1"/>
+              <a:t>evaluation</a:t>
+            </a:r>
+            <a:r>
+              <a:rPr lang="fr-BE" i="1" dirty="0"/>
+              <a:t> </a:t>
+            </a:r>
+            <a:r>
+              <a:rPr lang="fr-BE" i="1" dirty="0" err="1"/>
+              <a:t>after</a:t>
+            </a:r>
+            <a:r>
+              <a:rPr lang="fr-BE" i="1" dirty="0"/>
+              <a:t> tuning, on </a:t>
+            </a:r>
+            <a:r>
+              <a:rPr lang="fr-BE" i="1" dirty="0" err="1"/>
+              <a:t>fresh</a:t>
+            </a:r>
+            <a:r>
+              <a:rPr lang="fr-BE" i="1" dirty="0"/>
+              <a:t> data)</a:t>
+            </a:r>
+          </a:p>
+          <a:p>
+            <a:pPr marL="171450" indent="-171450">
+              <a:buFont typeface="Wingdings" panose="05000000000000000000" pitchFamily="2" charset="2"/>
+              <a:buChar char="è"/>
+            </a:pPr>
+            <a:r>
+              <a:rPr lang="fr-BE" dirty="0"/>
+              <a:t>good train performance, </a:t>
+            </a:r>
+            <a:r>
+              <a:rPr lang="fr-BE" dirty="0" err="1"/>
+              <a:t>slightly</a:t>
+            </a:r>
+            <a:r>
+              <a:rPr lang="fr-BE" dirty="0"/>
+              <a:t> </a:t>
+            </a:r>
+            <a:r>
+              <a:rPr lang="fr-BE" dirty="0" err="1"/>
+              <a:t>worse</a:t>
+            </a:r>
+            <a:r>
+              <a:rPr lang="fr-BE" dirty="0"/>
+              <a:t> on test </a:t>
+            </a:r>
+          </a:p>
+          <a:p>
+            <a:pPr marL="171450" indent="-171450">
+              <a:buFont typeface="Wingdings" panose="05000000000000000000" pitchFamily="2" charset="2"/>
+              <a:buChar char="è"/>
+            </a:pPr>
+            <a:r>
+              <a:rPr lang="en-US" dirty="0"/>
+              <a:t>The model captures useful patterns but also some noise, leading to </a:t>
+            </a:r>
+            <a:r>
+              <a:rPr lang="en-US" b="1" dirty="0"/>
+              <a:t>moderate overfitting</a:t>
+            </a:r>
+            <a:r>
+              <a:rPr lang="en-US" dirty="0"/>
+              <a:t>.</a:t>
+            </a:r>
+            <a:endParaRPr lang="fr-BE" dirty="0"/>
+          </a:p>
+          <a:p>
+            <a:endParaRPr lang="fr-BE" b="1" dirty="0"/>
+          </a:p>
+          <a:p>
+            <a:pPr marL="171450" indent="-171450">
+              <a:buFont typeface="Arial" panose="020B0604020202020204" pitchFamily="34" charset="0"/>
+              <a:buChar char="•"/>
+            </a:pPr>
+            <a:r>
+              <a:rPr lang="fr-BE" b="1" dirty="0" err="1"/>
+              <a:t>XGBoost</a:t>
+            </a:r>
+            <a:r>
+              <a:rPr lang="fr-BE" dirty="0"/>
+              <a:t> </a:t>
+            </a:r>
+            <a:r>
+              <a:rPr lang="fr-BE" dirty="0" err="1"/>
+              <a:t>benefits</a:t>
+            </a:r>
+            <a:r>
+              <a:rPr lang="fr-BE" dirty="0"/>
+              <a:t> </a:t>
+            </a:r>
+            <a:r>
+              <a:rPr lang="fr-BE" dirty="0" err="1"/>
+              <a:t>from</a:t>
+            </a:r>
+            <a:r>
+              <a:rPr lang="fr-BE" dirty="0"/>
+              <a:t> </a:t>
+            </a:r>
+            <a:r>
+              <a:rPr lang="fr-BE" b="1" i="1" dirty="0" err="1"/>
+              <a:t>early</a:t>
+            </a:r>
+            <a:r>
+              <a:rPr lang="fr-BE" b="1" i="1" dirty="0"/>
+              <a:t> </a:t>
+            </a:r>
+            <a:r>
+              <a:rPr lang="fr-BE" b="1" i="1" dirty="0" err="1"/>
+              <a:t>stopping</a:t>
+            </a:r>
+            <a:r>
+              <a:rPr lang="fr-BE" b="1" dirty="0"/>
+              <a:t> </a:t>
+            </a:r>
+            <a:r>
+              <a:rPr lang="fr-BE" dirty="0"/>
+              <a:t>(stops training </a:t>
+            </a:r>
+            <a:r>
+              <a:rPr lang="fr-BE" dirty="0" err="1"/>
+              <a:t>when</a:t>
+            </a:r>
+            <a:r>
+              <a:rPr lang="fr-BE" dirty="0"/>
+              <a:t> the model stops </a:t>
+            </a:r>
+            <a:r>
+              <a:rPr lang="fr-BE" dirty="0" err="1"/>
+              <a:t>improving</a:t>
+            </a:r>
+            <a:r>
+              <a:rPr lang="fr-BE" dirty="0"/>
+              <a:t>).</a:t>
+            </a:r>
+          </a:p>
+          <a:p>
+            <a:pPr marL="171450" indent="-171450">
+              <a:buFont typeface="Arial" panose="020B0604020202020204" pitchFamily="34" charset="0"/>
+              <a:buChar char="•"/>
+            </a:pPr>
+            <a:r>
+              <a:rPr lang="fr-BE" b="1" dirty="0" err="1"/>
+              <a:t>Random</a:t>
+            </a:r>
+            <a:r>
+              <a:rPr lang="fr-BE" b="1" dirty="0"/>
+              <a:t> Forest</a:t>
+            </a:r>
+            <a:r>
+              <a:rPr lang="fr-BE" dirty="0"/>
+              <a:t> shows </a:t>
+            </a:r>
+            <a:r>
+              <a:rPr lang="fr-BE" b="1" i="1" dirty="0" err="1"/>
+              <a:t>strong</a:t>
+            </a:r>
+            <a:r>
+              <a:rPr lang="fr-BE" b="1" i="1" dirty="0"/>
+              <a:t> </a:t>
+            </a:r>
+            <a:r>
+              <a:rPr lang="fr-BE" b="1" i="1" dirty="0" err="1"/>
+              <a:t>overfitting</a:t>
+            </a:r>
+            <a:r>
+              <a:rPr lang="fr-BE" b="1" dirty="0"/>
+              <a:t> </a:t>
+            </a:r>
+            <a:r>
+              <a:rPr lang="fr-BE" dirty="0"/>
+              <a:t>(</a:t>
+            </a:r>
+            <a:r>
+              <a:rPr lang="fr-BE" dirty="0" err="1"/>
+              <a:t>perfect</a:t>
+            </a:r>
+            <a:r>
+              <a:rPr lang="fr-BE" dirty="0"/>
+              <a:t> on train, </a:t>
+            </a:r>
+            <a:r>
+              <a:rPr lang="fr-BE" dirty="0" err="1"/>
+              <a:t>poor</a:t>
+            </a:r>
+            <a:r>
+              <a:rPr lang="fr-BE" dirty="0"/>
+              <a:t> on test).</a:t>
+            </a:r>
+          </a:p>
+          <a:p>
+            <a:pPr marL="171450" indent="-171450">
+              <a:buFont typeface="Arial" panose="020B0604020202020204" pitchFamily="34" charset="0"/>
+              <a:buChar char="•"/>
+            </a:pPr>
+            <a:r>
+              <a:rPr lang="fr-BE" b="1" dirty="0" err="1"/>
+              <a:t>Linear</a:t>
+            </a:r>
+            <a:r>
+              <a:rPr lang="fr-BE" b="1" dirty="0"/>
+              <a:t> </a:t>
+            </a:r>
+            <a:r>
+              <a:rPr lang="fr-BE" b="1" dirty="0" err="1"/>
+              <a:t>models</a:t>
+            </a:r>
+            <a:r>
+              <a:rPr lang="fr-BE" dirty="0"/>
+              <a:t> </a:t>
+            </a:r>
+            <a:r>
+              <a:rPr lang="fr-BE" dirty="0" err="1"/>
+              <a:t>underfit</a:t>
+            </a:r>
+            <a:r>
+              <a:rPr lang="fr-BE" dirty="0"/>
+              <a:t> → </a:t>
+            </a:r>
+            <a:r>
+              <a:rPr lang="fr-BE" dirty="0" err="1"/>
+              <a:t>too</a:t>
+            </a:r>
+            <a:r>
+              <a:rPr lang="fr-BE" dirty="0"/>
+              <a:t> simple for </a:t>
+            </a:r>
+            <a:r>
+              <a:rPr lang="fr-BE" dirty="0" err="1"/>
+              <a:t>this</a:t>
+            </a:r>
+            <a:r>
+              <a:rPr lang="fr-BE" dirty="0"/>
+              <a:t> </a:t>
+            </a:r>
+            <a:r>
+              <a:rPr lang="fr-BE" dirty="0" err="1"/>
+              <a:t>task</a:t>
+            </a:r>
+            <a:r>
+              <a:rPr lang="fr-BE" dirty="0"/>
+              <a:t>.</a:t>
+            </a:r>
+          </a:p>
+          <a:p>
+            <a:endParaRPr lang="en-US" dirty="0"/>
+          </a:p>
+          <a:p>
+            <a:r>
+              <a:rPr lang="en-US" dirty="0"/>
+              <a:t>----------------------------------------------</a:t>
+            </a:r>
+          </a:p>
+          <a:p>
+            <a:endParaRPr lang="en-US" dirty="0"/>
+          </a:p>
+          <a:p>
+            <a:pPr marL="171450" indent="-171450">
+              <a:buFont typeface="Arial" panose="020B0604020202020204" pitchFamily="34" charset="0"/>
+              <a:buChar char="•"/>
+            </a:pPr>
+            <a:r>
+              <a:rPr lang="en-US" b="1" dirty="0"/>
+              <a:t>A large MEA gap indicates </a:t>
+            </a:r>
+            <a:r>
+              <a:rPr lang="en-US" dirty="0"/>
+              <a:t>the model is learning patterns that are specific to the training data,  including random</a:t>
+            </a:r>
+          </a:p>
+          <a:p>
+            <a:pPr marL="171450" indent="-171450">
+              <a:buFont typeface="Arial" panose="020B0604020202020204" pitchFamily="34" charset="0"/>
+              <a:buChar char="•"/>
+            </a:pPr>
+            <a:r>
+              <a:rPr lang="fr-BE" b="1" dirty="0"/>
+              <a:t>A large R2 gap </a:t>
+            </a:r>
+            <a:r>
+              <a:rPr lang="en-US" sz="1200" dirty="0">
+                <a:solidFill>
+                  <a:schemeClr val="tx2"/>
+                </a:solidFill>
+              </a:rPr>
+              <a:t>implies the model does not generalize well.</a:t>
+            </a:r>
+          </a:p>
+          <a:p>
+            <a:pPr marL="0" indent="0">
+              <a:buFont typeface="Arial" panose="020B0604020202020204" pitchFamily="34" charset="0"/>
+              <a:buNone/>
+            </a:pPr>
+            <a:r>
+              <a:rPr lang="en-US" sz="1200" b="1" dirty="0">
+                <a:solidFill>
+                  <a:schemeClr val="tx2"/>
+                </a:solidFill>
+              </a:rPr>
+              <a:t> </a:t>
+            </a:r>
+          </a:p>
+          <a:p>
+            <a:pPr marL="171450" indent="-171450">
+              <a:buFont typeface="Arial" panose="020B0604020202020204" pitchFamily="34" charset="0"/>
+              <a:buChar char="•"/>
+            </a:pPr>
+            <a:r>
+              <a:rPr lang="fr-BE" b="1" dirty="0" err="1"/>
+              <a:t>Moderate</a:t>
+            </a:r>
+            <a:r>
+              <a:rPr lang="fr-BE" b="1" dirty="0"/>
+              <a:t> </a:t>
+            </a:r>
+            <a:r>
+              <a:rPr lang="fr-BE" b="1" dirty="0" err="1"/>
+              <a:t>overfitting</a:t>
+            </a:r>
+            <a:r>
+              <a:rPr lang="fr-BE" dirty="0"/>
+              <a:t> = good train performance, </a:t>
+            </a:r>
+            <a:r>
+              <a:rPr lang="fr-BE" dirty="0" err="1"/>
+              <a:t>slightly</a:t>
+            </a:r>
+            <a:r>
+              <a:rPr lang="fr-BE" dirty="0"/>
+              <a:t> </a:t>
+            </a:r>
+            <a:r>
+              <a:rPr lang="fr-BE" dirty="0" err="1"/>
+              <a:t>worse</a:t>
+            </a:r>
+            <a:r>
+              <a:rPr lang="fr-BE" dirty="0"/>
+              <a:t> on test → </a:t>
+            </a:r>
+            <a:r>
+              <a:rPr lang="fr-BE" dirty="0" err="1"/>
+              <a:t>some</a:t>
+            </a:r>
+            <a:r>
+              <a:rPr lang="fr-BE" dirty="0"/>
+              <a:t> patterns </a:t>
+            </a:r>
+            <a:r>
+              <a:rPr lang="fr-BE" dirty="0" err="1"/>
+              <a:t>too</a:t>
+            </a:r>
+            <a:r>
+              <a:rPr lang="fr-BE" dirty="0"/>
+              <a:t> </a:t>
+            </a:r>
+            <a:r>
+              <a:rPr lang="fr-BE" dirty="0" err="1"/>
+              <a:t>specific</a:t>
+            </a:r>
+            <a:r>
+              <a:rPr lang="fr-BE" dirty="0"/>
+              <a:t>.</a:t>
+            </a:r>
+          </a:p>
+          <a:p>
+            <a:pPr marL="171450" indent="-171450">
+              <a:buFont typeface="Arial" panose="020B0604020202020204" pitchFamily="34" charset="0"/>
+              <a:buChar char="•"/>
+            </a:pPr>
+            <a:r>
+              <a:rPr lang="fr-BE" b="1" dirty="0"/>
+              <a:t>Good </a:t>
+            </a:r>
+            <a:r>
+              <a:rPr lang="fr-BE" b="1" dirty="0" err="1"/>
+              <a:t>generalization</a:t>
+            </a:r>
+            <a:r>
+              <a:rPr lang="fr-BE" dirty="0"/>
+              <a:t> = consistent train/test scores → model captures </a:t>
+            </a:r>
+            <a:r>
+              <a:rPr lang="fr-BE" dirty="0" err="1"/>
+              <a:t>true</a:t>
+            </a:r>
+            <a:r>
+              <a:rPr lang="fr-BE" dirty="0"/>
+              <a:t> structure.</a:t>
+            </a:r>
+          </a:p>
+          <a:p>
             <a:endParaRPr lang="en-US" dirty="0"/>
           </a:p>
         </p:txBody>
@@ -1623,6 +2073,285 @@
     <p:extLst>
       <p:ext uri="{BB962C8B-B14F-4D97-AF65-F5344CB8AC3E}">
         <p14:creationId xmlns:p14="http://schemas.microsoft.com/office/powerpoint/2010/main" val="548208116"/>
+      </p:ext>
+    </p:extLst>
+  </p:cSld>
+  <p:clrMapOvr>
+    <a:masterClrMapping/>
+  </p:clrMapOvr>
+</p:notes>
+</file>
+
+<file path=ppt/notesSlides/notesSlide6.xml><?xml version="1.0" encoding="utf-8"?>
+<p:notes xmlns:a="http://schemas.openxmlformats.org/drawingml/2006/main" xmlns:r="http://schemas.openxmlformats.org/officeDocument/2006/relationships" xmlns:p="http://schemas.openxmlformats.org/presentationml/2006/main">
+  <p:cSld>
+    <p:spTree>
+      <p:nvGrpSpPr>
+        <p:cNvPr id="1" name=""/>
+        <p:cNvGrpSpPr/>
+        <p:nvPr/>
+      </p:nvGrpSpPr>
+      <p:grpSpPr>
+        <a:xfrm>
+          <a:off x="0" y="0"/>
+          <a:ext cx="0" cy="0"/>
+          <a:chOff x="0" y="0"/>
+          <a:chExt cx="0" cy="0"/>
+        </a:xfrm>
+      </p:grpSpPr>
+      <p:sp>
+        <p:nvSpPr>
+          <p:cNvPr id="2" name="Slide Image Placeholder 1"/>
+          <p:cNvSpPr>
+            <a:spLocks noGrp="1" noRot="1" noChangeAspect="1"/>
+          </p:cNvSpPr>
+          <p:nvPr>
+            <p:ph type="sldImg"/>
+          </p:nvPr>
+        </p:nvSpPr>
+        <p:spPr/>
+      </p:sp>
+      <p:sp>
+        <p:nvSpPr>
+          <p:cNvPr id="3" name="Notes Placeholder 2"/>
+          <p:cNvSpPr>
+            <a:spLocks noGrp="1"/>
+          </p:cNvSpPr>
+          <p:nvPr>
+            <p:ph type="body" idx="1"/>
+          </p:nvPr>
+        </p:nvSpPr>
+        <p:spPr/>
+        <p:txBody>
+          <a:bodyPr/>
+          <a:lstStyle/>
+          <a:p>
+            <a:pPr marL="171450" indent="-171450">
+              <a:buFont typeface="Arial" panose="020B0604020202020204" pitchFamily="34" charset="0"/>
+              <a:buChar char="•"/>
+            </a:pPr>
+            <a:r>
+              <a:rPr lang="en-US" dirty="0"/>
+              <a:t>Hyperparameter tuning was very time-consuming, even with GPU, especially with complex models like </a:t>
+            </a:r>
+            <a:r>
+              <a:rPr lang="en-US" dirty="0" err="1"/>
+              <a:t>XGBoost</a:t>
+            </a:r>
+            <a:r>
+              <a:rPr lang="en-US" dirty="0"/>
+              <a:t> and </a:t>
+            </a:r>
+            <a:r>
+              <a:rPr lang="en-US" dirty="0" err="1"/>
+              <a:t>CatBoost</a:t>
+            </a:r>
+            <a:r>
+              <a:rPr lang="en-US" dirty="0"/>
+              <a:t>.</a:t>
+            </a:r>
+            <a:br>
+              <a:rPr lang="en-US" dirty="0"/>
+            </a:br>
+            <a:r>
+              <a:rPr lang="en-US" dirty="0"/>
+              <a:t> -&gt; We used </a:t>
+            </a:r>
+            <a:r>
+              <a:rPr lang="en-US" b="1" dirty="0" err="1"/>
+              <a:t>Optuna</a:t>
+            </a:r>
+            <a:r>
+              <a:rPr lang="en-US" dirty="0"/>
+              <a:t> with </a:t>
+            </a:r>
+            <a:r>
+              <a:rPr lang="en-US" b="1" dirty="0"/>
+              <a:t>cross-validation</a:t>
+            </a:r>
+            <a:r>
+              <a:rPr lang="en-US" dirty="0"/>
+              <a:t> (splitting data into folds to ensure robustness), </a:t>
+            </a:r>
+          </a:p>
+          <a:p>
+            <a:pPr marL="0" indent="0">
+              <a:buFont typeface="Arial" panose="020B0604020202020204" pitchFamily="34" charset="0"/>
+              <a:buNone/>
+            </a:pPr>
+            <a:r>
+              <a:rPr lang="en-US" dirty="0"/>
+              <a:t>     -&gt; which added to the computation time.</a:t>
+            </a:r>
+          </a:p>
+          <a:p>
+            <a:pPr marL="171450" indent="-171450">
+              <a:buFont typeface="Arial" panose="020B0604020202020204" pitchFamily="34" charset="0"/>
+              <a:buChar char="•"/>
+            </a:pPr>
+            <a:endParaRPr lang="en-US" dirty="0"/>
+          </a:p>
+          <a:p>
+            <a:pPr marL="171450" indent="-171450">
+              <a:buFont typeface="Arial" panose="020B0604020202020204" pitchFamily="34" charset="0"/>
+              <a:buChar char="•"/>
+            </a:pPr>
+            <a:r>
+              <a:rPr lang="en-US" dirty="0"/>
+              <a:t>Finding the balance between </a:t>
+            </a:r>
+            <a:r>
+              <a:rPr lang="en-US" b="1" dirty="0"/>
+              <a:t>underfitting</a:t>
+            </a:r>
+            <a:r>
+              <a:rPr lang="en-US" dirty="0"/>
+              <a:t> and </a:t>
+            </a:r>
+            <a:r>
+              <a:rPr lang="en-US" b="1" dirty="0"/>
+              <a:t>overfitting</a:t>
+            </a:r>
+            <a:r>
+              <a:rPr lang="en-US" dirty="0"/>
+              <a:t> was tricky, </a:t>
+            </a:r>
+          </a:p>
+          <a:p>
+            <a:pPr marL="0" indent="0">
+              <a:buFont typeface="Arial" panose="020B0604020202020204" pitchFamily="34" charset="0"/>
+              <a:buNone/>
+            </a:pPr>
+            <a:r>
+              <a:rPr lang="en-US" dirty="0"/>
+              <a:t>    -&gt; due to missing or noisy features like </a:t>
+            </a:r>
+            <a:r>
+              <a:rPr lang="en-US" dirty="0" err="1"/>
+              <a:t>epcScore</a:t>
+            </a:r>
+            <a:r>
+              <a:rPr lang="en-US" dirty="0"/>
+              <a:t> or </a:t>
+            </a:r>
+            <a:r>
+              <a:rPr lang="en-US" dirty="0" err="1"/>
+              <a:t>kitchenType</a:t>
+            </a:r>
+            <a:r>
+              <a:rPr lang="en-US" dirty="0"/>
+              <a:t>.</a:t>
+            </a:r>
+          </a:p>
+          <a:p>
+            <a:pPr marL="171450" indent="-171450">
+              <a:buFont typeface="Arial" panose="020B0604020202020204" pitchFamily="34" charset="0"/>
+              <a:buChar char="•"/>
+            </a:pPr>
+            <a:endParaRPr lang="en-US" dirty="0"/>
+          </a:p>
+          <a:p>
+            <a:pPr marL="171450" indent="-171450">
+              <a:buFont typeface="Arial" panose="020B0604020202020204" pitchFamily="34" charset="0"/>
+              <a:buChar char="•"/>
+            </a:pPr>
+            <a:r>
+              <a:rPr lang="en-US" dirty="0"/>
+              <a:t>Getting </a:t>
+            </a:r>
+            <a:r>
+              <a:rPr lang="en-US" b="1" dirty="0"/>
+              <a:t>stable results</a:t>
+            </a:r>
+            <a:r>
+              <a:rPr lang="en-US" dirty="0"/>
+              <a:t> required over </a:t>
+            </a:r>
+            <a:r>
+              <a:rPr lang="en-US" b="1" dirty="0"/>
+              <a:t>100 trials per model</a:t>
+            </a:r>
+            <a:r>
+              <a:rPr lang="en-US" dirty="0"/>
+              <a:t>, and multiple validation methods like </a:t>
+            </a:r>
+            <a:r>
+              <a:rPr lang="en-US" b="1" dirty="0"/>
+              <a:t>K-Fold  (</a:t>
+            </a:r>
+            <a:r>
+              <a:rPr lang="en-US" dirty="0"/>
+              <a:t>splitting data into K parts and rotating train/test sets)</a:t>
+            </a:r>
+          </a:p>
+          <a:p>
+            <a:pPr marL="171450" indent="-171450">
+              <a:buFont typeface="Arial" panose="020B0604020202020204" pitchFamily="34" charset="0"/>
+              <a:buChar char="•"/>
+            </a:pPr>
+            <a:endParaRPr lang="en-US" dirty="0"/>
+          </a:p>
+          <a:p>
+            <a:pPr marL="171450" indent="-171450">
+              <a:buFont typeface="Arial" panose="020B0604020202020204" pitchFamily="34" charset="0"/>
+              <a:buChar char="•"/>
+            </a:pPr>
+            <a:r>
+              <a:rPr lang="en-US" dirty="0"/>
+              <a:t>And this gets harder when the </a:t>
+            </a:r>
+            <a:r>
+              <a:rPr lang="en-US" b="1" dirty="0"/>
+              <a:t>training window, </a:t>
+            </a:r>
+            <a:r>
+              <a:rPr lang="en-US" dirty="0"/>
+              <a:t> </a:t>
+            </a:r>
+          </a:p>
+          <a:p>
+            <a:pPr marL="0" indent="0">
+              <a:buFont typeface="Arial" panose="020B0604020202020204" pitchFamily="34" charset="0"/>
+              <a:buNone/>
+            </a:pPr>
+            <a:r>
+              <a:rPr lang="en-US" dirty="0"/>
+              <a:t>  -&gt; meaning the actual time we have to run experiments is short.</a:t>
+            </a:r>
+          </a:p>
+          <a:p>
+            <a:endParaRPr lang="en-US" dirty="0"/>
+          </a:p>
+        </p:txBody>
+      </p:sp>
+      <p:sp>
+        <p:nvSpPr>
+          <p:cNvPr id="4" name="Slide Number Placeholder 3"/>
+          <p:cNvSpPr>
+            <a:spLocks noGrp="1"/>
+          </p:cNvSpPr>
+          <p:nvPr>
+            <p:ph type="sldNum" sz="quarter" idx="5"/>
+          </p:nvPr>
+        </p:nvSpPr>
+        <p:spPr/>
+        <p:txBody>
+          <a:bodyPr/>
+          <a:lstStyle/>
+          <a:p>
+            <a:pPr rtl="0"/>
+            <a:fld id="{6336304E-FDE3-4B4F-A3B7-EBE87F3FA5E2}" type="slidenum">
+              <a:rPr lang="fr-FR" noProof="0" smtClean="0"/>
+              <a:t>6</a:t>
+            </a:fld>
+            <a:endParaRPr lang="fr-FR" noProof="0" dirty="0"/>
+          </a:p>
+        </p:txBody>
+      </p:sp>
+    </p:spTree>
+    <p:extLst>
+      <p:ext uri="{BB962C8B-B14F-4D97-AF65-F5344CB8AC3E}">
+        <p14:creationId xmlns:p14="http://schemas.microsoft.com/office/powerpoint/2010/main" val="777342782"/>
       </p:ext>
     </p:extLst>
   </p:cSld>
@@ -14039,7 +14768,7 @@
             <a:pPr rtl="0"/>
             <a:fld id="{D4EC748F-88DB-4BA1-B6AB-BE1A47757B27}" type="datetime1">
               <a:rPr lang="fr-FR" noProof="0" smtClean="0"/>
-              <a:t>01/07/2025</a:t>
+              <a:t>02/07/2025</a:t>
             </a:fld>
             <a:endParaRPr lang="fr-FR" noProof="0" dirty="0"/>
           </a:p>
@@ -15985,14 +16714,14 @@
           <p:nvPr>
             <p:extLst>
               <p:ext uri="{D42A27DB-BD31-4B8C-83A1-F6EECF244321}">
-                <p14:modId xmlns:p14="http://schemas.microsoft.com/office/powerpoint/2010/main" val="2365875860"/>
+                <p14:modId xmlns:p14="http://schemas.microsoft.com/office/powerpoint/2010/main" val="79517173"/>
               </p:ext>
             </p:extLst>
           </p:nvPr>
         </p:nvGraphicFramePr>
         <p:xfrm>
-          <a:off x="733528" y="1112684"/>
-          <a:ext cx="10440464" cy="3807730"/>
+          <a:off x="593828" y="896784"/>
+          <a:ext cx="11150600" cy="4969126"/>
         </p:xfrm>
         <a:graphic>
           <a:graphicData uri="http://schemas.openxmlformats.org/drawingml/2006/table">
@@ -16001,28 +16730,28 @@
                 <a:tableStyleId>{5C22544A-7EE6-4342-B048-85BDC9FD1C3A}</a:tableStyleId>
               </a:tblPr>
               <a:tblGrid>
-                <a:gridCol w="2610116">
+                <a:gridCol w="2787650">
                   <a:extLst>
                     <a:ext uri="{9D8B030D-6E8A-4147-A177-3AD203B41FA5}">
                       <a16:colId xmlns:a16="http://schemas.microsoft.com/office/drawing/2014/main" val="598865344"/>
                     </a:ext>
                   </a:extLst>
                 </a:gridCol>
-                <a:gridCol w="2610116">
+                <a:gridCol w="2787650">
                   <a:extLst>
                     <a:ext uri="{9D8B030D-6E8A-4147-A177-3AD203B41FA5}">
                       <a16:colId xmlns:a16="http://schemas.microsoft.com/office/drawing/2014/main" val="932110587"/>
                     </a:ext>
                   </a:extLst>
                 </a:gridCol>
-                <a:gridCol w="2878474">
+                <a:gridCol w="3074261">
                   <a:extLst>
                     <a:ext uri="{9D8B030D-6E8A-4147-A177-3AD203B41FA5}">
                       <a16:colId xmlns:a16="http://schemas.microsoft.com/office/drawing/2014/main" val="1024230962"/>
                     </a:ext>
                   </a:extLst>
                 </a:gridCol>
-                <a:gridCol w="2341758">
+                <a:gridCol w="2501039">
                   <a:extLst>
                     <a:ext uri="{9D8B030D-6E8A-4147-A177-3AD203B41FA5}">
                       <a16:colId xmlns:a16="http://schemas.microsoft.com/office/drawing/2014/main" val="1542633015"/>
@@ -16489,6 +17218,196 @@
                   </a:ext>
                 </a:extLst>
               </a:tr>
+              <a:tr h="370840">
+                <a:tc>
+                  <a:txBody>
+                    <a:bodyPr/>
+                    <a:lstStyle/>
+                    <a:p>
+                      <a:pPr>
+                        <a:buNone/>
+                      </a:pPr>
+                      <a:r>
+                        <a:rPr lang="fr-BE" sz="1400" dirty="0" err="1"/>
+                        <a:t>CatBoost</a:t>
+                      </a:r>
+                      <a:r>
+                        <a:rPr lang="fr-BE" sz="1400" dirty="0"/>
+                        <a:t> (Baseline)</a:t>
+                      </a:r>
+                      <a:endParaRPr lang="en-US" sz="1400" noProof="0" dirty="0"/>
+                    </a:p>
+                  </a:txBody>
+                  <a:tcPr marL="47297" marR="47297" marT="23649" marB="23649" anchor="ctr"/>
+                </a:tc>
+                <a:tc>
+                  <a:txBody>
+                    <a:bodyPr/>
+                    <a:lstStyle/>
+                    <a:p>
+                      <a:pPr>
+                        <a:buNone/>
+                      </a:pPr>
+                      <a:r>
+                        <a:rPr lang="en-US" sz="1400" dirty="0"/>
+                        <a:t>Gradient boosting with categorical feature support (no encoding needed).</a:t>
+                      </a:r>
+                      <a:endParaRPr lang="en-US" sz="1400" noProof="0" dirty="0"/>
+                    </a:p>
+                  </a:txBody>
+                  <a:tcPr marL="47297" marR="47297" marT="23649" marB="23649" anchor="ctr"/>
+                </a:tc>
+                <a:tc>
+                  <a:txBody>
+                    <a:bodyPr/>
+                    <a:lstStyle/>
+                    <a:p>
+                      <a:pPr>
+                        <a:buNone/>
+                      </a:pPr>
+                      <a:r>
+                        <a:rPr lang="en-US" sz="1400" dirty="0"/>
+                        <a:t>Handles missing data, fast with categorical features </a:t>
+                      </a:r>
+                      <a:endParaRPr lang="en-US" sz="1400" noProof="0" dirty="0"/>
+                    </a:p>
+                  </a:txBody>
+                  <a:tcPr marL="47297" marR="47297" marT="23649" marB="23649" anchor="ctr"/>
+                </a:tc>
+                <a:tc>
+                  <a:txBody>
+                    <a:bodyPr/>
+                    <a:lstStyle/>
+                    <a:p>
+                      <a:pPr>
+                        <a:buNone/>
+                      </a:pPr>
+                      <a:r>
+                        <a:rPr lang="fr-BE" sz="1400" dirty="0" err="1"/>
+                        <a:t>Requires</a:t>
+                      </a:r>
+                      <a:r>
+                        <a:rPr lang="fr-BE" sz="1400" dirty="0"/>
+                        <a:t> tuning, </a:t>
+                      </a:r>
+                      <a:r>
+                        <a:rPr lang="fr-BE" sz="1400" dirty="0" err="1"/>
+                        <a:t>less</a:t>
+                      </a:r>
+                      <a:r>
+                        <a:rPr lang="fr-BE" sz="1400" dirty="0"/>
+                        <a:t> </a:t>
+                      </a:r>
+                      <a:r>
+                        <a:rPr lang="fr-BE" sz="1400" dirty="0" err="1"/>
+                        <a:t>interpretable</a:t>
+                      </a:r>
+                      <a:r>
+                        <a:rPr lang="fr-BE" sz="1400" dirty="0"/>
+                        <a:t> </a:t>
+                      </a:r>
+                      <a:endParaRPr lang="en-US" sz="1400" noProof="0" dirty="0"/>
+                    </a:p>
+                  </a:txBody>
+                  <a:tcPr marL="47297" marR="47297" marT="23649" marB="23649" anchor="ctr"/>
+                </a:tc>
+                <a:extLst>
+                  <a:ext uri="{0D108BD9-81ED-4DB2-BD59-A6C34878D82A}">
+                    <a16:rowId xmlns:a16="http://schemas.microsoft.com/office/drawing/2014/main" val="1258959665"/>
+                  </a:ext>
+                </a:extLst>
+              </a:tr>
+              <a:tr h="370840">
+                <a:tc>
+                  <a:txBody>
+                    <a:bodyPr/>
+                    <a:lstStyle/>
+                    <a:p>
+                      <a:pPr>
+                        <a:buNone/>
+                      </a:pPr>
+                      <a:r>
+                        <a:rPr lang="fr-BE" sz="1400" dirty="0" err="1"/>
+                        <a:t>CatBoost</a:t>
+                      </a:r>
+                      <a:r>
+                        <a:rPr lang="fr-BE" sz="1400" dirty="0"/>
+                        <a:t> (</a:t>
+                      </a:r>
+                      <a:r>
+                        <a:rPr lang="fr-BE" sz="1400" dirty="0" err="1"/>
+                        <a:t>Optuna</a:t>
+                      </a:r>
+                      <a:r>
+                        <a:rPr lang="fr-BE" sz="1400" dirty="0"/>
+                        <a:t> tuning)</a:t>
+                      </a:r>
+                      <a:endParaRPr lang="en-US" sz="1400" noProof="0" dirty="0"/>
+                    </a:p>
+                  </a:txBody>
+                  <a:tcPr marL="47297" marR="47297" marT="23649" marB="23649" anchor="ctr"/>
+                </a:tc>
+                <a:tc>
+                  <a:txBody>
+                    <a:bodyPr/>
+                    <a:lstStyle/>
+                    <a:p>
+                      <a:pPr>
+                        <a:buNone/>
+                      </a:pPr>
+                      <a:r>
+                        <a:rPr lang="en-US" sz="1400" dirty="0"/>
+                        <a:t>Same as baseline, with hyperparameter optimized via </a:t>
+                      </a:r>
+                      <a:r>
+                        <a:rPr lang="en-US" sz="1400" dirty="0" err="1"/>
+                        <a:t>Optuna</a:t>
+                      </a:r>
+                      <a:endParaRPr lang="en-US" sz="1400" noProof="0" dirty="0"/>
+                    </a:p>
+                  </a:txBody>
+                  <a:tcPr marL="47297" marR="47297" marT="23649" marB="23649" anchor="ctr"/>
+                </a:tc>
+                <a:tc>
+                  <a:txBody>
+                    <a:bodyPr/>
+                    <a:lstStyle/>
+                    <a:p>
+                      <a:pPr>
+                        <a:buNone/>
+                      </a:pPr>
+                      <a:r>
+                        <a:rPr lang="en-US" sz="1400" dirty="0"/>
+                        <a:t>Better generalization, robust with limited data</a:t>
+                      </a:r>
+                      <a:endParaRPr lang="en-US" sz="1400" noProof="0" dirty="0"/>
+                    </a:p>
+                  </a:txBody>
+                  <a:tcPr marL="47297" marR="47297" marT="23649" marB="23649" anchor="ctr"/>
+                </a:tc>
+                <a:tc>
+                  <a:txBody>
+                    <a:bodyPr/>
+                    <a:lstStyle/>
+                    <a:p>
+                      <a:pPr>
+                        <a:buNone/>
+                      </a:pPr>
+                      <a:r>
+                        <a:rPr lang="en-US" sz="1400" dirty="0"/>
+                        <a:t>Computationally expensive, tuning still unstable</a:t>
+                      </a:r>
+                      <a:endParaRPr lang="en-US" sz="1400" noProof="0" dirty="0"/>
+                    </a:p>
+                  </a:txBody>
+                  <a:tcPr marL="47297" marR="47297" marT="23649" marB="23649" anchor="ctr"/>
+                </a:tc>
+                <a:extLst>
+                  <a:ext uri="{0D108BD9-81ED-4DB2-BD59-A6C34878D82A}">
+                    <a16:rowId xmlns:a16="http://schemas.microsoft.com/office/drawing/2014/main" val="2831420282"/>
+                  </a:ext>
+                </a:extLst>
+              </a:tr>
             </a:tbl>
           </a:graphicData>
         </a:graphic>
@@ -16555,7 +17474,7 @@
                   <a:schemeClr val="accent2"/>
                 </a:solidFill>
               </a:rPr>
-              <a:t>Feature Selection &amp; Hyperparameter Tuning</a:t>
+              <a:t>Train/Test Strategy &amp; Feature Selection</a:t>
             </a:r>
           </a:p>
         </p:txBody>
@@ -16574,8 +17493,8 @@
         </p:nvSpPr>
         <p:spPr>
           <a:xfrm>
-            <a:off x="515938" y="1182633"/>
-            <a:ext cx="5493702" cy="4796525"/>
+            <a:off x="6096000" y="1030737"/>
+            <a:ext cx="5493702" cy="5159603"/>
           </a:xfrm>
           <a:prstGeom prst="roundRect">
             <a:avLst>
@@ -16610,10 +17529,229 @@
       </p:sp>
       <p:sp>
         <p:nvSpPr>
-          <p:cNvPr id="4" name="Rounded Rectangle">
-            <a:extLst>
-              <a:ext uri="{FF2B5EF4-FFF2-40B4-BE49-F238E27FC236}">
-                <a16:creationId xmlns:a16="http://schemas.microsoft.com/office/drawing/2014/main" id="{E021AF51-2C7D-5F21-BA23-2C1BE7D7917C}"/>
+          <p:cNvPr id="5" name="TextBox 4">
+            <a:extLst>
+              <a:ext uri="{FF2B5EF4-FFF2-40B4-BE49-F238E27FC236}">
+                <a16:creationId xmlns:a16="http://schemas.microsoft.com/office/drawing/2014/main" id="{2A191D56-EF0A-9B56-1670-90AFF1CA0B2F}"/>
+              </a:ext>
+            </a:extLst>
+          </p:cNvPr>
+          <p:cNvSpPr txBox="1"/>
+          <p:nvPr/>
+        </p:nvSpPr>
+        <p:spPr>
+          <a:xfrm>
+            <a:off x="6397942" y="1919845"/>
+            <a:ext cx="4942840" cy="3693319"/>
+          </a:xfrm>
+          <a:prstGeom prst="rect">
+            <a:avLst/>
+          </a:prstGeom>
+          <a:noFill/>
+        </p:spPr>
+        <p:txBody>
+          <a:bodyPr wrap="square">
+            <a:spAutoFit/>
+          </a:bodyPr>
+          <a:lstStyle/>
+          <a:p>
+            <a:pPr marL="285750" indent="-285750">
+              <a:buFont typeface="Arial" panose="020B0604020202020204" pitchFamily="34" charset="0"/>
+              <a:buChar char="•"/>
+            </a:pPr>
+            <a:r>
+              <a:rPr lang="en-US" noProof="0" dirty="0">
+                <a:solidFill>
+                  <a:schemeClr val="accent1"/>
+                </a:solidFill>
+              </a:rPr>
+              <a:t>Initial feature set </a:t>
+            </a:r>
+            <a:r>
+              <a:rPr lang="en-US" b="1" noProof="0" dirty="0">
+                <a:solidFill>
+                  <a:schemeClr val="accent1"/>
+                </a:solidFill>
+              </a:rPr>
+              <a:t>reduced by removing low-variance features</a:t>
+            </a:r>
+            <a:r>
+              <a:rPr lang="en-US" noProof="0" dirty="0">
+                <a:solidFill>
+                  <a:schemeClr val="accent1"/>
+                </a:solidFill>
+              </a:rPr>
+              <a:t> (Variance Threshold)</a:t>
+            </a:r>
+          </a:p>
+          <a:p>
+            <a:pPr>
+              <a:buNone/>
+            </a:pPr>
+            <a:endParaRPr lang="en-US" noProof="0" dirty="0">
+              <a:solidFill>
+                <a:schemeClr val="accent1"/>
+              </a:solidFill>
+            </a:endParaRPr>
+          </a:p>
+          <a:p>
+            <a:pPr marL="285750" indent="-285750">
+              <a:buFont typeface="Arial" panose="020B0604020202020204" pitchFamily="34" charset="0"/>
+              <a:buChar char="•"/>
+            </a:pPr>
+            <a:r>
+              <a:rPr lang="en-US" b="1" noProof="0" dirty="0">
+                <a:solidFill>
+                  <a:schemeClr val="accent1"/>
+                </a:solidFill>
+              </a:rPr>
+              <a:t>Top 30 features </a:t>
+            </a:r>
+            <a:r>
+              <a:rPr lang="en-US" noProof="0" dirty="0">
+                <a:solidFill>
+                  <a:schemeClr val="accent1"/>
+                </a:solidFill>
+              </a:rPr>
+              <a:t>identified with </a:t>
+            </a:r>
+            <a:r>
+              <a:rPr lang="en-US" b="1" noProof="0" dirty="0">
+                <a:solidFill>
+                  <a:schemeClr val="accent1"/>
+                </a:solidFill>
+              </a:rPr>
+              <a:t>Random Forest feature importance</a:t>
+            </a:r>
+          </a:p>
+          <a:p>
+            <a:pPr>
+              <a:buNone/>
+            </a:pPr>
+            <a:endParaRPr lang="en-US" noProof="0" dirty="0">
+              <a:solidFill>
+                <a:schemeClr val="accent1"/>
+              </a:solidFill>
+            </a:endParaRPr>
+          </a:p>
+          <a:p>
+            <a:pPr marL="285750" indent="-285750">
+              <a:buFont typeface="Arial" panose="020B0604020202020204" pitchFamily="34" charset="0"/>
+              <a:buChar char="•"/>
+            </a:pPr>
+            <a:r>
+              <a:rPr lang="en-US" noProof="0" dirty="0">
+                <a:solidFill>
+                  <a:schemeClr val="accent1"/>
+                </a:solidFill>
+              </a:rPr>
+              <a:t>Models trained &amp; evaluated on:</a:t>
+            </a:r>
+          </a:p>
+          <a:p>
+            <a:pPr marL="742950" lvl="1" indent="-285750">
+              <a:buFont typeface="Courier New" panose="02070309020205020404" pitchFamily="49" charset="0"/>
+              <a:buChar char="o"/>
+            </a:pPr>
+            <a:r>
+              <a:rPr lang="en-US" b="1" noProof="0" dirty="0">
+                <a:solidFill>
+                  <a:schemeClr val="accent1"/>
+                </a:solidFill>
+              </a:rPr>
+              <a:t>Full reduced feature </a:t>
+            </a:r>
+            <a:r>
+              <a:rPr lang="en-US" noProof="0" dirty="0">
+                <a:solidFill>
+                  <a:schemeClr val="accent1"/>
+                </a:solidFill>
+              </a:rPr>
+              <a:t>set</a:t>
+            </a:r>
+          </a:p>
+          <a:p>
+            <a:pPr marL="742950" lvl="1" indent="-285750">
+              <a:buFont typeface="Courier New" panose="02070309020205020404" pitchFamily="49" charset="0"/>
+              <a:buChar char="o"/>
+            </a:pPr>
+            <a:r>
+              <a:rPr lang="en-US" b="1" noProof="0" dirty="0">
+                <a:solidFill>
+                  <a:schemeClr val="accent1"/>
+                </a:solidFill>
+              </a:rPr>
+              <a:t>Top 30 feature</a:t>
+            </a:r>
+            <a:r>
+              <a:rPr lang="en-US" noProof="0" dirty="0">
+                <a:solidFill>
+                  <a:schemeClr val="accent1"/>
+                </a:solidFill>
+              </a:rPr>
+              <a:t> subset</a:t>
+            </a:r>
+          </a:p>
+          <a:p>
+            <a:pPr>
+              <a:buNone/>
+            </a:pPr>
+            <a:endParaRPr lang="en-US" noProof="0" dirty="0">
+              <a:solidFill>
+                <a:schemeClr val="accent1"/>
+              </a:solidFill>
+            </a:endParaRPr>
+          </a:p>
+          <a:p>
+            <a:pPr marL="285750" indent="-285750">
+              <a:buFont typeface="Arial" panose="020B0604020202020204" pitchFamily="34" charset="0"/>
+              <a:buChar char="•"/>
+            </a:pPr>
+            <a:r>
+              <a:rPr lang="en-US" noProof="0" dirty="0">
+                <a:solidFill>
+                  <a:schemeClr val="accent1"/>
+                </a:solidFill>
+              </a:rPr>
+              <a:t>The goal is to  balance between </a:t>
+            </a:r>
+          </a:p>
+          <a:p>
+            <a:pPr marL="742950" lvl="1" indent="-285750">
+              <a:buFont typeface="Arial" panose="020B0604020202020204" pitchFamily="34" charset="0"/>
+              <a:buChar char="•"/>
+            </a:pPr>
+            <a:r>
+              <a:rPr lang="en-US" noProof="0" dirty="0">
+                <a:solidFill>
+                  <a:schemeClr val="accent1"/>
+                </a:solidFill>
+              </a:rPr>
+              <a:t>model performance </a:t>
+            </a:r>
+          </a:p>
+          <a:p>
+            <a:pPr marL="742950" lvl="1" indent="-285750">
+              <a:buFont typeface="Arial" panose="020B0604020202020204" pitchFamily="34" charset="0"/>
+              <a:buChar char="•"/>
+            </a:pPr>
+            <a:r>
+              <a:rPr lang="en-US" noProof="0" dirty="0">
+                <a:solidFill>
+                  <a:schemeClr val="accent1"/>
+                </a:solidFill>
+              </a:rPr>
+              <a:t>and simplicity</a:t>
+            </a:r>
+          </a:p>
+        </p:txBody>
+      </p:sp>
+      <p:sp>
+        <p:nvSpPr>
+          <p:cNvPr id="6" name="Line">
+            <a:extLst>
+              <a:ext uri="{FF2B5EF4-FFF2-40B4-BE49-F238E27FC236}">
+                <a16:creationId xmlns:a16="http://schemas.microsoft.com/office/drawing/2014/main" id="{0E382799-D030-2383-23C2-4D06F2316320}"/>
               </a:ext>
             </a:extLst>
           </p:cNvPr>
@@ -16622,8 +17760,219 @@
         </p:nvSpPr>
         <p:spPr>
           <a:xfrm>
-            <a:off x="6271578" y="1182633"/>
-            <a:ext cx="5493702" cy="4796521"/>
+            <a:off x="6075300" y="1673215"/>
+            <a:ext cx="5514402" cy="0"/>
+          </a:xfrm>
+          <a:prstGeom prst="line">
+            <a:avLst/>
+          </a:prstGeom>
+          <a:noFill/>
+          <a:ln w="50800" cap="flat">
+            <a:solidFill>
+              <a:srgbClr val="00B050"/>
+            </a:solidFill>
+            <a:prstDash val="solid"/>
+            <a:miter lim="400000"/>
+          </a:ln>
+          <a:effectLst/>
+        </p:spPr>
+        <p:txBody>
+          <a:bodyPr wrap="square" lIns="0" tIns="0" rIns="0" bIns="0" numCol="1" anchor="ctr">
+            <a:noAutofit/>
+          </a:bodyPr>
+          <a:lstStyle>
+            <a:defPPr>
+              <a:defRPr lang="en-US"/>
+            </a:defPPr>
+            <a:lvl1pPr marL="0" algn="l" defTabSz="914400" rtl="0" eaLnBrk="1" latinLnBrk="0" hangingPunct="1">
+              <a:defRPr sz="1800" kern="1200">
+                <a:solidFill>
+                  <a:schemeClr val="tx1"/>
+                </a:solidFill>
+                <a:latin typeface="+mn-lt"/>
+                <a:ea typeface="+mn-ea"/>
+                <a:cs typeface="+mn-cs"/>
+              </a:defRPr>
+            </a:lvl1pPr>
+            <a:lvl2pPr marL="457200" algn="l" defTabSz="914400" rtl="0" eaLnBrk="1" latinLnBrk="0" hangingPunct="1">
+              <a:defRPr sz="1800" kern="1200">
+                <a:solidFill>
+                  <a:schemeClr val="tx1"/>
+                </a:solidFill>
+                <a:latin typeface="+mn-lt"/>
+                <a:ea typeface="+mn-ea"/>
+                <a:cs typeface="+mn-cs"/>
+              </a:defRPr>
+            </a:lvl2pPr>
+            <a:lvl3pPr marL="914400" algn="l" defTabSz="914400" rtl="0" eaLnBrk="1" latinLnBrk="0" hangingPunct="1">
+              <a:defRPr sz="1800" kern="1200">
+                <a:solidFill>
+                  <a:schemeClr val="tx1"/>
+                </a:solidFill>
+                <a:latin typeface="+mn-lt"/>
+                <a:ea typeface="+mn-ea"/>
+                <a:cs typeface="+mn-cs"/>
+              </a:defRPr>
+            </a:lvl3pPr>
+            <a:lvl4pPr marL="1371600" algn="l" defTabSz="914400" rtl="0" eaLnBrk="1" latinLnBrk="0" hangingPunct="1">
+              <a:defRPr sz="1800" kern="1200">
+                <a:solidFill>
+                  <a:schemeClr val="tx1"/>
+                </a:solidFill>
+                <a:latin typeface="+mn-lt"/>
+                <a:ea typeface="+mn-ea"/>
+                <a:cs typeface="+mn-cs"/>
+              </a:defRPr>
+            </a:lvl4pPr>
+            <a:lvl5pPr marL="1828800" algn="l" defTabSz="914400" rtl="0" eaLnBrk="1" latinLnBrk="0" hangingPunct="1">
+              <a:defRPr sz="1800" kern="1200">
+                <a:solidFill>
+                  <a:schemeClr val="tx1"/>
+                </a:solidFill>
+                <a:latin typeface="+mn-lt"/>
+                <a:ea typeface="+mn-ea"/>
+                <a:cs typeface="+mn-cs"/>
+              </a:defRPr>
+            </a:lvl5pPr>
+            <a:lvl6pPr marL="2286000" algn="l" defTabSz="914400" rtl="0" eaLnBrk="1" latinLnBrk="0" hangingPunct="1">
+              <a:defRPr sz="1800" kern="1200">
+                <a:solidFill>
+                  <a:schemeClr val="tx1"/>
+                </a:solidFill>
+                <a:latin typeface="+mn-lt"/>
+                <a:ea typeface="+mn-ea"/>
+                <a:cs typeface="+mn-cs"/>
+              </a:defRPr>
+            </a:lvl6pPr>
+            <a:lvl7pPr marL="2743200" algn="l" defTabSz="914400" rtl="0" eaLnBrk="1" latinLnBrk="0" hangingPunct="1">
+              <a:defRPr sz="1800" kern="1200">
+                <a:solidFill>
+                  <a:schemeClr val="tx1"/>
+                </a:solidFill>
+                <a:latin typeface="+mn-lt"/>
+                <a:ea typeface="+mn-ea"/>
+                <a:cs typeface="+mn-cs"/>
+              </a:defRPr>
+            </a:lvl7pPr>
+            <a:lvl8pPr marL="3200400" algn="l" defTabSz="914400" rtl="0" eaLnBrk="1" latinLnBrk="0" hangingPunct="1">
+              <a:defRPr sz="1800" kern="1200">
+                <a:solidFill>
+                  <a:schemeClr val="tx1"/>
+                </a:solidFill>
+                <a:latin typeface="+mn-lt"/>
+                <a:ea typeface="+mn-ea"/>
+                <a:cs typeface="+mn-cs"/>
+              </a:defRPr>
+            </a:lvl8pPr>
+            <a:lvl9pPr marL="3657600" algn="l" defTabSz="914400" rtl="0" eaLnBrk="1" latinLnBrk="0" hangingPunct="1">
+              <a:defRPr sz="1800" kern="1200">
+                <a:solidFill>
+                  <a:schemeClr val="tx1"/>
+                </a:solidFill>
+                <a:latin typeface="+mn-lt"/>
+                <a:ea typeface="+mn-ea"/>
+                <a:cs typeface="+mn-cs"/>
+              </a:defRPr>
+            </a:lvl9pPr>
+          </a:lstStyle>
+          <a:p>
+            <a:pPr marL="0" marR="0" lvl="0" indent="0" algn="ctr" defTabSz="410766" rtl="0" eaLnBrk="1" fontAlgn="auto" latinLnBrk="0" hangingPunct="0">
+              <a:lnSpc>
+                <a:spcPct val="100000"/>
+              </a:lnSpc>
+              <a:spcBef>
+                <a:spcPts val="0"/>
+              </a:spcBef>
+              <a:spcAft>
+                <a:spcPts val="0"/>
+              </a:spcAft>
+              <a:buClrTx/>
+              <a:buSzTx/>
+              <a:buFontTx/>
+              <a:buNone/>
+              <a:tabLst/>
+              <a:defRPr sz="3000" b="1">
+                <a:solidFill>
+                  <a:srgbClr val="FFFFFF"/>
+                </a:solidFill>
+              </a:defRPr>
+            </a:pPr>
+            <a:endParaRPr kumimoji="0" lang="en-US" b="1" i="0" u="none" strike="noStrike" kern="0" cap="none" spc="0" normalizeH="0" baseline="0" noProof="0" dirty="0">
+              <a:ln>
+                <a:noFill/>
+              </a:ln>
+              <a:solidFill>
+                <a:schemeClr val="accent1"/>
+              </a:solidFill>
+              <a:effectLst/>
+              <a:uLnTx/>
+              <a:uFillTx/>
+              <a:latin typeface="Segoe UI"/>
+              <a:ea typeface="+mn-ea"/>
+              <a:cs typeface="Segoe UI"/>
+              <a:sym typeface="Segoe UI"/>
+            </a:endParaRPr>
+          </a:p>
+        </p:txBody>
+      </p:sp>
+      <p:sp>
+        <p:nvSpPr>
+          <p:cNvPr id="7" name="TextBox 6">
+            <a:extLst>
+              <a:ext uri="{FF2B5EF4-FFF2-40B4-BE49-F238E27FC236}">
+                <a16:creationId xmlns:a16="http://schemas.microsoft.com/office/drawing/2014/main" id="{401B482C-35EC-8788-072E-434BF91C316A}"/>
+              </a:ext>
+            </a:extLst>
+          </p:cNvPr>
+          <p:cNvSpPr txBox="1"/>
+          <p:nvPr/>
+        </p:nvSpPr>
+        <p:spPr>
+          <a:xfrm>
+            <a:off x="6318237" y="1109582"/>
+            <a:ext cx="3041345" cy="400110"/>
+          </a:xfrm>
+          <a:prstGeom prst="rect">
+            <a:avLst/>
+          </a:prstGeom>
+          <a:noFill/>
+        </p:spPr>
+        <p:txBody>
+          <a:bodyPr wrap="square">
+            <a:spAutoFit/>
+          </a:bodyPr>
+          <a:lstStyle/>
+          <a:p>
+            <a:pPr>
+              <a:buNone/>
+            </a:pPr>
+            <a:r>
+              <a:rPr lang="en-US" sz="2000" b="1" noProof="0" dirty="0">
+                <a:solidFill>
+                  <a:schemeClr val="accent1"/>
+                </a:solidFill>
+              </a:rPr>
+              <a:t>Feature Selection Strategy</a:t>
+            </a:r>
+          </a:p>
+        </p:txBody>
+      </p:sp>
+      <p:sp>
+        <p:nvSpPr>
+          <p:cNvPr id="11" name="Rounded Rectangle">
+            <a:extLst>
+              <a:ext uri="{FF2B5EF4-FFF2-40B4-BE49-F238E27FC236}">
+                <a16:creationId xmlns:a16="http://schemas.microsoft.com/office/drawing/2014/main" id="{C3F076C0-FEA7-229C-DC94-97A1FFB33494}"/>
+              </a:ext>
+            </a:extLst>
+          </p:cNvPr>
+          <p:cNvSpPr/>
+          <p:nvPr/>
+        </p:nvSpPr>
+        <p:spPr>
+          <a:xfrm>
+            <a:off x="470480" y="1030737"/>
+            <a:ext cx="5493702" cy="5108806"/>
           </a:xfrm>
           <a:prstGeom prst="roundRect">
             <a:avLst>
@@ -16658,10 +18007,10 @@
       </p:sp>
       <p:sp>
         <p:nvSpPr>
-          <p:cNvPr id="5" name="TextBox 4">
-            <a:extLst>
-              <a:ext uri="{FF2B5EF4-FFF2-40B4-BE49-F238E27FC236}">
-                <a16:creationId xmlns:a16="http://schemas.microsoft.com/office/drawing/2014/main" id="{2A191D56-EF0A-9B56-1670-90AFF1CA0B2F}"/>
+          <p:cNvPr id="12" name="TextBox 11">
+            <a:extLst>
+              <a:ext uri="{FF2B5EF4-FFF2-40B4-BE49-F238E27FC236}">
+                <a16:creationId xmlns:a16="http://schemas.microsoft.com/office/drawing/2014/main" id="{8F5DFCCF-FCBF-0FD5-CCCE-853F2B90C9AE}"/>
               </a:ext>
             </a:extLst>
           </p:cNvPr>
@@ -16670,7 +18019,7 @@
         </p:nvSpPr>
         <p:spPr>
           <a:xfrm>
-            <a:off x="817880" y="1985404"/>
+            <a:off x="772422" y="2016264"/>
             <a:ext cx="4942840" cy="3693319"/>
           </a:xfrm>
           <a:prstGeom prst="rect">
@@ -16689,33 +18038,26 @@
               <a:buChar char="•"/>
             </a:pPr>
             <a:r>
+              <a:rPr lang="en-US" b="1" noProof="0" dirty="0">
+                <a:solidFill>
+                  <a:schemeClr val="accent1"/>
+                </a:solidFill>
+              </a:rPr>
+              <a:t>Train/Test split (80/20) </a:t>
+            </a:r>
+            <a:r>
               <a:rPr lang="en-US" noProof="0" dirty="0">
                 <a:solidFill>
                   <a:schemeClr val="accent1"/>
                 </a:solidFill>
               </a:rPr>
-              <a:t>Initial feature set </a:t>
-            </a:r>
-            <a:r>
-              <a:rPr lang="en-US" b="1" noProof="0" dirty="0">
-                <a:solidFill>
-                  <a:schemeClr val="accent1"/>
-                </a:solidFill>
-              </a:rPr>
-              <a:t>reduced by removing low-variance features</a:t>
-            </a:r>
-            <a:r>
-              <a:rPr lang="en-US" noProof="0" dirty="0">
-                <a:solidFill>
-                  <a:schemeClr val="accent1"/>
-                </a:solidFill>
-              </a:rPr>
-              <a:t> (Variance Threshold)</a:t>
-            </a:r>
-          </a:p>
-          <a:p>
-            <a:pPr>
-              <a:buNone/>
+              <a:t>used for all models</a:t>
+            </a:r>
+          </a:p>
+          <a:p>
+            <a:pPr marL="285750" indent="-285750">
+              <a:buFont typeface="Arial" panose="020B0604020202020204" pitchFamily="34" charset="0"/>
+              <a:buChar char="•"/>
             </a:pPr>
             <a:endParaRPr lang="en-US" noProof="0" dirty="0">
               <a:solidFill>
@@ -16729,12 +18071,20 @@
               <a:buChar char="•"/>
             </a:pPr>
             <a:r>
-              <a:rPr lang="en-US" b="1" noProof="0" dirty="0">
+              <a:rPr lang="en-US" noProof="0" dirty="0">
                 <a:solidFill>
                   <a:schemeClr val="accent1"/>
                 </a:solidFill>
               </a:rPr>
-              <a:t>Top 30 features </a:t>
+              <a:t>For </a:t>
+            </a:r>
+            <a:r>
+              <a:rPr lang="en-US" noProof="0" dirty="0" err="1">
+                <a:solidFill>
+                  <a:schemeClr val="accent1"/>
+                </a:solidFill>
+              </a:rPr>
+              <a:t>XGBoost</a:t>
             </a:r>
             <a:r>
               <a:rPr lang="en-US" noProof="0" dirty="0">
@@ -16742,20 +18092,63 @@
                   <a:schemeClr val="accent1"/>
                 </a:solidFill>
               </a:rPr>
-              <a:t>identified with </a:t>
-            </a:r>
-            <a:r>
-              <a:rPr lang="en-US" b="1" noProof="0" dirty="0">
+              <a:t> and </a:t>
+            </a:r>
+            <a:r>
+              <a:rPr lang="en-US" noProof="0" dirty="0" err="1">
                 <a:solidFill>
                   <a:schemeClr val="accent1"/>
                 </a:solidFill>
               </a:rPr>
-              <a:t>Random Forest feature importance</a:t>
-            </a:r>
-          </a:p>
-          <a:p>
-            <a:pPr>
-              <a:buNone/>
+              <a:t>CatBoost</a:t>
+            </a:r>
+            <a:r>
+              <a:rPr lang="en-US" noProof="0" dirty="0">
+                <a:solidFill>
+                  <a:schemeClr val="accent1"/>
+                </a:solidFill>
+              </a:rPr>
+              <a:t>, tuning was done via 5-Fold Cross </a:t>
+            </a:r>
+            <a:r>
+              <a:rPr lang="en-US" noProof="0" dirty="0" err="1">
+                <a:solidFill>
+                  <a:schemeClr val="accent1"/>
+                </a:solidFill>
+              </a:rPr>
+              <a:t>Valdiation</a:t>
+            </a:r>
+            <a:r>
+              <a:rPr lang="en-US" noProof="0" dirty="0">
+                <a:solidFill>
+                  <a:schemeClr val="accent1"/>
+                </a:solidFill>
+              </a:rPr>
+              <a:t> on the training set </a:t>
+            </a:r>
+          </a:p>
+          <a:p>
+            <a:r>
+              <a:rPr lang="en-US" dirty="0">
+                <a:solidFill>
+                  <a:schemeClr val="accent1"/>
+                </a:solidFill>
+              </a:rPr>
+              <a:t>     </a:t>
+            </a:r>
+            <a:r>
+              <a:rPr lang="en-US" noProof="0" dirty="0">
+                <a:solidFill>
+                  <a:schemeClr val="accent1"/>
+                </a:solidFill>
+              </a:rPr>
+              <a:t>(no separate dev set)</a:t>
+            </a:r>
+          </a:p>
+          <a:p>
+            <a:pPr marL="285750" indent="-285750">
+              <a:buFont typeface="Arial" panose="020B0604020202020204" pitchFamily="34" charset="0"/>
+              <a:buChar char="•"/>
             </a:pPr>
             <a:endParaRPr lang="en-US" noProof="0" dirty="0">
               <a:solidFill>
@@ -16774,56 +18167,13 @@
                   <a:schemeClr val="accent1"/>
                 </a:solidFill>
               </a:rPr>
-              <a:t>Models trained &amp; evaluated on:</a:t>
-            </a:r>
-          </a:p>
-          <a:p>
-            <a:pPr marL="742950" lvl="1" indent="-285750">
-              <a:buFont typeface="Courier New" panose="02070309020205020404" pitchFamily="49" charset="0"/>
-              <a:buChar char="o"/>
-            </a:pPr>
-            <a:r>
-              <a:rPr lang="en-US" b="1" noProof="0" dirty="0">
-                <a:solidFill>
-                  <a:schemeClr val="accent1"/>
-                </a:solidFill>
-              </a:rPr>
-              <a:t>Full reduced feature </a:t>
-            </a:r>
-            <a:r>
-              <a:rPr lang="en-US" noProof="0" dirty="0">
-                <a:solidFill>
-                  <a:schemeClr val="accent1"/>
-                </a:solidFill>
-              </a:rPr>
-              <a:t>set</a:t>
-            </a:r>
-          </a:p>
-          <a:p>
-            <a:pPr marL="742950" lvl="1" indent="-285750">
-              <a:buFont typeface="Courier New" panose="02070309020205020404" pitchFamily="49" charset="0"/>
-              <a:buChar char="o"/>
-            </a:pPr>
-            <a:r>
-              <a:rPr lang="en-US" b="1" noProof="0" dirty="0">
-                <a:solidFill>
-                  <a:schemeClr val="accent1"/>
-                </a:solidFill>
-              </a:rPr>
-              <a:t>Top 30 feature</a:t>
-            </a:r>
-            <a:r>
-              <a:rPr lang="en-US" noProof="0" dirty="0">
-                <a:solidFill>
-                  <a:schemeClr val="accent1"/>
-                </a:solidFill>
-              </a:rPr>
-              <a:t> subset</a:t>
-            </a:r>
-          </a:p>
-          <a:p>
-            <a:pPr>
-              <a:buNone/>
+              <a:t>The test set was kept untouched for final evaluation</a:t>
+            </a:r>
+          </a:p>
+          <a:p>
+            <a:pPr marL="285750" indent="-285750">
+              <a:buFont typeface="Arial" panose="020B0604020202020204" pitchFamily="34" charset="0"/>
+              <a:buChar char="•"/>
             </a:pPr>
             <a:endParaRPr lang="en-US" noProof="0" dirty="0">
               <a:solidFill>
@@ -16842,45 +18192,68 @@
                   <a:schemeClr val="accent1"/>
                 </a:solidFill>
               </a:rPr>
-              <a:t>The goal is to  balance between </a:t>
-            </a:r>
-          </a:p>
-          <a:p>
-            <a:pPr marL="742950" lvl="1" indent="-285750">
-              <a:buFont typeface="Arial" panose="020B0604020202020204" pitchFamily="34" charset="0"/>
-              <a:buChar char="•"/>
-            </a:pPr>
+              <a:t>In test mode, we reduced folds (i.e., the number of train/validation splits in cross-validation) and sample size </a:t>
+            </a:r>
+          </a:p>
+          <a:p>
+            <a:r>
+              <a:rPr lang="en-US" dirty="0">
+                <a:solidFill>
+                  <a:schemeClr val="accent1"/>
+                </a:solidFill>
+              </a:rPr>
+              <a:t>      </a:t>
+            </a:r>
+            <a:r>
+              <a:rPr lang="en-US" dirty="0">
+                <a:solidFill>
+                  <a:schemeClr val="accent1"/>
+                </a:solidFill>
+                <a:sym typeface="Wingdings" panose="05000000000000000000" pitchFamily="2" charset="2"/>
+              </a:rPr>
+              <a:t></a:t>
+            </a:r>
+            <a:r>
+              <a:rPr lang="en-US" dirty="0">
+                <a:solidFill>
+                  <a:schemeClr val="accent1"/>
+                </a:solidFill>
+              </a:rPr>
+              <a:t> </a:t>
+            </a:r>
             <a:r>
               <a:rPr lang="en-US" noProof="0" dirty="0">
                 <a:solidFill>
                   <a:schemeClr val="accent1"/>
                 </a:solidFill>
               </a:rPr>
-              <a:t>model performance </a:t>
-            </a:r>
-          </a:p>
-          <a:p>
-            <a:pPr marL="742950" lvl="1" indent="-285750">
-              <a:buFont typeface="Arial" panose="020B0604020202020204" pitchFamily="34" charset="0"/>
-              <a:buChar char="•"/>
-            </a:pPr>
+              <a:t>to speed up </a:t>
+            </a:r>
+            <a:r>
+              <a:rPr lang="en-US" noProof="0" dirty="0" err="1">
+                <a:solidFill>
+                  <a:schemeClr val="accent1"/>
+                </a:solidFill>
+              </a:rPr>
+              <a:t>Optuna</a:t>
+            </a:r>
             <a:r>
               <a:rPr lang="en-US" noProof="0" dirty="0">
                 <a:solidFill>
                   <a:schemeClr val="accent1"/>
                 </a:solidFill>
               </a:rPr>
-              <a:t>and simplicity</a:t>
-            </a:r>
-          </a:p>
-        </p:txBody>
-      </p:sp>
-      <p:sp>
-        <p:nvSpPr>
-          <p:cNvPr id="6" name="Line">
-            <a:extLst>
-              <a:ext uri="{FF2B5EF4-FFF2-40B4-BE49-F238E27FC236}">
-                <a16:creationId xmlns:a16="http://schemas.microsoft.com/office/drawing/2014/main" id="{0E382799-D030-2383-23C2-4D06F2316320}"/>
+              <a:t> trials</a:t>
+            </a:r>
+          </a:p>
+        </p:txBody>
+      </p:sp>
+      <p:sp>
+        <p:nvSpPr>
+          <p:cNvPr id="13" name="Line">
+            <a:extLst>
+              <a:ext uri="{FF2B5EF4-FFF2-40B4-BE49-F238E27FC236}">
+                <a16:creationId xmlns:a16="http://schemas.microsoft.com/office/drawing/2014/main" id="{72504A03-3333-B0EA-B4EF-B49CA4948A21}"/>
               </a:ext>
             </a:extLst>
           </p:cNvPr>
@@ -16889,7 +18262,7 @@
         </p:nvSpPr>
         <p:spPr>
           <a:xfrm>
-            <a:off x="495238" y="1767054"/>
+            <a:off x="449780" y="1673215"/>
             <a:ext cx="5514402" cy="0"/>
           </a:xfrm>
           <a:prstGeom prst="line">
@@ -17046,10 +18419,10 @@
       </p:sp>
       <p:sp>
         <p:nvSpPr>
-          <p:cNvPr id="7" name="TextBox 6">
-            <a:extLst>
-              <a:ext uri="{FF2B5EF4-FFF2-40B4-BE49-F238E27FC236}">
-                <a16:creationId xmlns:a16="http://schemas.microsoft.com/office/drawing/2014/main" id="{401B482C-35EC-8788-072E-434BF91C316A}"/>
+          <p:cNvPr id="14" name="TextBox 13">
+            <a:extLst>
+              <a:ext uri="{FF2B5EF4-FFF2-40B4-BE49-F238E27FC236}">
+                <a16:creationId xmlns:a16="http://schemas.microsoft.com/office/drawing/2014/main" id="{15E3752A-C145-3A04-54FE-81659F3FBBC2}"/>
               </a:ext>
             </a:extLst>
           </p:cNvPr>
@@ -17058,8 +18431,8 @@
         </p:nvSpPr>
         <p:spPr>
           <a:xfrm>
-            <a:off x="738175" y="1261478"/>
-            <a:ext cx="3041345" cy="369332"/>
+            <a:off x="692717" y="1109582"/>
+            <a:ext cx="3041345" cy="400110"/>
           </a:xfrm>
           <a:prstGeom prst="rect">
             <a:avLst/>
@@ -17076,471 +18449,12 @@
               <a:buNone/>
             </a:pPr>
             <a:r>
-              <a:rPr lang="en-US" b="1" noProof="0" dirty="0">
+              <a:rPr lang="en-US" sz="2000" b="1" noProof="0" dirty="0">
                 <a:solidFill>
                   <a:schemeClr val="accent1"/>
                 </a:solidFill>
               </a:rPr>
-              <a:t>Feature Selection Strategy</a:t>
-            </a:r>
-          </a:p>
-        </p:txBody>
-      </p:sp>
-      <p:sp>
-        <p:nvSpPr>
-          <p:cNvPr id="8" name="Line">
-            <a:extLst>
-              <a:ext uri="{FF2B5EF4-FFF2-40B4-BE49-F238E27FC236}">
-                <a16:creationId xmlns:a16="http://schemas.microsoft.com/office/drawing/2014/main" id="{7A307E70-9865-9D61-688E-C7BF77CC5DC8}"/>
-              </a:ext>
-            </a:extLst>
-          </p:cNvPr>
-          <p:cNvSpPr/>
-          <p:nvPr/>
-        </p:nvSpPr>
-        <p:spPr>
-          <a:xfrm>
-            <a:off x="6271578" y="1767054"/>
-            <a:ext cx="5514402" cy="0"/>
-          </a:xfrm>
-          <a:prstGeom prst="line">
-            <a:avLst/>
-          </a:prstGeom>
-          <a:noFill/>
-          <a:ln w="50800" cap="flat">
-            <a:solidFill>
-              <a:srgbClr val="00B050"/>
-            </a:solidFill>
-            <a:prstDash val="solid"/>
-            <a:miter lim="400000"/>
-          </a:ln>
-          <a:effectLst/>
-        </p:spPr>
-        <p:txBody>
-          <a:bodyPr wrap="square" lIns="0" tIns="0" rIns="0" bIns="0" numCol="1" anchor="ctr">
-            <a:noAutofit/>
-          </a:bodyPr>
-          <a:lstStyle>
-            <a:defPPr>
-              <a:defRPr lang="en-US"/>
-            </a:defPPr>
-            <a:lvl1pPr marL="0" algn="l" defTabSz="914400" rtl="0" eaLnBrk="1" latinLnBrk="0" hangingPunct="1">
-              <a:defRPr sz="1800" kern="1200">
-                <a:solidFill>
-                  <a:schemeClr val="tx1"/>
-                </a:solidFill>
-                <a:latin typeface="+mn-lt"/>
-                <a:ea typeface="+mn-ea"/>
-                <a:cs typeface="+mn-cs"/>
-              </a:defRPr>
-            </a:lvl1pPr>
-            <a:lvl2pPr marL="457200" algn="l" defTabSz="914400" rtl="0" eaLnBrk="1" latinLnBrk="0" hangingPunct="1">
-              <a:defRPr sz="1800" kern="1200">
-                <a:solidFill>
-                  <a:schemeClr val="tx1"/>
-                </a:solidFill>
-                <a:latin typeface="+mn-lt"/>
-                <a:ea typeface="+mn-ea"/>
-                <a:cs typeface="+mn-cs"/>
-              </a:defRPr>
-            </a:lvl2pPr>
-            <a:lvl3pPr marL="914400" algn="l" defTabSz="914400" rtl="0" eaLnBrk="1" latinLnBrk="0" hangingPunct="1">
-              <a:defRPr sz="1800" kern="1200">
-                <a:solidFill>
-                  <a:schemeClr val="tx1"/>
-                </a:solidFill>
-                <a:latin typeface="+mn-lt"/>
-                <a:ea typeface="+mn-ea"/>
-                <a:cs typeface="+mn-cs"/>
-              </a:defRPr>
-            </a:lvl3pPr>
-            <a:lvl4pPr marL="1371600" algn="l" defTabSz="914400" rtl="0" eaLnBrk="1" latinLnBrk="0" hangingPunct="1">
-              <a:defRPr sz="1800" kern="1200">
-                <a:solidFill>
-                  <a:schemeClr val="tx1"/>
-                </a:solidFill>
-                <a:latin typeface="+mn-lt"/>
-                <a:ea typeface="+mn-ea"/>
-                <a:cs typeface="+mn-cs"/>
-              </a:defRPr>
-            </a:lvl4pPr>
-            <a:lvl5pPr marL="1828800" algn="l" defTabSz="914400" rtl="0" eaLnBrk="1" latinLnBrk="0" hangingPunct="1">
-              <a:defRPr sz="1800" kern="1200">
-                <a:solidFill>
-                  <a:schemeClr val="tx1"/>
-                </a:solidFill>
-                <a:latin typeface="+mn-lt"/>
-                <a:ea typeface="+mn-ea"/>
-                <a:cs typeface="+mn-cs"/>
-              </a:defRPr>
-            </a:lvl5pPr>
-            <a:lvl6pPr marL="2286000" algn="l" defTabSz="914400" rtl="0" eaLnBrk="1" latinLnBrk="0" hangingPunct="1">
-              <a:defRPr sz="1800" kern="1200">
-                <a:solidFill>
-                  <a:schemeClr val="tx1"/>
-                </a:solidFill>
-                <a:latin typeface="+mn-lt"/>
-                <a:ea typeface="+mn-ea"/>
-                <a:cs typeface="+mn-cs"/>
-              </a:defRPr>
-            </a:lvl6pPr>
-            <a:lvl7pPr marL="2743200" algn="l" defTabSz="914400" rtl="0" eaLnBrk="1" latinLnBrk="0" hangingPunct="1">
-              <a:defRPr sz="1800" kern="1200">
-                <a:solidFill>
-                  <a:schemeClr val="tx1"/>
-                </a:solidFill>
-                <a:latin typeface="+mn-lt"/>
-                <a:ea typeface="+mn-ea"/>
-                <a:cs typeface="+mn-cs"/>
-              </a:defRPr>
-            </a:lvl7pPr>
-            <a:lvl8pPr marL="3200400" algn="l" defTabSz="914400" rtl="0" eaLnBrk="1" latinLnBrk="0" hangingPunct="1">
-              <a:defRPr sz="1800" kern="1200">
-                <a:solidFill>
-                  <a:schemeClr val="tx1"/>
-                </a:solidFill>
-                <a:latin typeface="+mn-lt"/>
-                <a:ea typeface="+mn-ea"/>
-                <a:cs typeface="+mn-cs"/>
-              </a:defRPr>
-            </a:lvl8pPr>
-            <a:lvl9pPr marL="3657600" algn="l" defTabSz="914400" rtl="0" eaLnBrk="1" latinLnBrk="0" hangingPunct="1">
-              <a:defRPr sz="1800" kern="1200">
-                <a:solidFill>
-                  <a:schemeClr val="tx1"/>
-                </a:solidFill>
-                <a:latin typeface="+mn-lt"/>
-                <a:ea typeface="+mn-ea"/>
-                <a:cs typeface="+mn-cs"/>
-              </a:defRPr>
-            </a:lvl9pPr>
-          </a:lstStyle>
-          <a:p>
-            <a:pPr marL="0" marR="0" lvl="0" indent="0" algn="ctr" defTabSz="410766" rtl="0" eaLnBrk="1" fontAlgn="auto" latinLnBrk="0" hangingPunct="0">
-              <a:lnSpc>
-                <a:spcPct val="100000"/>
-              </a:lnSpc>
-              <a:spcBef>
-                <a:spcPts val="0"/>
-              </a:spcBef>
-              <a:spcAft>
-                <a:spcPts val="0"/>
-              </a:spcAft>
-              <a:buClrTx/>
-              <a:buSzTx/>
-              <a:buFontTx/>
-              <a:buNone/>
-              <a:tabLst/>
-              <a:defRPr sz="3000" b="1">
-                <a:solidFill>
-                  <a:srgbClr val="FFFFFF"/>
-                </a:solidFill>
-              </a:defRPr>
-            </a:pPr>
-            <a:endParaRPr kumimoji="0" lang="en-US" b="1" i="0" u="none" strike="noStrike" kern="0" cap="none" spc="0" normalizeH="0" baseline="0" noProof="0" dirty="0">
-              <a:ln>
-                <a:noFill/>
-              </a:ln>
-              <a:solidFill>
-                <a:schemeClr val="accent1"/>
-              </a:solidFill>
-              <a:effectLst/>
-              <a:uLnTx/>
-              <a:uFillTx/>
-              <a:latin typeface="Segoe UI"/>
-              <a:ea typeface="+mn-ea"/>
-              <a:cs typeface="Segoe UI"/>
-              <a:sym typeface="Segoe UI"/>
-            </a:endParaRPr>
-          </a:p>
-        </p:txBody>
-      </p:sp>
-      <p:sp>
-        <p:nvSpPr>
-          <p:cNvPr id="9" name="TextBox 8">
-            <a:extLst>
-              <a:ext uri="{FF2B5EF4-FFF2-40B4-BE49-F238E27FC236}">
-                <a16:creationId xmlns:a16="http://schemas.microsoft.com/office/drawing/2014/main" id="{9D56F46F-124E-AA5A-3D9C-93A90E46F4D3}"/>
-              </a:ext>
-            </a:extLst>
-          </p:cNvPr>
-          <p:cNvSpPr txBox="1"/>
-          <p:nvPr/>
-        </p:nvSpPr>
-        <p:spPr>
-          <a:xfrm>
-            <a:off x="6514515" y="1261478"/>
-            <a:ext cx="4991685" cy="369332"/>
-          </a:xfrm>
-          <a:prstGeom prst="rect">
-            <a:avLst/>
-          </a:prstGeom>
-          <a:noFill/>
-        </p:spPr>
-        <p:txBody>
-          <a:bodyPr wrap="square">
-            <a:spAutoFit/>
-          </a:bodyPr>
-          <a:lstStyle/>
-          <a:p>
-            <a:pPr>
-              <a:buNone/>
-            </a:pPr>
-            <a:r>
-              <a:rPr lang="en-US" b="1" noProof="0" dirty="0">
-                <a:solidFill>
-                  <a:schemeClr val="accent1"/>
-                </a:solidFill>
-              </a:rPr>
-              <a:t>Hyperparameter Tuning with </a:t>
-            </a:r>
-            <a:r>
-              <a:rPr lang="en-US" b="1" noProof="0" dirty="0" err="1">
-                <a:solidFill>
-                  <a:schemeClr val="accent1"/>
-                </a:solidFill>
-              </a:rPr>
-              <a:t>Optuna</a:t>
-            </a:r>
-            <a:endParaRPr lang="en-US" b="1" noProof="0" dirty="0">
-              <a:solidFill>
-                <a:schemeClr val="accent1"/>
-              </a:solidFill>
-            </a:endParaRPr>
-          </a:p>
-        </p:txBody>
-      </p:sp>
-      <p:sp>
-        <p:nvSpPr>
-          <p:cNvPr id="10" name="TextBox 9">
-            <a:extLst>
-              <a:ext uri="{FF2B5EF4-FFF2-40B4-BE49-F238E27FC236}">
-                <a16:creationId xmlns:a16="http://schemas.microsoft.com/office/drawing/2014/main" id="{18BE47A8-9CE1-E3D4-FDD5-4A7B1169EFE7}"/>
-              </a:ext>
-            </a:extLst>
-          </p:cNvPr>
-          <p:cNvSpPr txBox="1"/>
-          <p:nvPr/>
-        </p:nvSpPr>
-        <p:spPr>
-          <a:xfrm>
-            <a:off x="6558280" y="2121648"/>
-            <a:ext cx="4902200" cy="3139321"/>
-          </a:xfrm>
-          <a:prstGeom prst="rect">
-            <a:avLst/>
-          </a:prstGeom>
-          <a:noFill/>
-        </p:spPr>
-        <p:txBody>
-          <a:bodyPr wrap="square">
-            <a:spAutoFit/>
-          </a:bodyPr>
-          <a:lstStyle/>
-          <a:p>
-            <a:pPr marL="285750" indent="-285750">
-              <a:buFont typeface="Arial" panose="020B0604020202020204" pitchFamily="34" charset="0"/>
-              <a:buChar char="•"/>
-            </a:pPr>
-            <a:r>
-              <a:rPr lang="en-US" b="1" noProof="0" dirty="0">
-                <a:solidFill>
-                  <a:schemeClr val="accent1"/>
-                </a:solidFill>
-              </a:rPr>
-              <a:t>Automated tuning </a:t>
-            </a:r>
-            <a:r>
-              <a:rPr lang="en-US" noProof="0" dirty="0">
-                <a:solidFill>
-                  <a:schemeClr val="accent1"/>
-                </a:solidFill>
-              </a:rPr>
-              <a:t>with </a:t>
-            </a:r>
-            <a:r>
-              <a:rPr lang="en-US" b="1" noProof="0" dirty="0" err="1">
-                <a:solidFill>
-                  <a:schemeClr val="accent1"/>
-                </a:solidFill>
-              </a:rPr>
-              <a:t>Optuna</a:t>
-            </a:r>
-            <a:r>
-              <a:rPr lang="en-US" noProof="0" dirty="0">
-                <a:solidFill>
-                  <a:schemeClr val="accent1"/>
-                </a:solidFill>
-              </a:rPr>
-              <a:t> framework</a:t>
-            </a:r>
-          </a:p>
-          <a:p>
-            <a:pPr marL="285750" indent="-285750">
-              <a:buFont typeface="Arial" panose="020B0604020202020204" pitchFamily="34" charset="0"/>
-              <a:buChar char="•"/>
-            </a:pPr>
-            <a:endParaRPr lang="en-US" noProof="0" dirty="0">
-              <a:solidFill>
-                <a:schemeClr val="accent1"/>
-              </a:solidFill>
-            </a:endParaRPr>
-          </a:p>
-          <a:p>
-            <a:pPr marL="285750" indent="-285750">
-              <a:buFont typeface="Arial" panose="020B0604020202020204" pitchFamily="34" charset="0"/>
-              <a:buChar char="•"/>
-            </a:pPr>
-            <a:r>
-              <a:rPr lang="en-US" noProof="0" dirty="0">
-                <a:solidFill>
-                  <a:schemeClr val="accent1"/>
-                </a:solidFill>
-              </a:rPr>
-              <a:t>Parameters tuned for </a:t>
-            </a:r>
-            <a:r>
-              <a:rPr lang="en-US" b="1" noProof="0" dirty="0" err="1">
-                <a:solidFill>
-                  <a:schemeClr val="accent1"/>
-                </a:solidFill>
-              </a:rPr>
-              <a:t>CatBoost</a:t>
-            </a:r>
-            <a:r>
-              <a:rPr lang="en-US" noProof="0" dirty="0">
-                <a:solidFill>
-                  <a:schemeClr val="accent1"/>
-                </a:solidFill>
-              </a:rPr>
-              <a:t> &amp; </a:t>
-            </a:r>
-            <a:r>
-              <a:rPr lang="en-US" b="1" noProof="0" dirty="0" err="1">
-                <a:solidFill>
-                  <a:schemeClr val="accent1"/>
-                </a:solidFill>
-              </a:rPr>
-              <a:t>XGBoost</a:t>
-            </a:r>
-            <a:r>
-              <a:rPr lang="en-US" noProof="0" dirty="0">
-                <a:solidFill>
-                  <a:schemeClr val="accent1"/>
-                </a:solidFill>
-              </a:rPr>
-              <a:t>:</a:t>
-            </a:r>
-          </a:p>
-          <a:p>
-            <a:pPr marL="742950" lvl="1" indent="-285750">
-              <a:buFont typeface="Arial" panose="020B0604020202020204" pitchFamily="34" charset="0"/>
-              <a:buChar char="•"/>
-            </a:pPr>
-            <a:r>
-              <a:rPr lang="en-US" noProof="0" dirty="0">
-                <a:solidFill>
-                  <a:schemeClr val="accent1"/>
-                </a:solidFill>
-              </a:rPr>
-              <a:t>Number of iterations</a:t>
-            </a:r>
-          </a:p>
-          <a:p>
-            <a:pPr marL="742950" lvl="1" indent="-285750">
-              <a:buFont typeface="Arial" panose="020B0604020202020204" pitchFamily="34" charset="0"/>
-              <a:buChar char="•"/>
-            </a:pPr>
-            <a:r>
-              <a:rPr lang="en-US" noProof="0" dirty="0">
-                <a:solidFill>
-                  <a:schemeClr val="accent1"/>
-                </a:solidFill>
-              </a:rPr>
-              <a:t>Tree depth</a:t>
-            </a:r>
-          </a:p>
-          <a:p>
-            <a:pPr marL="742950" lvl="1" indent="-285750">
-              <a:buFont typeface="Arial" panose="020B0604020202020204" pitchFamily="34" charset="0"/>
-              <a:buChar char="•"/>
-            </a:pPr>
-            <a:r>
-              <a:rPr lang="en-US" noProof="0" dirty="0">
-                <a:solidFill>
-                  <a:schemeClr val="accent1"/>
-                </a:solidFill>
-              </a:rPr>
-              <a:t>Learning rate</a:t>
-            </a:r>
-          </a:p>
-          <a:p>
-            <a:pPr marL="742950" lvl="1" indent="-285750">
-              <a:buFont typeface="Arial" panose="020B0604020202020204" pitchFamily="34" charset="0"/>
-              <a:buChar char="•"/>
-            </a:pPr>
-            <a:r>
-              <a:rPr lang="en-US" noProof="0" dirty="0">
-                <a:solidFill>
-                  <a:schemeClr val="accent1"/>
-                </a:solidFill>
-              </a:rPr>
-              <a:t>Regularization</a:t>
-            </a:r>
-          </a:p>
-          <a:p>
-            <a:pPr marL="742950" lvl="1" indent="-285750">
-              <a:buFont typeface="Arial" panose="020B0604020202020204" pitchFamily="34" charset="0"/>
-              <a:buChar char="•"/>
-            </a:pPr>
-            <a:r>
-              <a:rPr lang="en-US" noProof="0" dirty="0">
-                <a:solidFill>
-                  <a:schemeClr val="accent1"/>
-                </a:solidFill>
-              </a:rPr>
-              <a:t>Bootstrap Aggregating and random strength (</a:t>
-            </a:r>
-            <a:r>
-              <a:rPr lang="en-US" noProof="0" dirty="0" err="1">
-                <a:solidFill>
-                  <a:schemeClr val="accent1"/>
-                </a:solidFill>
-              </a:rPr>
-              <a:t>CatBoost</a:t>
-            </a:r>
-            <a:r>
-              <a:rPr lang="en-US" noProof="0" dirty="0">
-                <a:solidFill>
-                  <a:schemeClr val="accent1"/>
-                </a:solidFill>
-              </a:rPr>
-              <a:t>)</a:t>
-            </a:r>
-          </a:p>
-          <a:p>
-            <a:pPr marL="285750" indent="-285750">
-              <a:buFont typeface="Arial" panose="020B0604020202020204" pitchFamily="34" charset="0"/>
-              <a:buChar char="•"/>
-            </a:pPr>
-            <a:endParaRPr lang="en-US" noProof="0" dirty="0">
-              <a:solidFill>
-                <a:schemeClr val="accent1"/>
-              </a:solidFill>
-            </a:endParaRPr>
-          </a:p>
-          <a:p>
-            <a:pPr marL="285750" indent="-285750">
-              <a:buFont typeface="Arial" panose="020B0604020202020204" pitchFamily="34" charset="0"/>
-              <a:buChar char="•"/>
-            </a:pPr>
-            <a:r>
-              <a:rPr lang="en-US" noProof="0" dirty="0">
-                <a:solidFill>
-                  <a:schemeClr val="accent1"/>
-                </a:solidFill>
-              </a:rPr>
-              <a:t>Reduced trials in test mode for faster iteration</a:t>
+              <a:t>Train / Test Strategy</a:t>
             </a:r>
           </a:p>
         </p:txBody>
@@ -17593,8 +18507,8 @@
         </p:nvSpPr>
         <p:spPr>
           <a:xfrm>
-            <a:off x="515938" y="246621"/>
-            <a:ext cx="11150600" cy="647459"/>
+            <a:off x="520700" y="109570"/>
+            <a:ext cx="11150600" cy="466683"/>
           </a:xfrm>
         </p:spPr>
         <p:txBody>
@@ -17602,75 +18516,16 @@
           <a:lstStyle/>
           <a:p>
             <a:r>
-              <a:rPr lang="fr-BE" dirty="0">
+              <a:rPr lang="en-US" sz="2800" noProof="0" dirty="0">
                 <a:solidFill>
                   <a:schemeClr val="accent2"/>
                 </a:solidFill>
               </a:rPr>
-              <a:t>Train vs Test </a:t>
-            </a:r>
-            <a:r>
-              <a:rPr lang="fr-BE" dirty="0" err="1">
-                <a:solidFill>
-                  <a:schemeClr val="accent2"/>
-                </a:solidFill>
-              </a:rPr>
-              <a:t>Metrics</a:t>
-            </a:r>
-            <a:r>
-              <a:rPr lang="fr-BE" dirty="0">
-                <a:solidFill>
-                  <a:schemeClr val="accent2"/>
-                </a:solidFill>
-              </a:rPr>
-              <a:t> </a:t>
-            </a:r>
-            <a:r>
-              <a:rPr lang="fr-BE" dirty="0" err="1">
-                <a:solidFill>
-                  <a:schemeClr val="accent2"/>
-                </a:solidFill>
-              </a:rPr>
-              <a:t>Interpretation</a:t>
-            </a:r>
-            <a:endParaRPr lang="en-US" dirty="0">
-              <a:solidFill>
-                <a:schemeClr val="accent2"/>
-              </a:solidFill>
-            </a:endParaRPr>
-          </a:p>
-        </p:txBody>
-      </p:sp>
-      <p:pic>
-        <p:nvPicPr>
-          <p:cNvPr id="8" name="Picture 7">
-            <a:extLst>
-              <a:ext uri="{FF2B5EF4-FFF2-40B4-BE49-F238E27FC236}">
-                <a16:creationId xmlns:a16="http://schemas.microsoft.com/office/drawing/2014/main" id="{A9A519DE-B3FA-2B9E-45FE-C5BF41E6D5F1}"/>
-              </a:ext>
-            </a:extLst>
-          </p:cNvPr>
-          <p:cNvPicPr>
-            <a:picLocks noChangeAspect="1"/>
-          </p:cNvPicPr>
-          <p:nvPr/>
-        </p:nvPicPr>
-        <p:blipFill>
-          <a:blip r:embed="rId3"/>
-          <a:stretch>
-            <a:fillRect/>
-          </a:stretch>
-        </p:blipFill>
-        <p:spPr>
-          <a:xfrm>
-            <a:off x="210979" y="1305932"/>
-            <a:ext cx="11770042" cy="1980932"/>
-          </a:xfrm>
-          <a:prstGeom prst="rect">
-            <a:avLst/>
-          </a:prstGeom>
-        </p:spPr>
-      </p:pic>
+              <a:t>Train vs Test Metrics Interpretation</a:t>
+            </a:r>
+          </a:p>
+        </p:txBody>
+      </p:sp>
       <p:sp>
         <p:nvSpPr>
           <p:cNvPr id="9" name="Rounded Rectangle">
@@ -17685,8 +18540,8 @@
         </p:nvSpPr>
         <p:spPr>
           <a:xfrm>
-            <a:off x="210979" y="3429001"/>
-            <a:ext cx="5737701" cy="2397760"/>
+            <a:off x="262969" y="3875238"/>
+            <a:ext cx="5737701" cy="2490002"/>
           </a:xfrm>
           <a:prstGeom prst="roundRect">
             <a:avLst>
@@ -17733,8 +18588,8 @@
         </p:nvSpPr>
         <p:spPr>
           <a:xfrm>
-            <a:off x="6139339" y="3429001"/>
-            <a:ext cx="5737701" cy="2397760"/>
+            <a:off x="6191329" y="3875238"/>
+            <a:ext cx="5737701" cy="2490002"/>
           </a:xfrm>
           <a:prstGeom prst="roundRect">
             <a:avLst>
@@ -17781,8 +18636,8 @@
         </p:nvSpPr>
         <p:spPr>
           <a:xfrm>
-            <a:off x="6348707" y="3566052"/>
-            <a:ext cx="5318964" cy="2123658"/>
+            <a:off x="6497217" y="4119862"/>
+            <a:ext cx="5318964" cy="1938992"/>
           </a:xfrm>
           <a:prstGeom prst="rect">
             <a:avLst/>
@@ -17798,20 +18653,52 @@
             <a:r>
               <a:rPr lang="en-US" sz="1200" b="1" dirty="0">
                 <a:solidFill>
-                  <a:schemeClr val="tx2"/>
+                  <a:schemeClr val="accent2"/>
                 </a:solidFill>
               </a:rPr>
               <a:t>Overfitting:</a:t>
             </a:r>
           </a:p>
           <a:p>
+            <a:pPr marL="171450" indent="-171450">
+              <a:buFont typeface="Arial" panose="020B0604020202020204" pitchFamily="34" charset="0"/>
+              <a:buChar char="•"/>
+            </a:pPr>
             <a:r>
               <a:rPr lang="en-US" sz="1200" dirty="0">
                 <a:solidFill>
                   <a:schemeClr val="tx2"/>
                 </a:solidFill>
               </a:rPr>
-              <a:t>Model performs very well on training data but worse on test data, seen in low MAE train, higher MAE test, and high R² gap.</a:t>
+              <a:t>The model learns training data too well but fails to generalize.</a:t>
+            </a:r>
+          </a:p>
+          <a:p>
+            <a:pPr marL="171450" indent="-171450">
+              <a:buFont typeface="Arial" panose="020B0604020202020204" pitchFamily="34" charset="0"/>
+              <a:buChar char="•"/>
+            </a:pPr>
+            <a:r>
+              <a:rPr lang="en-US" sz="1200" dirty="0">
+                <a:solidFill>
+                  <a:schemeClr val="tx2"/>
+                </a:solidFill>
+              </a:rPr>
+              <a:t>Seen in low train error and high-test error (e.g. Rank 13 – Random Forest).</a:t>
+            </a:r>
+          </a:p>
+          <a:p>
+            <a:pPr marL="171450" indent="-171450">
+              <a:buFont typeface="Arial" panose="020B0604020202020204" pitchFamily="34" charset="0"/>
+              <a:buChar char="•"/>
+            </a:pPr>
+            <a:r>
+              <a:rPr lang="en-US" sz="1200" dirty="0">
+                <a:solidFill>
+                  <a:schemeClr val="tx2"/>
+                </a:solidFill>
+              </a:rPr>
+              <a:t>Diagnosed by large MAE gap and R² gap.</a:t>
             </a:r>
           </a:p>
           <a:p>
@@ -17825,47 +18712,396 @@
             <a:r>
               <a:rPr lang="en-US" sz="1200" b="1" dirty="0">
                 <a:solidFill>
-                  <a:schemeClr val="tx2"/>
+                  <a:schemeClr val="accent2"/>
                 </a:solidFill>
               </a:rPr>
               <a:t>Underfitting:</a:t>
             </a:r>
           </a:p>
           <a:p>
+            <a:pPr marL="171450" indent="-171450">
+              <a:buFont typeface="Arial" panose="020B0604020202020204" pitchFamily="34" charset="0"/>
+              <a:buChar char="•"/>
+            </a:pPr>
             <a:r>
               <a:rPr lang="en-US" sz="1200" dirty="0">
                 <a:solidFill>
                   <a:schemeClr val="tx2"/>
                 </a:solidFill>
               </a:rPr>
-              <a:t>Model is too simple; poor performance on both sets, with relatively small gaps but low R² overall.</a:t>
-            </a:r>
-          </a:p>
-          <a:p>
+              <a:t>The model is too simple and fails to learn the data structure.</a:t>
+            </a:r>
+          </a:p>
+          <a:p>
+            <a:pPr marL="171450" indent="-171450">
+              <a:buFont typeface="Arial" panose="020B0604020202020204" pitchFamily="34" charset="0"/>
+              <a:buChar char="•"/>
+            </a:pPr>
+            <a:r>
+              <a:rPr lang="en-US" sz="1200" dirty="0">
+                <a:solidFill>
+                  <a:schemeClr val="tx2"/>
+                </a:solidFill>
+              </a:rPr>
+              <a:t>Low R² on both train and test sets with small gaps.</a:t>
+            </a:r>
+          </a:p>
+          <a:p>
+            <a:pPr marL="171450" indent="-171450">
+              <a:buFont typeface="Arial" panose="020B0604020202020204" pitchFamily="34" charset="0"/>
+              <a:buChar char="•"/>
+            </a:pPr>
+            <a:r>
+              <a:rPr lang="en-US" sz="1200" dirty="0">
+                <a:solidFill>
+                  <a:schemeClr val="tx2"/>
+                </a:solidFill>
+              </a:rPr>
+              <a:t>Example: Linear Regression (Rank 15) shows poor test R² (0.69) and high error </a:t>
+            </a:r>
+          </a:p>
+          <a:p>
+            <a:r>
+              <a:rPr lang="en-US" sz="1200" dirty="0">
+                <a:solidFill>
+                  <a:schemeClr val="tx2"/>
+                </a:solidFill>
+              </a:rPr>
+              <a:t>     → underfitting behavior.</a:t>
+            </a:r>
             <a:endParaRPr lang="en-US" sz="1200" b="1" dirty="0">
               <a:solidFill>
                 <a:schemeClr val="tx2"/>
               </a:solidFill>
             </a:endParaRPr>
           </a:p>
+        </p:txBody>
+      </p:sp>
+      <p:sp>
+        <p:nvSpPr>
+          <p:cNvPr id="13" name="TextBox 12">
+            <a:extLst>
+              <a:ext uri="{FF2B5EF4-FFF2-40B4-BE49-F238E27FC236}">
+                <a16:creationId xmlns:a16="http://schemas.microsoft.com/office/drawing/2014/main" id="{AC269687-9ECE-BE95-EF6E-9389CFC1B6BB}"/>
+              </a:ext>
+            </a:extLst>
+          </p:cNvPr>
+          <p:cNvSpPr txBox="1"/>
+          <p:nvPr/>
+        </p:nvSpPr>
+        <p:spPr>
+          <a:xfrm>
+            <a:off x="472339" y="3966077"/>
+            <a:ext cx="5318964" cy="2308324"/>
+          </a:xfrm>
+          <a:prstGeom prst="rect">
+            <a:avLst/>
+          </a:prstGeom>
+          <a:noFill/>
+        </p:spPr>
+        <p:txBody>
+          <a:bodyPr wrap="square">
+            <a:spAutoFit/>
+          </a:bodyPr>
+          <a:lstStyle/>
           <a:p>
             <a:r>
               <a:rPr lang="en-US" sz="1200" b="1" dirty="0">
                 <a:solidFill>
+                  <a:schemeClr val="accent2"/>
+                </a:solidFill>
+              </a:rPr>
+              <a:t>Train vs Test:</a:t>
+            </a:r>
+          </a:p>
+          <a:p>
+            <a:pPr marL="171450" indent="-171450">
+              <a:buFont typeface="Arial" panose="020B0604020202020204" pitchFamily="34" charset="0"/>
+              <a:buChar char="•"/>
+            </a:pPr>
+            <a:r>
+              <a:rPr lang="en-US" sz="1200" b="1" dirty="0">
+                <a:solidFill>
                   <a:schemeClr val="tx2"/>
                 </a:solidFill>
               </a:rPr>
-              <a:t>Unstable:</a:t>
-            </a:r>
-          </a:p>
-          <a:p>
+              <a:t>Train metrics </a:t>
+            </a:r>
             <a:r>
               <a:rPr lang="en-US" sz="1200" dirty="0">
                 <a:solidFill>
                   <a:schemeClr val="tx2"/>
                 </a:solidFill>
               </a:rPr>
-              <a:t>Metrics are nearly identical but low R²; model doesn’t learn meaningful patterns, or results are inconsistent.</a:t>
+              <a:t>reflect the model’s </a:t>
+            </a:r>
+            <a:r>
+              <a:rPr lang="en-US" sz="1200" b="1" dirty="0">
+                <a:solidFill>
+                  <a:schemeClr val="tx2"/>
+                </a:solidFill>
+              </a:rPr>
+              <a:t>performance</a:t>
+            </a:r>
+            <a:r>
+              <a:rPr lang="en-US" sz="1200" dirty="0">
+                <a:solidFill>
+                  <a:schemeClr val="tx2"/>
+                </a:solidFill>
+              </a:rPr>
+              <a:t> on </a:t>
+            </a:r>
+            <a:r>
+              <a:rPr lang="en-US" sz="1200" b="1" dirty="0">
+                <a:solidFill>
+                  <a:schemeClr val="tx2"/>
+                </a:solidFill>
+              </a:rPr>
+              <a:t>data it has already seen</a:t>
+            </a:r>
+            <a:endParaRPr lang="en-US" sz="1200" dirty="0">
+              <a:solidFill>
+                <a:schemeClr val="tx2"/>
+              </a:solidFill>
+            </a:endParaRPr>
+          </a:p>
+          <a:p>
+            <a:pPr marL="171450" indent="-171450">
+              <a:buFont typeface="Arial" panose="020B0604020202020204" pitchFamily="34" charset="0"/>
+              <a:buChar char="•"/>
+            </a:pPr>
+            <a:r>
+              <a:rPr lang="en-US" sz="1200" b="1" dirty="0">
+                <a:solidFill>
+                  <a:schemeClr val="tx2"/>
+                </a:solidFill>
+              </a:rPr>
+              <a:t>Test metrics</a:t>
+            </a:r>
+            <a:r>
+              <a:rPr lang="en-US" sz="1200" dirty="0">
+                <a:solidFill>
+                  <a:schemeClr val="tx2"/>
+                </a:solidFill>
+              </a:rPr>
+              <a:t> evaluate </a:t>
+            </a:r>
+            <a:r>
+              <a:rPr lang="en-US" sz="1200" b="1" dirty="0">
+                <a:solidFill>
+                  <a:schemeClr val="tx2"/>
+                </a:solidFill>
+              </a:rPr>
+              <a:t>how well the model generalizes </a:t>
+            </a:r>
+            <a:r>
+              <a:rPr lang="en-US" sz="1200" dirty="0">
+                <a:solidFill>
+                  <a:schemeClr val="tx2"/>
+                </a:solidFill>
+              </a:rPr>
+              <a:t>to </a:t>
+            </a:r>
+            <a:r>
+              <a:rPr lang="en-US" sz="1200" b="1" dirty="0">
+                <a:solidFill>
+                  <a:schemeClr val="tx2"/>
+                </a:solidFill>
+              </a:rPr>
+              <a:t>unseen data</a:t>
+            </a:r>
+            <a:endParaRPr lang="en-US" sz="1200" dirty="0">
+              <a:solidFill>
+                <a:schemeClr val="tx2"/>
+              </a:solidFill>
+            </a:endParaRPr>
+          </a:p>
+          <a:p>
+            <a:pPr marL="171450" indent="-171450">
+              <a:buFont typeface="Arial" panose="020B0604020202020204" pitchFamily="34" charset="0"/>
+              <a:buChar char="•"/>
+            </a:pPr>
+            <a:r>
+              <a:rPr lang="en-US" sz="1200" b="1" dirty="0">
+                <a:solidFill>
+                  <a:schemeClr val="tx2"/>
+                </a:solidFill>
+              </a:rPr>
+              <a:t>A good model </a:t>
+            </a:r>
+            <a:r>
+              <a:rPr lang="en-US" sz="1200" dirty="0">
+                <a:solidFill>
+                  <a:schemeClr val="tx2"/>
+                </a:solidFill>
+              </a:rPr>
+              <a:t>should have </a:t>
+            </a:r>
+            <a:r>
+              <a:rPr lang="en-US" sz="1200" b="1" dirty="0">
+                <a:solidFill>
+                  <a:schemeClr val="tx2"/>
+                </a:solidFill>
+              </a:rPr>
+              <a:t>small gaps </a:t>
+            </a:r>
+            <a:r>
+              <a:rPr lang="en-US" sz="1200" dirty="0">
+                <a:solidFill>
+                  <a:schemeClr val="tx2"/>
+                </a:solidFill>
+              </a:rPr>
+              <a:t>between </a:t>
+            </a:r>
+            <a:r>
+              <a:rPr lang="en-US" sz="1200" b="1" dirty="0">
+                <a:solidFill>
+                  <a:schemeClr val="tx2"/>
+                </a:solidFill>
+              </a:rPr>
+              <a:t>train</a:t>
+            </a:r>
+            <a:r>
+              <a:rPr lang="en-US" sz="1200" dirty="0">
+                <a:solidFill>
+                  <a:schemeClr val="tx2"/>
+                </a:solidFill>
+              </a:rPr>
+              <a:t> and </a:t>
+            </a:r>
+            <a:r>
+              <a:rPr lang="en-US" sz="1200" b="1" dirty="0">
+                <a:solidFill>
+                  <a:schemeClr val="tx2"/>
+                </a:solidFill>
+              </a:rPr>
+              <a:t>test performance</a:t>
+            </a:r>
+            <a:r>
+              <a:rPr lang="en-US" sz="1200" dirty="0">
+                <a:solidFill>
+                  <a:schemeClr val="tx2"/>
+                </a:solidFill>
+              </a:rPr>
+              <a:t>.</a:t>
+            </a:r>
+          </a:p>
+          <a:p>
+            <a:endParaRPr lang="en-US" sz="1200" b="1" dirty="0">
+              <a:solidFill>
+                <a:schemeClr val="tx2"/>
+              </a:solidFill>
+            </a:endParaRPr>
+          </a:p>
+          <a:p>
+            <a:r>
+              <a:rPr lang="en-US" sz="1200" b="1" dirty="0">
+                <a:solidFill>
+                  <a:schemeClr val="accent2"/>
+                </a:solidFill>
+              </a:rPr>
+              <a:t>MAE Gap:</a:t>
+            </a:r>
+          </a:p>
+          <a:p>
+            <a:pPr marL="171450" indent="-171450">
+              <a:buFont typeface="Arial" panose="020B0604020202020204" pitchFamily="34" charset="0"/>
+              <a:buChar char="•"/>
+            </a:pPr>
+            <a:r>
+              <a:rPr lang="en-US" sz="1200" dirty="0">
+                <a:solidFill>
+                  <a:schemeClr val="tx2"/>
+                </a:solidFill>
+              </a:rPr>
+              <a:t>Difference in MAE (Mean Absolute Error) between train and test sets</a:t>
+            </a:r>
+          </a:p>
+          <a:p>
+            <a:pPr marL="171450" indent="-171450">
+              <a:buFont typeface="Arial" panose="020B0604020202020204" pitchFamily="34" charset="0"/>
+              <a:buChar char="•"/>
+            </a:pPr>
+            <a:r>
+              <a:rPr lang="en-US" sz="1200" b="1" dirty="0">
+                <a:solidFill>
+                  <a:schemeClr val="tx2"/>
+                </a:solidFill>
+              </a:rPr>
+              <a:t>A large gap </a:t>
+            </a:r>
+            <a:r>
+              <a:rPr lang="en-US" sz="1200" dirty="0">
+                <a:solidFill>
+                  <a:schemeClr val="tx2"/>
+                </a:solidFill>
+              </a:rPr>
+              <a:t>indicates </a:t>
+            </a:r>
+            <a:r>
+              <a:rPr lang="en-US" sz="1200" b="1" dirty="0">
+                <a:solidFill>
+                  <a:schemeClr val="tx2"/>
+                </a:solidFill>
+              </a:rPr>
+              <a:t>the model may be fitting noise </a:t>
+            </a:r>
+            <a:r>
+              <a:rPr lang="en-US" sz="1200" dirty="0">
+                <a:solidFill>
+                  <a:schemeClr val="tx2"/>
+                </a:solidFill>
+              </a:rPr>
+              <a:t>(→ risk of overfitting)</a:t>
+            </a:r>
+          </a:p>
+          <a:p>
+            <a:pPr marL="171450" indent="-171450">
+              <a:buFont typeface="Arial" panose="020B0604020202020204" pitchFamily="34" charset="0"/>
+              <a:buChar char="•"/>
+            </a:pPr>
+            <a:endParaRPr lang="en-US" sz="1200" dirty="0">
+              <a:solidFill>
+                <a:schemeClr val="tx2"/>
+              </a:solidFill>
+            </a:endParaRPr>
+          </a:p>
+          <a:p>
+            <a:r>
+              <a:rPr lang="en-US" sz="1200" b="1" dirty="0">
+                <a:solidFill>
+                  <a:schemeClr val="accent2"/>
+                </a:solidFill>
+              </a:rPr>
+              <a:t>R² Gap:</a:t>
+            </a:r>
+          </a:p>
+          <a:p>
+            <a:pPr marL="171450" indent="-171450">
+              <a:buFont typeface="Arial" panose="020B0604020202020204" pitchFamily="34" charset="0"/>
+              <a:buChar char="•"/>
+            </a:pPr>
+            <a:r>
+              <a:rPr lang="en-US" sz="1200" dirty="0">
+                <a:solidFill>
+                  <a:schemeClr val="tx2"/>
+                </a:solidFill>
+              </a:rPr>
+              <a:t>Measures the drop in explained variance (R²) from train to test.</a:t>
+            </a:r>
+          </a:p>
+          <a:p>
+            <a:pPr marL="171450" indent="-171450">
+              <a:buFont typeface="Arial" panose="020B0604020202020204" pitchFamily="34" charset="0"/>
+              <a:buChar char="•"/>
+            </a:pPr>
+            <a:r>
+              <a:rPr lang="en-US" sz="1200" dirty="0">
+                <a:solidFill>
+                  <a:schemeClr val="tx2"/>
+                </a:solidFill>
+              </a:rPr>
+              <a:t>A large R² gap implies the model does not generalize well.</a:t>
             </a:r>
             <a:endParaRPr lang="en-US" sz="1200" noProof="0" dirty="0">
               <a:solidFill>
@@ -17875,168 +19111,53 @@
           </a:p>
         </p:txBody>
       </p:sp>
-      <p:sp>
-        <p:nvSpPr>
-          <p:cNvPr id="13" name="TextBox 12">
-            <a:extLst>
-              <a:ext uri="{FF2B5EF4-FFF2-40B4-BE49-F238E27FC236}">
-                <a16:creationId xmlns:a16="http://schemas.microsoft.com/office/drawing/2014/main" id="{AC269687-9ECE-BE95-EF6E-9389CFC1B6BB}"/>
-              </a:ext>
-            </a:extLst>
-          </p:cNvPr>
-          <p:cNvSpPr txBox="1"/>
+      <p:pic>
+        <p:nvPicPr>
+          <p:cNvPr id="1028" name="Picture 4">
+            <a:extLst>
+              <a:ext uri="{FF2B5EF4-FFF2-40B4-BE49-F238E27FC236}">
+                <a16:creationId xmlns:a16="http://schemas.microsoft.com/office/drawing/2014/main" id="{AEC75BF0-BBF7-CEDF-C20F-884DA5899F8C}"/>
+              </a:ext>
+            </a:extLst>
+          </p:cNvPr>
+          <p:cNvPicPr>
+            <a:picLocks noChangeAspect="1" noChangeArrowheads="1"/>
+          </p:cNvPicPr>
           <p:nvPr/>
-        </p:nvSpPr>
-        <p:spPr>
+        </p:nvPicPr>
+        <p:blipFill>
+          <a:blip r:embed="rId3">
+            <a:extLst>
+              <a:ext uri="{28A0092B-C50C-407E-A947-70E740481C1C}">
+                <a14:useLocalDpi xmlns:a14="http://schemas.microsoft.com/office/drawing/2010/main" val="0"/>
+              </a:ext>
+            </a:extLst>
+          </a:blip>
+          <a:srcRect/>
+          <a:stretch>
+            <a:fillRect/>
+          </a:stretch>
+        </p:blipFill>
+        <p:spPr bwMode="auto">
           <a:xfrm>
-            <a:off x="369547" y="3566052"/>
-            <a:ext cx="5318964" cy="2123658"/>
+            <a:off x="1280261" y="620562"/>
+            <a:ext cx="8752739" cy="3129560"/>
           </a:xfrm>
           <a:prstGeom prst="rect">
             <a:avLst/>
           </a:prstGeom>
           <a:noFill/>
-        </p:spPr>
-        <p:txBody>
-          <a:bodyPr wrap="square">
-            <a:spAutoFit/>
-          </a:bodyPr>
-          <a:lstStyle/>
-          <a:p>
-            <a:r>
-              <a:rPr lang="en-US" sz="1200" b="1" dirty="0">
-                <a:solidFill>
-                  <a:schemeClr val="tx2"/>
-                </a:solidFill>
-              </a:rPr>
-              <a:t>Train vs Test:</a:t>
-            </a:r>
-          </a:p>
-          <a:p>
-            <a:pPr marL="171450" indent="-171450">
-              <a:buFont typeface="Arial" panose="020B0604020202020204" pitchFamily="34" charset="0"/>
-              <a:buChar char="•"/>
-            </a:pPr>
-            <a:r>
-              <a:rPr lang="en-US" sz="1200" dirty="0">
-                <a:solidFill>
-                  <a:schemeClr val="tx2"/>
-                </a:solidFill>
-              </a:rPr>
-              <a:t>Training metrics reflect model fit on known data </a:t>
-            </a:r>
-          </a:p>
-          <a:p>
-            <a:pPr marL="171450" indent="-171450">
-              <a:buFont typeface="Arial" panose="020B0604020202020204" pitchFamily="34" charset="0"/>
-              <a:buChar char="•"/>
-            </a:pPr>
-            <a:r>
-              <a:rPr lang="en-US" sz="1200" dirty="0">
-                <a:solidFill>
-                  <a:schemeClr val="tx2"/>
-                </a:solidFill>
-              </a:rPr>
-              <a:t>Test metrics indicate performance on unseen data</a:t>
-            </a:r>
-          </a:p>
-          <a:p>
-            <a:endParaRPr lang="en-US" sz="1200" dirty="0">
-              <a:solidFill>
-                <a:schemeClr val="tx2"/>
-              </a:solidFill>
-            </a:endParaRPr>
-          </a:p>
-          <a:p>
-            <a:r>
-              <a:rPr lang="en-US" sz="1200" b="1" dirty="0">
-                <a:solidFill>
-                  <a:schemeClr val="tx2"/>
-                </a:solidFill>
-              </a:rPr>
-              <a:t>MAE Gap:</a:t>
-            </a:r>
-          </a:p>
-          <a:p>
-            <a:pPr marL="171450" indent="-171450">
-              <a:buFont typeface="Arial" panose="020B0604020202020204" pitchFamily="34" charset="0"/>
-              <a:buChar char="•"/>
-            </a:pPr>
-            <a:r>
-              <a:rPr lang="en-US" sz="1200" dirty="0">
-                <a:solidFill>
-                  <a:schemeClr val="tx2"/>
-                </a:solidFill>
-              </a:rPr>
-              <a:t>Difference in MAE between train and test sets. </a:t>
-            </a:r>
-          </a:p>
-          <a:p>
-            <a:pPr marL="171450" indent="-171450">
-              <a:buFont typeface="Arial" panose="020B0604020202020204" pitchFamily="34" charset="0"/>
-              <a:buChar char="•"/>
-            </a:pPr>
-            <a:r>
-              <a:rPr lang="en-US" sz="1200" dirty="0">
-                <a:solidFill>
-                  <a:schemeClr val="tx2"/>
-                </a:solidFill>
-              </a:rPr>
-              <a:t>Large positive gap suggests model is fitting noise (overfitting).</a:t>
-            </a:r>
-          </a:p>
-          <a:p>
-            <a:endParaRPr lang="en-US" sz="1200" dirty="0">
-              <a:solidFill>
-                <a:schemeClr val="tx2"/>
-              </a:solidFill>
-            </a:endParaRPr>
-          </a:p>
-          <a:p>
-            <a:r>
-              <a:rPr lang="en-US" sz="1200" b="1" dirty="0">
-                <a:solidFill>
-                  <a:schemeClr val="tx2"/>
-                </a:solidFill>
-              </a:rPr>
-              <a:t>R² Gap:</a:t>
-            </a:r>
-          </a:p>
-          <a:p>
-            <a:pPr marL="171450" indent="-171450">
-              <a:buFont typeface="Arial" panose="020B0604020202020204" pitchFamily="34" charset="0"/>
-              <a:buChar char="•"/>
-            </a:pPr>
-            <a:r>
-              <a:rPr lang="en-US" sz="1200" dirty="0">
-                <a:solidFill>
-                  <a:schemeClr val="tx2"/>
-                </a:solidFill>
-              </a:rPr>
-              <a:t>Difference in explained variance; </a:t>
-            </a:r>
-          </a:p>
-          <a:p>
-            <a:pPr marL="171450" indent="-171450">
-              <a:buFont typeface="Arial" panose="020B0604020202020204" pitchFamily="34" charset="0"/>
-              <a:buChar char="•"/>
-            </a:pPr>
-            <a:r>
-              <a:rPr lang="en-US" sz="1200" dirty="0">
-                <a:solidFill>
-                  <a:schemeClr val="tx2"/>
-                </a:solidFill>
-              </a:rPr>
-              <a:t>a large gap confirms poor generalization.</a:t>
-            </a:r>
-            <a:endParaRPr lang="en-US" sz="1200" noProof="0" dirty="0">
-              <a:solidFill>
-                <a:schemeClr val="tx2"/>
-              </a:solidFill>
-            </a:endParaRPr>
-          </a:p>
-        </p:txBody>
-      </p:sp>
+          <a:extLst>
+            <a:ext uri="{909E8E84-426E-40DD-AFC4-6F175D3DCCD1}">
+              <a14:hiddenFill xmlns:a14="http://schemas.microsoft.com/office/drawing/2010/main">
+                <a:solidFill>
+                  <a:srgbClr val="FFFFFF"/>
+                </a:solidFill>
+              </a14:hiddenFill>
+            </a:ext>
+          </a:extLst>
+        </p:spPr>
+      </p:pic>
     </p:spTree>
     <p:extLst>
       <p:ext uri="{BB962C8B-B14F-4D97-AF65-F5344CB8AC3E}">
@@ -18188,8 +19309,8 @@
         </p:nvSpPr>
         <p:spPr>
           <a:xfrm>
-            <a:off x="777240" y="1646490"/>
-            <a:ext cx="10525760" cy="3477875"/>
+            <a:off x="777240" y="1316290"/>
+            <a:ext cx="10525760" cy="4247317"/>
           </a:xfrm>
           <a:prstGeom prst="rect">
             <a:avLst/>
@@ -18207,30 +19328,148 @@
               <a:buChar char="•"/>
             </a:pPr>
             <a:r>
-              <a:rPr lang="en-US" sz="2000" b="1" dirty="0">
+              <a:rPr lang="en-US" b="1" dirty="0">
                 <a:solidFill>
                   <a:schemeClr val="accent1"/>
                 </a:solidFill>
               </a:rPr>
-              <a:t>Hyperparameter tuning requires exploring a large and complex search spa</a:t>
-            </a:r>
-            <a:r>
-              <a:rPr lang="en-US" sz="2000" dirty="0">
+              <a:t>Hyperparameter tuning </a:t>
+            </a:r>
+            <a:r>
+              <a:rPr lang="en-US" dirty="0">
                 <a:solidFill>
                   <a:schemeClr val="accent1"/>
                 </a:solidFill>
               </a:rPr>
-              <a:t>ce, which is time-consuming </a:t>
-            </a:r>
-            <a:r>
-              <a:rPr lang="en-US" sz="2000" b="1" dirty="0">
+              <a:t>was </a:t>
+            </a:r>
+            <a:r>
+              <a:rPr lang="en-US" b="1" dirty="0">
                 <a:solidFill>
                   <a:schemeClr val="accent1"/>
                 </a:solidFill>
               </a:rPr>
-              <a:t>and computationally expensive</a:t>
-            </a:r>
-            <a:endParaRPr lang="en-US" sz="2000" dirty="0">
+              <a:t>time-consuming</a:t>
+            </a:r>
+            <a:r>
+              <a:rPr lang="en-US" dirty="0">
+                <a:solidFill>
+                  <a:schemeClr val="accent1"/>
+                </a:solidFill>
+              </a:rPr>
+              <a:t>, even with </a:t>
+            </a:r>
+            <a:r>
+              <a:rPr lang="en-US" b="1" dirty="0">
+                <a:solidFill>
+                  <a:schemeClr val="accent1"/>
+                </a:solidFill>
+              </a:rPr>
+              <a:t>GPU acceleration</a:t>
+            </a:r>
+            <a:r>
+              <a:rPr lang="en-US" dirty="0">
+                <a:solidFill>
+                  <a:schemeClr val="accent1"/>
+                </a:solidFill>
+              </a:rPr>
+              <a:t>, especially for </a:t>
+            </a:r>
+            <a:r>
+              <a:rPr lang="en-US" b="1" dirty="0">
+                <a:solidFill>
+                  <a:schemeClr val="accent1"/>
+                </a:solidFill>
+              </a:rPr>
+              <a:t>complex models </a:t>
+            </a:r>
+            <a:r>
+              <a:rPr lang="en-US" dirty="0">
+                <a:solidFill>
+                  <a:schemeClr val="accent1"/>
+                </a:solidFill>
+              </a:rPr>
+              <a:t>like </a:t>
+            </a:r>
+            <a:r>
+              <a:rPr lang="en-US" dirty="0" err="1">
+                <a:solidFill>
+                  <a:schemeClr val="accent1"/>
+                </a:solidFill>
+              </a:rPr>
+              <a:t>XGBoost</a:t>
+            </a:r>
+            <a:r>
+              <a:rPr lang="en-US" dirty="0">
+                <a:solidFill>
+                  <a:schemeClr val="accent1"/>
+                </a:solidFill>
+              </a:rPr>
+              <a:t>, </a:t>
+            </a:r>
+            <a:r>
+              <a:rPr lang="en-US" dirty="0" err="1">
+                <a:solidFill>
+                  <a:schemeClr val="accent1"/>
+                </a:solidFill>
+              </a:rPr>
+              <a:t>LightGBM</a:t>
+            </a:r>
+            <a:r>
+              <a:rPr lang="en-US" dirty="0">
+                <a:solidFill>
+                  <a:schemeClr val="accent1"/>
+                </a:solidFill>
+              </a:rPr>
+              <a:t>, and </a:t>
+            </a:r>
+            <a:r>
+              <a:rPr lang="en-US" b="1" dirty="0" err="1">
+                <a:solidFill>
+                  <a:schemeClr val="accent1"/>
+                </a:solidFill>
+              </a:rPr>
+              <a:t>CatBoost</a:t>
+            </a:r>
+            <a:r>
+              <a:rPr lang="en-US" b="1" dirty="0">
+                <a:solidFill>
+                  <a:schemeClr val="accent1"/>
+                </a:solidFill>
+              </a:rPr>
+              <a:t> using </a:t>
+            </a:r>
+            <a:r>
+              <a:rPr lang="en-US" b="1" dirty="0" err="1">
+                <a:solidFill>
+                  <a:schemeClr val="accent1"/>
+                </a:solidFill>
+              </a:rPr>
+              <a:t>Optuna</a:t>
+            </a:r>
+            <a:r>
+              <a:rPr lang="en-US" b="1" dirty="0">
+                <a:solidFill>
+                  <a:schemeClr val="accent1"/>
+                </a:solidFill>
+              </a:rPr>
+              <a:t> and cross-validation</a:t>
+            </a:r>
+            <a:r>
+              <a:rPr lang="en-US" dirty="0">
+                <a:solidFill>
+                  <a:schemeClr val="accent1"/>
+                </a:solidFill>
+              </a:rPr>
+              <a:t>.</a:t>
+            </a:r>
+          </a:p>
+          <a:p>
+            <a:pPr marL="285750" indent="-285750">
+              <a:buFont typeface="Arial" panose="020B0604020202020204" pitchFamily="34" charset="0"/>
+              <a:buChar char="•"/>
+            </a:pPr>
+            <a:endParaRPr lang="en-US" dirty="0">
               <a:solidFill>
                 <a:schemeClr val="accent1"/>
               </a:solidFill>
@@ -18241,7 +19480,85 @@
               <a:buFont typeface="Arial" panose="020B0604020202020204" pitchFamily="34" charset="0"/>
               <a:buChar char="•"/>
             </a:pPr>
-            <a:endParaRPr lang="en-US" sz="2000" dirty="0">
+            <a:r>
+              <a:rPr lang="en-US" dirty="0">
+                <a:solidFill>
+                  <a:schemeClr val="accent1"/>
+                </a:solidFill>
+              </a:rPr>
+              <a:t>Finding the right balance between </a:t>
+            </a:r>
+            <a:r>
+              <a:rPr lang="en-US" b="1" dirty="0">
+                <a:solidFill>
+                  <a:schemeClr val="accent1"/>
+                </a:solidFill>
+              </a:rPr>
+              <a:t>underfitting</a:t>
+            </a:r>
+            <a:r>
+              <a:rPr lang="en-US" dirty="0">
+                <a:solidFill>
+                  <a:schemeClr val="accent1"/>
+                </a:solidFill>
+              </a:rPr>
+              <a:t> and </a:t>
+            </a:r>
+            <a:r>
+              <a:rPr lang="en-US" b="1" dirty="0">
+                <a:solidFill>
+                  <a:schemeClr val="accent1"/>
+                </a:solidFill>
+              </a:rPr>
+              <a:t>overfitting</a:t>
+            </a:r>
+            <a:r>
+              <a:rPr lang="en-US" dirty="0">
+                <a:solidFill>
+                  <a:schemeClr val="accent1"/>
+                </a:solidFill>
+              </a:rPr>
+              <a:t> is tricky, especially with </a:t>
+            </a:r>
+            <a:r>
+              <a:rPr lang="en-US" b="1" dirty="0">
+                <a:solidFill>
+                  <a:schemeClr val="accent1"/>
+                </a:solidFill>
+              </a:rPr>
+              <a:t>limited data </a:t>
+            </a:r>
+            <a:r>
+              <a:rPr lang="en-US" dirty="0">
+                <a:solidFill>
+                  <a:schemeClr val="accent1"/>
+                </a:solidFill>
+              </a:rPr>
+              <a:t>or </a:t>
+            </a:r>
+            <a:r>
+              <a:rPr lang="en-US" b="1" dirty="0">
+                <a:solidFill>
+                  <a:schemeClr val="accent1"/>
+                </a:solidFill>
+              </a:rPr>
+              <a:t>noisy features</a:t>
+            </a:r>
+            <a:r>
+              <a:rPr lang="en-US" dirty="0">
+                <a:solidFill>
+                  <a:schemeClr val="accent1"/>
+                </a:solidFill>
+              </a:rPr>
+              <a:t>.</a:t>
+            </a:r>
+          </a:p>
+          <a:p>
+            <a:pPr marL="285750" indent="-285750">
+              <a:buFont typeface="Arial" panose="020B0604020202020204" pitchFamily="34" charset="0"/>
+              <a:buChar char="•"/>
+            </a:pPr>
+            <a:endParaRPr lang="en-US" dirty="0">
               <a:solidFill>
                 <a:schemeClr val="accent1"/>
               </a:solidFill>
@@ -18253,84 +19570,33 @@
               <a:buChar char="•"/>
             </a:pPr>
             <a:r>
-              <a:rPr lang="en-US" sz="2000" dirty="0">
+              <a:rPr lang="en-US" dirty="0">
                 <a:solidFill>
                   <a:schemeClr val="accent1"/>
                 </a:solidFill>
               </a:rPr>
-              <a:t>Finding the right balance between </a:t>
-            </a:r>
-            <a:r>
-              <a:rPr lang="en-US" sz="2000" b="1" dirty="0">
+              <a:t>Despite multiple tuning attempts, models often showed instability, with </a:t>
+            </a:r>
+            <a:r>
+              <a:rPr lang="en-US" b="1" dirty="0">
                 <a:solidFill>
                   <a:schemeClr val="accent1"/>
                 </a:solidFill>
               </a:rPr>
-              <a:t>underfitting</a:t>
-            </a:r>
-            <a:r>
-              <a:rPr lang="en-US" sz="2000" dirty="0">
-                <a:solidFill>
-                  <a:schemeClr val="accent1"/>
-                </a:solidFill>
-              </a:rPr>
-              <a:t> and </a:t>
-            </a:r>
-            <a:r>
-              <a:rPr lang="en-US" sz="2000" b="1" dirty="0">
-                <a:solidFill>
-                  <a:schemeClr val="accent1"/>
-                </a:solidFill>
-              </a:rPr>
-              <a:t>overfitting</a:t>
-            </a:r>
-            <a:r>
-              <a:rPr lang="en-US" sz="2000" dirty="0">
-                <a:solidFill>
-                  <a:schemeClr val="accent1"/>
-                </a:solidFill>
-              </a:rPr>
-              <a:t> is tricky, especially with </a:t>
-            </a:r>
-            <a:r>
-              <a:rPr lang="en-US" sz="2000" b="1" dirty="0">
-                <a:solidFill>
-                  <a:schemeClr val="accent1"/>
-                </a:solidFill>
-              </a:rPr>
-              <a:t>limited data </a:t>
-            </a:r>
-            <a:r>
-              <a:rPr lang="en-US" sz="2000" dirty="0">
-                <a:solidFill>
-                  <a:schemeClr val="accent1"/>
-                </a:solidFill>
-              </a:rPr>
-              <a:t>or </a:t>
-            </a:r>
-            <a:r>
-              <a:rPr lang="en-US" sz="2000" b="1" dirty="0">
-                <a:solidFill>
-                  <a:schemeClr val="accent1"/>
-                </a:solidFill>
-              </a:rPr>
-              <a:t>noisy features</a:t>
-            </a:r>
-            <a:r>
-              <a:rPr lang="en-US" sz="2000" dirty="0">
-                <a:solidFill>
-                  <a:schemeClr val="accent1"/>
-                </a:solidFill>
-              </a:rPr>
-              <a:t>.</a:t>
-            </a:r>
+              <a:t>fluctuating performance metrics</a:t>
+            </a:r>
+            <a:endParaRPr lang="en-US" dirty="0">
+              <a:solidFill>
+                <a:schemeClr val="accent1"/>
+              </a:solidFill>
+            </a:endParaRPr>
           </a:p>
           <a:p>
             <a:pPr marL="285750" indent="-285750">
               <a:buFont typeface="Arial" panose="020B0604020202020204" pitchFamily="34" charset="0"/>
               <a:buChar char="•"/>
             </a:pPr>
-            <a:endParaRPr lang="en-US" sz="2000" dirty="0">
+            <a:endParaRPr lang="en-US" dirty="0">
               <a:solidFill>
                 <a:schemeClr val="accent1"/>
               </a:solidFill>
@@ -18342,30 +19608,20 @@
               <a:buChar char="•"/>
             </a:pPr>
             <a:r>
-              <a:rPr lang="en-US" sz="2000" dirty="0">
+              <a:rPr lang="en-US" dirty="0">
                 <a:solidFill>
                   <a:schemeClr val="accent1"/>
                 </a:solidFill>
               </a:rPr>
-              <a:t>Despite multiple tuning attempts, models often showed instability, with </a:t>
-            </a:r>
-            <a:r>
-              <a:rPr lang="en-US" sz="2000" b="1" dirty="0">
-                <a:solidFill>
-                  <a:schemeClr val="accent1"/>
-                </a:solidFill>
-              </a:rPr>
-              <a:t>fluctuating </a:t>
-            </a:r>
-            <a:r>
-              <a:rPr lang="en-US" sz="2000" b="1">
-                <a:solidFill>
-                  <a:schemeClr val="accent1"/>
-                </a:solidFill>
-              </a:rPr>
-              <a:t>performance metrics</a:t>
-            </a:r>
-            <a:endParaRPr lang="en-US" sz="2000" dirty="0">
+              <a:t>Achieving stable and reliable tuning results took more iterations than expected, and the process is still not fully optimized.</a:t>
+            </a:r>
+          </a:p>
+          <a:p>
+            <a:pPr marL="285750" indent="-285750">
+              <a:buFont typeface="Arial" panose="020B0604020202020204" pitchFamily="34" charset="0"/>
+              <a:buChar char="•"/>
+            </a:pPr>
+            <a:endParaRPr lang="en-US" dirty="0">
               <a:solidFill>
                 <a:schemeClr val="accent1"/>
               </a:solidFill>
@@ -18376,26 +19632,131 @@
               <a:buFont typeface="Arial" panose="020B0604020202020204" pitchFamily="34" charset="0"/>
               <a:buChar char="•"/>
             </a:pPr>
-            <a:endParaRPr lang="en-US" sz="2000" dirty="0">
-              <a:solidFill>
-                <a:schemeClr val="accent1"/>
-              </a:solidFill>
-            </a:endParaRPr>
-          </a:p>
-          <a:p>
-            <a:pPr marL="285750" indent="-285750">
-              <a:buFont typeface="Arial" panose="020B0604020202020204" pitchFamily="34" charset="0"/>
-              <a:buChar char="•"/>
+            <a:r>
+              <a:rPr lang="en-US" b="1" dirty="0">
+                <a:solidFill>
+                  <a:schemeClr val="accent1"/>
+                </a:solidFill>
+              </a:rPr>
+              <a:t>Stable and reproducible results required 100+ </a:t>
+            </a:r>
+            <a:r>
+              <a:rPr lang="en-US" b="1" dirty="0" err="1">
+                <a:solidFill>
+                  <a:schemeClr val="accent1"/>
+                </a:solidFill>
+              </a:rPr>
+              <a:t>Optuna</a:t>
+            </a:r>
+            <a:r>
+              <a:rPr lang="en-US" b="1" dirty="0">
+                <a:solidFill>
+                  <a:schemeClr val="accent1"/>
+                </a:solidFill>
+              </a:rPr>
+              <a:t> trials per model</a:t>
+            </a:r>
+            <a:r>
+              <a:rPr lang="en-US" dirty="0">
+                <a:solidFill>
+                  <a:schemeClr val="accent1"/>
+                </a:solidFill>
+              </a:rPr>
+              <a:t>, using multiple validation methods (</a:t>
+            </a:r>
+            <a:r>
+              <a:rPr lang="en-US" dirty="0" err="1">
+                <a:solidFill>
+                  <a:schemeClr val="accent1"/>
+                </a:solidFill>
+              </a:rPr>
+              <a:t>KFold</a:t>
+            </a:r>
+            <a:r>
+              <a:rPr lang="en-US" dirty="0">
+                <a:solidFill>
+                  <a:schemeClr val="accent1"/>
+                </a:solidFill>
+              </a:rPr>
+              <a:t>, train/test split).</a:t>
+            </a:r>
+          </a:p>
+          <a:p>
+            <a:pPr marL="742950" lvl="1" indent="-285750">
+              <a:buFont typeface="Wingdings" panose="05000000000000000000" pitchFamily="2" charset="2"/>
+              <a:buChar char="à"/>
             </a:pPr>
             <a:r>
-              <a:rPr lang="en-US" sz="2000" dirty="0">
+              <a:rPr lang="en-US" dirty="0">
                 <a:solidFill>
                   <a:schemeClr val="accent1"/>
                 </a:solidFill>
               </a:rPr>
-              <a:t>Achieving stable and reliable tuning results took more iterations than expected, and the process is still not fully optimized.</a:t>
-            </a:r>
-            <a:endParaRPr lang="fr-BE" sz="2000" dirty="0">
+              <a:t>This can be challenging when the </a:t>
+            </a:r>
+            <a:r>
+              <a:rPr lang="en-US" b="1" dirty="0">
+                <a:solidFill>
+                  <a:schemeClr val="accent1"/>
+                </a:solidFill>
+              </a:rPr>
+              <a:t>training window is short </a:t>
+            </a:r>
+          </a:p>
+          <a:p>
+            <a:pPr marL="742950" lvl="1" indent="-285750">
+              <a:buFont typeface="Wingdings" panose="05000000000000000000" pitchFamily="2" charset="2"/>
+              <a:buChar char="à"/>
+            </a:pPr>
+            <a:r>
+              <a:rPr lang="en-US" b="1" dirty="0">
+                <a:solidFill>
+                  <a:schemeClr val="accent1"/>
+                </a:solidFill>
+              </a:rPr>
+              <a:t>Limited time for tuning </a:t>
+            </a:r>
+            <a:r>
+              <a:rPr lang="en-US" dirty="0">
+                <a:solidFill>
+                  <a:schemeClr val="accent1"/>
+                </a:solidFill>
+              </a:rPr>
+              <a:t>increases the risk of </a:t>
+            </a:r>
+            <a:r>
+              <a:rPr lang="en-US" b="1" dirty="0">
+                <a:solidFill>
+                  <a:schemeClr val="accent1"/>
+                </a:solidFill>
+              </a:rPr>
+              <a:t>suboptimal</a:t>
+            </a:r>
+            <a:r>
+              <a:rPr lang="en-US" dirty="0">
+                <a:solidFill>
+                  <a:schemeClr val="accent1"/>
+                </a:solidFill>
+              </a:rPr>
+              <a:t> and unstable </a:t>
+            </a:r>
+            <a:r>
+              <a:rPr lang="en-US" b="1" dirty="0">
+                <a:solidFill>
+                  <a:schemeClr val="accent1"/>
+                </a:solidFill>
+              </a:rPr>
+              <a:t>results</a:t>
+            </a:r>
+            <a:r>
+              <a:rPr lang="en-US" dirty="0">
+                <a:solidFill>
+                  <a:schemeClr val="accent1"/>
+                </a:solidFill>
+              </a:rPr>
+              <a:t>.</a:t>
+            </a:r>
+            <a:endParaRPr lang="fr-BE" dirty="0">
               <a:solidFill>
                 <a:schemeClr val="accent1"/>
               </a:solidFill>
@@ -19217,6 +20578,23 @@
 </file>
 
 <file path=customXml/item1.xml><?xml version="1.0" encoding="utf-8"?>
+<p:properties xmlns:p="http://schemas.microsoft.com/office/2006/metadata/properties" xmlns:xsi="http://www.w3.org/2001/XMLSchema-instance" xmlns:pc="http://schemas.microsoft.com/office/infopath/2007/PartnerControls">
+  <documentManagement>
+    <MediaServiceKeyPoints xmlns="71af3243-3dd4-4a8d-8c0d-dd76da1f02a5" xsi:nil="true"/>
+  </documentManagement>
+</p:properties>
+</file>
+
+<file path=customXml/item2.xml><?xml version="1.0" encoding="utf-8"?>
+<?mso-contentType ?>
+<FormTemplates xmlns="http://schemas.microsoft.com/sharepoint/v3/contenttype/forms">
+  <Display>DocumentLibraryForm</Display>
+  <Edit>DocumentLibraryForm</Edit>
+  <New>DocumentLibraryForm</New>
+</FormTemplates>
+</file>
+
+<file path=customXml/item3.xml><?xml version="1.0" encoding="utf-8"?>
 <ct:contentTypeSchema xmlns:ct="http://schemas.microsoft.com/office/2006/metadata/contentType" xmlns:ma="http://schemas.microsoft.com/office/2006/metadata/properties/metaAttributes" ct:_="" ma:_="" ma:contentTypeName="Document" ma:contentTypeID="0x01010079F111ED35F8CC479449609E8A0923A6" ma:contentTypeVersion="10" ma:contentTypeDescription="Create a new document." ma:contentTypeScope="" ma:versionID="e39e7e9e36de66d473ce04bb4ab2dbb8">
   <xsd:schema xmlns:xsd="http://www.w3.org/2001/XMLSchema" xmlns:xs="http://www.w3.org/2001/XMLSchema" xmlns:p="http://schemas.microsoft.com/office/2006/metadata/properties" xmlns:ns2="71af3243-3dd4-4a8d-8c0d-dd76da1f02a5" xmlns:ns3="16c05727-aa75-4e4a-9b5f-8a80a1165891" targetNamespace="http://schemas.microsoft.com/office/2006/metadata/properties" ma:root="true" ma:fieldsID="19dc5994665da46609c24125788630d8" ns2:_="" ns3:_="">
     <xsd:import namespace="71af3243-3dd4-4a8d-8c0d-dd76da1f02a5"/>
@@ -19421,24 +20799,25 @@
 </ct:contentTypeSchema>
 </file>
 
-<file path=customXml/item2.xml><?xml version="1.0" encoding="utf-8"?>
-<?mso-contentType ?>
-<FormTemplates xmlns="http://schemas.microsoft.com/sharepoint/v3/contenttype/forms">
-  <Display>DocumentLibraryForm</Display>
-  <Edit>DocumentLibraryForm</Edit>
-  <New>DocumentLibraryForm</New>
-</FormTemplates>
+<file path=customXml/itemProps1.xml><?xml version="1.0" encoding="utf-8"?>
+<ds:datastoreItem xmlns:ds="http://schemas.openxmlformats.org/officeDocument/2006/customXml" ds:itemID="{2519797F-2510-4681-A59B-FCD8F3733FE0}">
+  <ds:schemaRefs>
+    <ds:schemaRef ds:uri="http://schemas.microsoft.com/office/2006/metadata/properties"/>
+    <ds:schemaRef ds:uri="http://schemas.microsoft.com/office/infopath/2007/PartnerControls"/>
+    <ds:schemaRef ds:uri="71af3243-3dd4-4a8d-8c0d-dd76da1f02a5"/>
+  </ds:schemaRefs>
+</ds:datastoreItem>
 </file>
 
-<file path=customXml/item3.xml><?xml version="1.0" encoding="utf-8"?>
-<p:properties xmlns:p="http://schemas.microsoft.com/office/2006/metadata/properties" xmlns:xsi="http://www.w3.org/2001/XMLSchema-instance" xmlns:pc="http://schemas.microsoft.com/office/infopath/2007/PartnerControls">
-  <documentManagement>
-    <MediaServiceKeyPoints xmlns="71af3243-3dd4-4a8d-8c0d-dd76da1f02a5" xsi:nil="true"/>
-  </documentManagement>
-</p:properties>
+<file path=customXml/itemProps2.xml><?xml version="1.0" encoding="utf-8"?>
+<ds:datastoreItem xmlns:ds="http://schemas.openxmlformats.org/officeDocument/2006/customXml" ds:itemID="{A4C31332-3081-4BD9-AD6F-078B4521F357}">
+  <ds:schemaRefs>
+    <ds:schemaRef ds:uri="http://schemas.microsoft.com/sharepoint/v3/contenttype/forms"/>
+  </ds:schemaRefs>
+</ds:datastoreItem>
 </file>
 
-<file path=customXml/itemProps1.xml><?xml version="1.0" encoding="utf-8"?>
+<file path=customXml/itemProps3.xml><?xml version="1.0" encoding="utf-8"?>
 <ds:datastoreItem xmlns:ds="http://schemas.openxmlformats.org/officeDocument/2006/customXml" ds:itemID="{1FF4E1AF-DB5E-4764-961C-6F82B33E9E6E}">
   <ds:schemaRefs>
     <ds:schemaRef ds:uri="http://schemas.microsoft.com/office/2006/metadata/contentType"/>
@@ -19455,22 +20834,4 @@
     <ds:schemaRef ds:uri="http://schemas.microsoft.com/internal/obd"/>
   </ds:schemaRefs>
 </ds:datastoreItem>
-</file>
-
-<file path=customXml/itemProps2.xml><?xml version="1.0" encoding="utf-8"?>
-<ds:datastoreItem xmlns:ds="http://schemas.openxmlformats.org/officeDocument/2006/customXml" ds:itemID="{A4C31332-3081-4BD9-AD6F-078B4521F357}">
-  <ds:schemaRefs>
-    <ds:schemaRef ds:uri="http://schemas.microsoft.com/sharepoint/v3/contenttype/forms"/>
-  </ds:schemaRefs>
-</ds:datastoreItem>
-</file>
-
-<file path=customXml/itemProps3.xml><?xml version="1.0" encoding="utf-8"?>
-<ds:datastoreItem xmlns:ds="http://schemas.openxmlformats.org/officeDocument/2006/customXml" ds:itemID="{2519797F-2510-4681-A59B-FCD8F3733FE0}">
-  <ds:schemaRefs>
-    <ds:schemaRef ds:uri="http://schemas.microsoft.com/office/2006/metadata/properties"/>
-    <ds:schemaRef ds:uri="http://schemas.microsoft.com/office/infopath/2007/PartnerControls"/>
-    <ds:schemaRef ds:uri="71af3243-3dd4-4a8d-8c0d-dd76da1f02a5"/>
-  </ds:schemaRefs>
-</ds:datastoreItem>
 </file>
--- a/deck/02. Immobweb - Machine Learning.pptx
+++ b/deck/02. Immobweb - Machine Learning.pptx
@@ -1286,7 +1286,7 @@
               <a:defRPr/>
             </a:pPr>
             <a:r>
-              <a:rPr lang="en-US" dirty="0"/>
+              <a:rPr lang="en-US" b="1" dirty="0"/>
               <a:t>--- Train / test strategy ---</a:t>
             </a:r>
           </a:p>
@@ -1309,6 +1309,13 @@
             <a:br>
               <a:rPr lang="en-US" dirty="0"/>
             </a:br>
+            <a:endParaRPr lang="en-US" dirty="0"/>
+          </a:p>
+          <a:p>
+            <a:pPr marL="0" indent="0">
+              <a:buFont typeface="Arial" panose="020B0604020202020204" pitchFamily="34" charset="0"/>
+              <a:buNone/>
+            </a:pPr>
             <a:r>
               <a:rPr lang="en-US" dirty="0"/>
               <a:t>For </a:t>
@@ -1327,64 +1334,84 @@
             </a:r>
             <a:r>
               <a:rPr lang="en-US" dirty="0"/>
-              <a:t>, we didn’t use a separate dev set — we tuned hyperparameters using 5-Fold Cross Validation directly on the training set.</a:t>
-            </a:r>
-          </a:p>
-          <a:p>
-            <a:pPr marL="171450" indent="-171450">
+              <a:t>, we used 5-Fold Cross Validation on the training set</a:t>
+            </a:r>
+          </a:p>
+          <a:p>
+            <a:pPr marL="0" indent="0">
               <a:buFont typeface="Arial" panose="020B0604020202020204" pitchFamily="34" charset="0"/>
-              <a:buChar char="•"/>
+              <a:buNone/>
             </a:pPr>
             <a:r>
               <a:rPr lang="en-US" dirty="0"/>
-              <a:t>The test set stayed untouched until the very end, to ensure fair and unbiased evaluation.</a:t>
-            </a:r>
-          </a:p>
-          <a:p>
-            <a:pPr marL="171450" indent="-171450">
-              <a:buFont typeface="Arial" panose="020B0604020202020204" pitchFamily="34" charset="0"/>
-              <a:buChar char="•"/>
-            </a:pPr>
-            <a:r>
-              <a:rPr lang="en-US" dirty="0"/>
-              <a:t>In test mode, we reduced the number of folds and the sample size to make </a:t>
-            </a:r>
-            <a:r>
-              <a:rPr lang="en-US" dirty="0" err="1"/>
-              <a:t>Optuna</a:t>
-            </a:r>
-            <a:r>
-              <a:rPr lang="en-US" dirty="0"/>
-              <a:t> tuning much faster.</a:t>
-            </a:r>
-          </a:p>
-          <a:p>
-            <a:endParaRPr lang="en-US" dirty="0"/>
-          </a:p>
-          <a:p>
-            <a:r>
-              <a:rPr lang="en-US" dirty="0"/>
-              <a:t>--- Feature selection ---</a:t>
-            </a:r>
-          </a:p>
-          <a:p>
-            <a:endParaRPr lang="en-US" dirty="0"/>
-          </a:p>
-          <a:p>
-            <a:pPr marL="171450" indent="-171450">
-              <a:buFont typeface="Arial" panose="020B0604020202020204" pitchFamily="34" charset="0"/>
-              <a:buChar char="•"/>
-            </a:pPr>
-            <a:r>
-              <a:rPr lang="en-US" dirty="0"/>
-              <a:t>We first removed low-variance features using a Variance Threshold.</a:t>
+              <a:t>This means : </a:t>
             </a:r>
             <a:br>
               <a:rPr lang="en-US" dirty="0"/>
             </a:br>
             <a:r>
               <a:rPr lang="en-US" dirty="0"/>
-              <a:t>Then, we selected the top 30 most important features using Random Forest.</a:t>
+              <a:t>	-&gt; </a:t>
+            </a:r>
+            <a:r>
+              <a:rPr lang="en-US" i="1" dirty="0"/>
+              <a:t>the training data is split into 5 parts; </a:t>
+            </a:r>
+          </a:p>
+          <a:p>
+            <a:pPr marL="0" indent="0">
+              <a:buFont typeface="Arial" panose="020B0604020202020204" pitchFamily="34" charset="0"/>
+              <a:buNone/>
+            </a:pPr>
+            <a:r>
+              <a:rPr lang="en-US" i="1" dirty="0"/>
+              <a:t>	-&gt;each part is used once for validation while the others are used for training).</a:t>
+            </a:r>
+            <a:br>
+              <a:rPr lang="en-US" dirty="0"/>
+            </a:br>
+            <a:endParaRPr lang="en-US" dirty="0"/>
+          </a:p>
+          <a:p>
+            <a:pPr marL="0" indent="0">
+              <a:buFont typeface="Arial" panose="020B0604020202020204" pitchFamily="34" charset="0"/>
+              <a:buNone/>
+            </a:pPr>
+            <a:r>
+              <a:rPr lang="en-US" dirty="0"/>
+              <a:t>The test set stayed untouched until final evaluation.</a:t>
+            </a:r>
+            <a:br>
+              <a:rPr lang="en-US" dirty="0"/>
+            </a:br>
+            <a:endParaRPr lang="en-US" dirty="0"/>
+          </a:p>
+          <a:p>
+            <a:pPr marL="0" indent="0">
+              <a:buFont typeface="Arial" panose="020B0604020202020204" pitchFamily="34" charset="0"/>
+              <a:buNone/>
+            </a:pPr>
+            <a:r>
+              <a:rPr lang="en-US" i="1" dirty="0"/>
+              <a:t>In test mode, </a:t>
+            </a:r>
+          </a:p>
+          <a:p>
+            <a:pPr marL="0" indent="0">
+              <a:buFont typeface="Arial" panose="020B0604020202020204" pitchFamily="34" charset="0"/>
+              <a:buNone/>
+            </a:pPr>
+            <a:r>
+              <a:rPr lang="en-US" i="1" dirty="0"/>
+              <a:t>-&gt; we reduced folds and sample size to speed up </a:t>
+            </a:r>
+            <a:r>
+              <a:rPr lang="en-US" i="1" dirty="0" err="1"/>
+              <a:t>Optuna</a:t>
+            </a:r>
+            <a:r>
+              <a:rPr lang="en-US" i="1" dirty="0"/>
+              <a:t> tuning.</a:t>
             </a:r>
           </a:p>
           <a:p>
@@ -1395,45 +1422,49 @@
             <a:endParaRPr lang="en-US" dirty="0"/>
           </a:p>
           <a:p>
+            <a:r>
+              <a:rPr lang="en-US" b="1" dirty="0"/>
+              <a:t>--- Feature selection ---</a:t>
+            </a:r>
+          </a:p>
+          <a:p>
+            <a:endParaRPr lang="en-US" dirty="0"/>
+          </a:p>
+          <a:p>
             <a:pPr marL="171450" indent="-171450">
               <a:buFont typeface="Arial" panose="020B0604020202020204" pitchFamily="34" charset="0"/>
               <a:buChar char="•"/>
             </a:pPr>
             <a:r>
-              <a:rPr lang="en-US" dirty="0" err="1"/>
-              <a:t>XGBoost</a:t>
-            </a:r>
-            <a:r>
               <a:rPr lang="en-US" dirty="0"/>
-              <a:t> &amp; </a:t>
-            </a:r>
-            <a:r>
-              <a:rPr lang="en-US" dirty="0" err="1"/>
-              <a:t>Catboost</a:t>
-            </a:r>
+              <a:t>We first removed low-variance features using a Variance Threshold.</a:t>
+            </a:r>
+          </a:p>
+          <a:p>
+            <a:pPr marL="0" indent="0">
+              <a:buFont typeface="Arial" panose="020B0604020202020204" pitchFamily="34" charset="0"/>
+              <a:buNone/>
+            </a:pPr>
             <a:r>
               <a:rPr lang="en-US" dirty="0"/>
-              <a:t> were trained on both:</a:t>
-            </a:r>
-          </a:p>
-          <a:p>
-            <a:pPr marL="628650" lvl="1" indent="-171450">
+              <a:t>     -&gt; features that vary very little and don’t help prediction.</a:t>
+            </a:r>
+          </a:p>
+          <a:p>
+            <a:pPr marL="0" indent="0">
+              <a:buFont typeface="Arial" panose="020B0604020202020204" pitchFamily="34" charset="0"/>
+              <a:buNone/>
+            </a:pPr>
+            <a:endParaRPr lang="en-US" dirty="0"/>
+          </a:p>
+          <a:p>
+            <a:pPr marL="171450" indent="-171450">
               <a:buFont typeface="Arial" panose="020B0604020202020204" pitchFamily="34" charset="0"/>
               <a:buChar char="•"/>
             </a:pPr>
             <a:r>
               <a:rPr lang="en-US" dirty="0"/>
-              <a:t>The full reduced set,</a:t>
-            </a:r>
-          </a:p>
-          <a:p>
-            <a:pPr marL="628650" lvl="1" indent="-171450">
-              <a:buFont typeface="Arial" panose="020B0604020202020204" pitchFamily="34" charset="0"/>
-              <a:buChar char="•"/>
-            </a:pPr>
-            <a:r>
-              <a:rPr lang="en-US" dirty="0"/>
-              <a:t>and the top 30 features only.</a:t>
+              <a:t>Then, we selected the top 30 most important features using Random Forest.</a:t>
             </a:r>
           </a:p>
           <a:p>
@@ -1449,6 +1480,55 @@
               <a:buChar char="•"/>
             </a:pPr>
             <a:r>
+              <a:rPr lang="en-US" dirty="0" err="1"/>
+              <a:t>XGBoost</a:t>
+            </a:r>
+            <a:r>
+              <a:rPr lang="en-US" dirty="0"/>
+              <a:t> &amp; </a:t>
+            </a:r>
+            <a:r>
+              <a:rPr lang="en-US" dirty="0" err="1"/>
+              <a:t>Catboost</a:t>
+            </a:r>
+            <a:r>
+              <a:rPr lang="en-US" dirty="0"/>
+              <a:t> were trained on both:</a:t>
+            </a:r>
+          </a:p>
+          <a:p>
+            <a:pPr marL="628650" lvl="1" indent="-171450">
+              <a:buFont typeface="Arial" panose="020B0604020202020204" pitchFamily="34" charset="0"/>
+              <a:buChar char="•"/>
+            </a:pPr>
+            <a:r>
+              <a:rPr lang="en-US" dirty="0"/>
+              <a:t>The full reduced set,</a:t>
+            </a:r>
+          </a:p>
+          <a:p>
+            <a:pPr marL="628650" lvl="1" indent="-171450">
+              <a:buFont typeface="Arial" panose="020B0604020202020204" pitchFamily="34" charset="0"/>
+              <a:buChar char="•"/>
+            </a:pPr>
+            <a:r>
+              <a:rPr lang="en-US" dirty="0"/>
+              <a:t>and the top 30 features only.</a:t>
+            </a:r>
+          </a:p>
+          <a:p>
+            <a:pPr marL="171450" indent="-171450">
+              <a:buFont typeface="Arial" panose="020B0604020202020204" pitchFamily="34" charset="0"/>
+              <a:buChar char="•"/>
+            </a:pPr>
+            <a:endParaRPr lang="en-US" dirty="0"/>
+          </a:p>
+          <a:p>
+            <a:pPr marL="171450" indent="-171450">
+              <a:buFont typeface="Arial" panose="020B0604020202020204" pitchFamily="34" charset="0"/>
+              <a:buChar char="•"/>
+            </a:pPr>
+            <a:r>
               <a:rPr lang="en-US" dirty="0"/>
               <a:t>This helped us compare performance and simplicity, </a:t>
             </a:r>
@@ -1459,8 +1539,12 @@
               <a:buNone/>
             </a:pPr>
             <a:r>
+              <a:rPr lang="en-US"/>
+              <a:t>    -&gt; </a:t>
+            </a:r>
+            <a:r>
               <a:rPr lang="en-US" dirty="0"/>
-              <a:t>-&gt; and test if fewer features could still give good results"</a:t>
+              <a:t>and test if fewer features could still give good results"</a:t>
             </a:r>
           </a:p>
           <a:p>
@@ -18192,7 +18276,23 @@
                   <a:schemeClr val="accent1"/>
                 </a:solidFill>
               </a:rPr>
-              <a:t>In test mode, we reduced folds (i.e., the number of train/validation splits in cross-validation) and sample size </a:t>
+              <a:t>In test mode, </a:t>
+            </a:r>
+            <a:r>
+              <a:rPr lang="en-US" b="1" noProof="0" dirty="0">
+                <a:solidFill>
+                  <a:schemeClr val="accent1"/>
+                </a:solidFill>
+              </a:rPr>
+              <a:t>we reduced folds </a:t>
+            </a:r>
+            <a:r>
+              <a:rPr lang="en-US" noProof="0" dirty="0">
+                <a:solidFill>
+                  <a:schemeClr val="accent1"/>
+                </a:solidFill>
+              </a:rPr>
+              <a:t>(i.e., the number of train/validation splits in cross-validation) and sample size </a:t>
             </a:r>
           </a:p>
           <a:p>
@@ -18222,7 +18322,7 @@
               <a:t> </a:t>
             </a:r>
             <a:r>
-              <a:rPr lang="en-US" noProof="0" dirty="0">
+              <a:rPr lang="en-US" b="1" noProof="0" dirty="0">
                 <a:solidFill>
                   <a:schemeClr val="accent1"/>
                 </a:solidFill>
@@ -18230,7 +18330,7 @@
               <a:t>to speed up </a:t>
             </a:r>
             <a:r>
-              <a:rPr lang="en-US" noProof="0" dirty="0" err="1">
+              <a:rPr lang="en-US" b="1" noProof="0" dirty="0" err="1">
                 <a:solidFill>
                   <a:schemeClr val="accent1"/>
                 </a:solidFill>
@@ -18238,12 +18338,20 @@
               <a:t>Optuna</a:t>
             </a:r>
             <a:r>
+              <a:rPr lang="en-US" b="1" noProof="0" dirty="0">
+                <a:solidFill>
+                  <a:schemeClr val="accent1"/>
+                </a:solidFill>
+              </a:rPr>
+              <a:t> </a:t>
+            </a:r>
+            <a:r>
               <a:rPr lang="en-US" noProof="0" dirty="0">
                 <a:solidFill>
                   <a:schemeClr val="accent1"/>
                 </a:solidFill>
               </a:rPr>
-              <a:t> trials</a:t>
+              <a:t>trials</a:t>
             </a:r>
           </a:p>
         </p:txBody>

--- a/deck/02. Immobweb - Machine Learning.pptx
+++ b/deck/02. Immobweb - Machine Learning.pptx
@@ -1539,12 +1539,8 @@
               <a:buNone/>
             </a:pPr>
             <a:r>
-              <a:rPr lang="en-US"/>
-              <a:t>    -&gt; </a:t>
-            </a:r>
-            <a:r>
               <a:rPr lang="en-US" dirty="0"/>
-              <a:t>and test if fewer features could still give good results"</a:t>
+              <a:t>    -&gt; and test if fewer features could still give good results"</a:t>
             </a:r>
           </a:p>
           <a:p>
@@ -1988,7 +1984,7 @@
             </a:r>
           </a:p>
           <a:p>
-            <a:endParaRPr lang="en-US" dirty="0"/>
+            <a:endParaRPr lang="en-US" i="1" dirty="0"/>
           </a:p>
           <a:p>
             <a:pPr marL="171450" indent="-171450">
@@ -1996,11 +1992,11 @@
               <a:buChar char="•"/>
             </a:pPr>
             <a:r>
-              <a:rPr lang="en-US" b="1" dirty="0"/>
+              <a:rPr lang="en-US" b="1" i="1" dirty="0"/>
               <a:t>A large MEA gap indicates </a:t>
             </a:r>
             <a:r>
-              <a:rPr lang="en-US" dirty="0"/>
+              <a:rPr lang="en-US" i="1" dirty="0"/>
               <a:t>the model is learning patterns that are specific to the training data,  including random</a:t>
             </a:r>
           </a:p>
@@ -2010,11 +2006,11 @@
               <a:buChar char="•"/>
             </a:pPr>
             <a:r>
-              <a:rPr lang="fr-BE" b="1" dirty="0"/>
+              <a:rPr lang="fr-BE" b="1" i="1" dirty="0"/>
               <a:t>A large R2 gap </a:t>
             </a:r>
             <a:r>
-              <a:rPr lang="en-US" sz="1200" dirty="0">
+              <a:rPr lang="en-US" sz="1200" i="1" dirty="0">
                 <a:solidFill>
                   <a:schemeClr val="tx2"/>
                 </a:solidFill>
@@ -2028,7 +2024,7 @@
               <a:buNone/>
             </a:pPr>
             <a:r>
-              <a:rPr lang="en-US" sz="1200" b="1" dirty="0">
+              <a:rPr lang="en-US" sz="1200" b="1" i="1" dirty="0">
                 <a:solidFill>
                   <a:schemeClr val="tx2"/>
                 </a:solidFill>
@@ -2042,59 +2038,59 @@
               <a:buChar char="•"/>
             </a:pPr>
             <a:r>
-              <a:rPr lang="fr-BE" b="1" dirty="0" err="1"/>
+              <a:rPr lang="fr-BE" b="1" i="1" dirty="0" err="1"/>
               <a:t>Moderate</a:t>
             </a:r>
             <a:r>
-              <a:rPr lang="fr-BE" b="1" dirty="0"/>
+              <a:rPr lang="fr-BE" b="1" i="1" dirty="0"/>
               <a:t> </a:t>
             </a:r>
             <a:r>
-              <a:rPr lang="fr-BE" b="1" dirty="0" err="1"/>
+              <a:rPr lang="fr-BE" b="1" i="1" dirty="0" err="1"/>
               <a:t>overfitting</a:t>
             </a:r>
             <a:r>
-              <a:rPr lang="fr-BE" dirty="0"/>
+              <a:rPr lang="fr-BE" i="1" dirty="0"/>
               <a:t> = good train performance, </a:t>
             </a:r>
             <a:r>
-              <a:rPr lang="fr-BE" dirty="0" err="1"/>
+              <a:rPr lang="fr-BE" i="1" dirty="0" err="1"/>
               <a:t>slightly</a:t>
             </a:r>
             <a:r>
-              <a:rPr lang="fr-BE" dirty="0"/>
+              <a:rPr lang="fr-BE" i="1" dirty="0"/>
               <a:t> </a:t>
             </a:r>
             <a:r>
-              <a:rPr lang="fr-BE" dirty="0" err="1"/>
+              <a:rPr lang="fr-BE" i="1" dirty="0" err="1"/>
               <a:t>worse</a:t>
             </a:r>
             <a:r>
-              <a:rPr lang="fr-BE" dirty="0"/>
+              <a:rPr lang="fr-BE" i="1" dirty="0"/>
               <a:t> on test → </a:t>
             </a:r>
             <a:r>
-              <a:rPr lang="fr-BE" dirty="0" err="1"/>
+              <a:rPr lang="fr-BE" i="1" dirty="0" err="1"/>
               <a:t>some</a:t>
             </a:r>
             <a:r>
-              <a:rPr lang="fr-BE" dirty="0"/>
+              <a:rPr lang="fr-BE" i="1" dirty="0"/>
               <a:t> patterns </a:t>
             </a:r>
             <a:r>
-              <a:rPr lang="fr-BE" dirty="0" err="1"/>
+              <a:rPr lang="fr-BE" i="1" dirty="0" err="1"/>
               <a:t>too</a:t>
             </a:r>
             <a:r>
-              <a:rPr lang="fr-BE" dirty="0"/>
+              <a:rPr lang="fr-BE" i="1" dirty="0"/>
               <a:t> </a:t>
             </a:r>
             <a:r>
-              <a:rPr lang="fr-BE" dirty="0" err="1"/>
+              <a:rPr lang="fr-BE" i="1" dirty="0" err="1"/>
               <a:t>specific</a:t>
             </a:r>
             <a:r>
-              <a:rPr lang="fr-BE" dirty="0"/>
+              <a:rPr lang="fr-BE" i="1" dirty="0"/>
               <a:t>.</a:t>
             </a:r>
           </a:p>
@@ -2104,23 +2100,23 @@
               <a:buChar char="•"/>
             </a:pPr>
             <a:r>
-              <a:rPr lang="fr-BE" b="1" dirty="0"/>
+              <a:rPr lang="fr-BE" b="1" i="1" dirty="0"/>
               <a:t>Good </a:t>
             </a:r>
             <a:r>
-              <a:rPr lang="fr-BE" b="1" dirty="0" err="1"/>
+              <a:rPr lang="fr-BE" b="1" i="1" dirty="0" err="1"/>
               <a:t>generalization</a:t>
             </a:r>
             <a:r>
-              <a:rPr lang="fr-BE" dirty="0"/>
+              <a:rPr lang="fr-BE" i="1" dirty="0"/>
               <a:t> = consistent train/test scores → model captures </a:t>
             </a:r>
             <a:r>
-              <a:rPr lang="fr-BE" dirty="0" err="1"/>
+              <a:rPr lang="fr-BE" i="1" dirty="0" err="1"/>
               <a:t>true</a:t>
             </a:r>
             <a:r>
-              <a:rPr lang="fr-BE" dirty="0"/>
+              <a:rPr lang="fr-BE" i="1" dirty="0"/>
               <a:t> structure.</a:t>
             </a:r>
           </a:p>
@@ -19563,14 +19559,11 @@
               </a:rPr>
               <a:t> and cross-validation</a:t>
             </a:r>
-            <a:r>
-              <a:rPr lang="en-US" dirty="0">
-                <a:solidFill>
-                  <a:schemeClr val="accent1"/>
-                </a:solidFill>
-              </a:rPr>
-              <a:t>.</a:t>
-            </a:r>
+            <a:endParaRPr lang="en-US" dirty="0">
+              <a:solidFill>
+                <a:schemeClr val="accent1"/>
+              </a:solidFill>
+            </a:endParaRPr>
           </a:p>
           <a:p>
             <a:pPr marL="285750" indent="-285750">
@@ -19652,14 +19645,11 @@
               </a:rPr>
               <a:t>noisy features</a:t>
             </a:r>
-            <a:r>
-              <a:rPr lang="en-US" dirty="0">
-                <a:solidFill>
-                  <a:schemeClr val="accent1"/>
-                </a:solidFill>
-              </a:rPr>
-              <a:t>.</a:t>
-            </a:r>
+            <a:endParaRPr lang="en-US" dirty="0">
+              <a:solidFill>
+                <a:schemeClr val="accent1"/>
+              </a:solidFill>
+            </a:endParaRPr>
           </a:p>
           <a:p>
             <a:pPr marL="285750" indent="-285750">
@@ -19721,8 +19711,21 @@
                   <a:schemeClr val="accent1"/>
                 </a:solidFill>
               </a:rPr>
-              <a:t>Achieving stable and reliable tuning results took more iterations than expected, and the process is still not fully optimized.</a:t>
-            </a:r>
+              <a:t>Achieving stable and reliable tuning results took more iterations than expected, and the process is still not </a:t>
+            </a:r>
+            <a:r>
+              <a:rPr lang="en-US">
+                <a:solidFill>
+                  <a:schemeClr val="accent1"/>
+                </a:solidFill>
+              </a:rPr>
+              <a:t>fully optimized</a:t>
+            </a:r>
+            <a:endParaRPr lang="en-US" dirty="0">
+              <a:solidFill>
+                <a:schemeClr val="accent1"/>
+              </a:solidFill>
+            </a:endParaRPr>
           </a:p>
           <a:p>
             <a:pPr marL="285750" indent="-285750">
@@ -19855,14 +19858,6 @@
                 </a:solidFill>
               </a:rPr>
               <a:t>results</a:t>
-            </a:r>
-            <a:r>
-              <a:rPr lang="en-US" dirty="0">
-                <a:solidFill>
-                  <a:schemeClr val="accent1"/>
-                </a:solidFill>
-              </a:rPr>
-              <a:t>.</a:t>
             </a:r>
             <a:endParaRPr lang="fr-BE" dirty="0">
               <a:solidFill>

--- a/deck/02. Immobweb - Machine Learning.pptx
+++ b/deck/02. Immobweb - Machine Learning.pptx
@@ -1365,7 +1365,7 @@
             </a:pPr>
             <a:r>
               <a:rPr lang="en-US" i="1" dirty="0"/>
-              <a:t>	-&gt;each part is used once for validation while the others are used for training).</a:t>
+              <a:t>	-&gt;each part is used once for validation while the others are used for training.</a:t>
             </a:r>
             <a:br>
               <a:rPr lang="en-US" dirty="0"/>
@@ -1378,8 +1378,12 @@
               <a:buNone/>
             </a:pPr>
             <a:r>
+              <a:rPr lang="en-US" b="1" dirty="0"/>
+              <a:t>The test set stayed untouched </a:t>
+            </a:r>
+            <a:r>
               <a:rPr lang="en-US" dirty="0"/>
-              <a:t>The test set stayed untouched until final evaluation.</a:t>
+              <a:t>until final evaluation.</a:t>
             </a:r>
             <a:br>
               <a:rPr lang="en-US" dirty="0"/>
@@ -1540,7 +1544,11 @@
             </a:pPr>
             <a:r>
               <a:rPr lang="en-US" dirty="0"/>
-              <a:t>    -&gt; and test if fewer features could still give good results"</a:t>
+              <a:t>    -&gt; and </a:t>
+            </a:r>
+            <a:r>
+              <a:rPr lang="en-US" b="1" dirty="0"/>
+              <a:t>test if fewer features could still give good results</a:t>
             </a:r>
           </a:p>
           <a:p>
@@ -1690,11 +1698,7 @@
             </a:r>
             <a:r>
               <a:rPr lang="fr-BE" b="1" dirty="0"/>
-              <a:t>0.81 R²</a:t>
-            </a:r>
-            <a:r>
-              <a:rPr lang="fr-BE" dirty="0"/>
-              <a:t> </a:t>
+              <a:t>0.81 R²_test &amp; 0,92 R2_test </a:t>
             </a:r>
             <a:r>
               <a:rPr lang="fr-BE" dirty="0" err="1"/>
@@ -1761,6 +1765,12 @@
               <a:rPr lang="fr-BE" dirty="0"/>
               <a:t>good train performance, </a:t>
             </a:r>
+          </a:p>
+          <a:p>
+            <a:pPr marL="628650" lvl="1" indent="-171450">
+              <a:buFont typeface="Wingdings" panose="05000000000000000000" pitchFamily="2" charset="2"/>
+              <a:buChar char="è"/>
+            </a:pPr>
             <a:r>
               <a:rPr lang="fr-BE" dirty="0" err="1"/>
               <a:t>slightly</a:t>
@@ -1785,7 +1795,17 @@
             </a:pPr>
             <a:r>
               <a:rPr lang="en-US" dirty="0"/>
-              <a:t>The model captures useful patterns but also some noise, leading to </a:t>
+              <a:t>The model captures useful patterns </a:t>
+            </a:r>
+          </a:p>
+          <a:p>
+            <a:pPr marL="628650" lvl="1" indent="-171450">
+              <a:buFont typeface="Wingdings" panose="05000000000000000000" pitchFamily="2" charset="2"/>
+              <a:buChar char="è"/>
+            </a:pPr>
+            <a:r>
+              <a:rPr lang="en-US" dirty="0"/>
+              <a:t>but also some noise, leading to </a:t>
             </a:r>
             <a:r>
               <a:rPr lang="en-US" b="1" dirty="0"/>
@@ -1793,7 +1813,7 @@
             </a:r>
             <a:r>
               <a:rPr lang="en-US" dirty="0"/>
-              <a:t>.</a:t>
+              <a:t>. (R2 gap is 0.1)</a:t>
             </a:r>
             <a:endParaRPr lang="fr-BE" dirty="0"/>
           </a:p>
@@ -1997,7 +2017,17 @@
             </a:r>
             <a:r>
               <a:rPr lang="en-US" i="1" dirty="0"/>
-              <a:t>the model is learning patterns that are specific to the training data,  including random</a:t>
+              <a:t>the model is learning patterns that are specific to the training data,  </a:t>
+            </a:r>
+            <a:r>
+              <a:rPr lang="en-US" i="1" dirty="0">
+                <a:sym typeface="Wingdings" panose="05000000000000000000" pitchFamily="2" charset="2"/>
+              </a:rPr>
+              <a:t> </a:t>
+            </a:r>
+            <a:r>
+              <a:rPr lang="en-US" i="1" dirty="0"/>
+              <a:t>including random</a:t>
             </a:r>
           </a:p>
           <a:p>
@@ -2015,7 +2045,52 @@
                   <a:schemeClr val="tx2"/>
                 </a:solidFill>
               </a:rPr>
-              <a:t>implies the model does not generalize well.</a:t>
+              <a:t>implies the model does not generalize well</a:t>
+            </a:r>
+            <a:endParaRPr lang="en-US" sz="1200" b="1" i="1" dirty="0">
+              <a:solidFill>
+                <a:schemeClr val="tx2"/>
+              </a:solidFill>
+            </a:endParaRPr>
+          </a:p>
+          <a:p>
+            <a:pPr marL="0" indent="0">
+              <a:buFont typeface="Arial" panose="020B0604020202020204" pitchFamily="34" charset="0"/>
+              <a:buNone/>
+            </a:pPr>
+            <a:r>
+              <a:rPr lang="en-US" sz="1200" b="1" i="1" dirty="0">
+                <a:solidFill>
+                  <a:schemeClr val="tx2"/>
+                </a:solidFill>
+              </a:rPr>
+              <a:t>   -&gt; </a:t>
+            </a:r>
+            <a:r>
+              <a:rPr lang="en-US" dirty="0"/>
+              <a:t>The model learns patterns </a:t>
+            </a:r>
+            <a:r>
+              <a:rPr lang="en-US" b="1" dirty="0"/>
+              <a:t>specific to training data</a:t>
+            </a:r>
+            <a:r>
+              <a:rPr lang="en-US" dirty="0"/>
+              <a:t>, including noise.</a:t>
+            </a:r>
+          </a:p>
+          <a:p>
+            <a:pPr marL="0" indent="0">
+              <a:buFont typeface="Arial" panose="020B0604020202020204" pitchFamily="34" charset="0"/>
+              <a:buNone/>
+            </a:pPr>
+            <a:r>
+              <a:rPr lang="en-US" sz="1200" b="1" i="1" dirty="0">
+                <a:solidFill>
+                  <a:schemeClr val="tx2"/>
+                </a:solidFill>
+              </a:rPr>
+              <a:t>   -&gt; (it strongly overfits)</a:t>
             </a:r>
           </a:p>
           <a:p>
@@ -2119,6 +2194,9 @@
               <a:rPr lang="fr-BE" i="1" dirty="0"/>
               <a:t> structure.</a:t>
             </a:r>
+          </a:p>
+          <a:p>
+            <a:endParaRPr lang="en-US" dirty="0"/>
           </a:p>
           <a:p>
             <a:endParaRPr lang="en-US" dirty="0"/>
@@ -18644,7 +18722,7 @@
         </p:nvSpPr>
         <p:spPr>
           <a:xfrm>
-            <a:off x="262969" y="3875238"/>
+            <a:off x="262969" y="4198288"/>
             <a:ext cx="5737701" cy="2490002"/>
           </a:xfrm>
           <a:prstGeom prst="roundRect">
@@ -18692,7 +18770,7 @@
         </p:nvSpPr>
         <p:spPr>
           <a:xfrm>
-            <a:off x="6191329" y="3875238"/>
+            <a:off x="6191329" y="4198288"/>
             <a:ext cx="5737701" cy="2490002"/>
           </a:xfrm>
           <a:prstGeom prst="roundRect">
@@ -18740,7 +18818,7 @@
         </p:nvSpPr>
         <p:spPr>
           <a:xfrm>
-            <a:off x="6497217" y="4119862"/>
+            <a:off x="6497217" y="4442912"/>
             <a:ext cx="5318964" cy="1938992"/>
           </a:xfrm>
           <a:prstGeom prst="rect">
@@ -18895,7 +18973,7 @@
         </p:nvSpPr>
         <p:spPr>
           <a:xfrm>
-            <a:off x="472339" y="3966077"/>
+            <a:off x="472339" y="4289127"/>
             <a:ext cx="5318964" cy="2308324"/>
           </a:xfrm>
           <a:prstGeom prst="rect">
@@ -19244,8 +19322,8 @@
         </p:blipFill>
         <p:spPr bwMode="auto">
           <a:xfrm>
-            <a:off x="1280261" y="620562"/>
-            <a:ext cx="8752739" cy="3129560"/>
+            <a:off x="1307638" y="620561"/>
+            <a:ext cx="9660229" cy="3454035"/>
           </a:xfrm>
           <a:prstGeom prst="rect">
             <a:avLst/>
@@ -19711,21 +19789,56 @@
                   <a:schemeClr val="accent1"/>
                 </a:solidFill>
               </a:rPr>
-              <a:t>Achieving stable and reliable tuning results took more iterations than expected, and the process is still not </a:t>
-            </a:r>
-            <a:r>
-              <a:rPr lang="en-US">
+              <a:t>Achieving </a:t>
+            </a:r>
+            <a:r>
+              <a:rPr lang="en-US" b="1" dirty="0">
                 <a:solidFill>
                   <a:schemeClr val="accent1"/>
                 </a:solidFill>
               </a:rPr>
-              <a:t>fully optimized</a:t>
-            </a:r>
-            <a:endParaRPr lang="en-US" dirty="0">
-              <a:solidFill>
-                <a:schemeClr val="accent1"/>
-              </a:solidFill>
-            </a:endParaRPr>
+              <a:t>stable</a:t>
+            </a:r>
+            <a:r>
+              <a:rPr lang="en-US" dirty="0">
+                <a:solidFill>
+                  <a:schemeClr val="accent1"/>
+                </a:solidFill>
+              </a:rPr>
+              <a:t> and </a:t>
+            </a:r>
+            <a:r>
+              <a:rPr lang="en-US" b="1" dirty="0">
+                <a:solidFill>
+                  <a:schemeClr val="accent1"/>
+                </a:solidFill>
+              </a:rPr>
+              <a:t>reliable tuning </a:t>
+            </a:r>
+            <a:r>
+              <a:rPr lang="en-US" dirty="0">
+                <a:solidFill>
+                  <a:schemeClr val="accent1"/>
+                </a:solidFill>
+              </a:rPr>
+              <a:t>results </a:t>
+            </a:r>
+            <a:r>
+              <a:rPr lang="en-US" b="1" dirty="0">
+                <a:solidFill>
+                  <a:schemeClr val="accent1"/>
+                </a:solidFill>
+              </a:rPr>
+              <a:t>took more iterations than expected</a:t>
+            </a:r>
+            <a:r>
+              <a:rPr lang="en-US" dirty="0">
+                <a:solidFill>
+                  <a:schemeClr val="accent1"/>
+                </a:solidFill>
+              </a:rPr>
+              <a:t>, and the process is still not fully optimized</a:t>
+            </a:r>
           </a:p>
           <a:p>
             <a:pPr marL="285750" indent="-285750">

--- a/deck/02. Immobweb - Machine Learning.pptx
+++ b/deck/02. Immobweb - Machine Learning.pptx
@@ -1003,7 +1003,7 @@
             </a:r>
             <a:r>
               <a:rPr lang="en-US" dirty="0"/>
-              <a:t> is fast and interpretable, but can’t capture non-linear patterns.</a:t>
+              <a:t> is fast and interpretable but can’t capture non-linear patterns.</a:t>
             </a:r>
           </a:p>
           <a:p>
@@ -16872,7 +16872,7 @@
           <p:nvPr>
             <p:extLst>
               <p:ext uri="{D42A27DB-BD31-4B8C-83A1-F6EECF244321}">
-                <p14:modId xmlns:p14="http://schemas.microsoft.com/office/powerpoint/2010/main" val="79517173"/>
+                <p14:modId xmlns:p14="http://schemas.microsoft.com/office/powerpoint/2010/main" val="610089046"/>
               </p:ext>
             </p:extLst>
           </p:nvPr>
@@ -17386,14 +17386,14 @@
                         <a:buNone/>
                       </a:pPr>
                       <a:r>
-                        <a:rPr lang="fr-BE" sz="1400" dirty="0" err="1"/>
+                        <a:rPr lang="fr-BE" sz="1400" b="1" dirty="0" err="1"/>
                         <a:t>CatBoost</a:t>
                       </a:r>
                       <a:r>
-                        <a:rPr lang="fr-BE" sz="1400" dirty="0"/>
+                        <a:rPr lang="fr-BE" sz="1400" b="1" dirty="0"/>
                         <a:t> (Baseline)</a:t>
                       </a:r>
-                      <a:endParaRPr lang="en-US" sz="1400" noProof="0" dirty="0"/>
+                      <a:endParaRPr lang="en-US" sz="1400" b="1" noProof="0" dirty="0"/>
                     </a:p>
                   </a:txBody>
                   <a:tcPr marL="47297" marR="47297" marT="23649" marB="23649" anchor="ctr"/>
@@ -17485,22 +17485,22 @@
                         <a:buNone/>
                       </a:pPr>
                       <a:r>
-                        <a:rPr lang="fr-BE" sz="1400" dirty="0" err="1"/>
+                        <a:rPr lang="fr-BE" sz="1400" b="1" dirty="0" err="1"/>
                         <a:t>CatBoost</a:t>
                       </a:r>
                       <a:r>
-                        <a:rPr lang="fr-BE" sz="1400" dirty="0"/>
+                        <a:rPr lang="fr-BE" sz="1400" b="1" dirty="0"/>
                         <a:t> (</a:t>
                       </a:r>
                       <a:r>
-                        <a:rPr lang="fr-BE" sz="1400" dirty="0" err="1"/>
+                        <a:rPr lang="fr-BE" sz="1400" b="1" dirty="0" err="1"/>
                         <a:t>Optuna</a:t>
                       </a:r>
                       <a:r>
-                        <a:rPr lang="fr-BE" sz="1400" dirty="0"/>
+                        <a:rPr lang="fr-BE" sz="1400" b="1" dirty="0"/>
                         <a:t> tuning)</a:t>
                       </a:r>
-                      <a:endParaRPr lang="en-US" sz="1400" noProof="0" dirty="0"/>
+                      <a:endParaRPr lang="en-US" sz="1400" b="1" noProof="0" dirty="0"/>
                     </a:p>
                   </a:txBody>
                   <a:tcPr marL="47297" marR="47297" marT="23649" marB="23649" anchor="ctr"/>
@@ -17699,7 +17699,7 @@
         </p:nvSpPr>
         <p:spPr>
           <a:xfrm>
-            <a:off x="6397942" y="1919845"/>
+            <a:off x="6397942" y="2016263"/>
             <a:ext cx="4942840" cy="3693319"/>
           </a:xfrm>
           <a:prstGeom prst="rect">
@@ -18087,7 +18087,7 @@
         </p:nvSpPr>
         <p:spPr>
           <a:xfrm>
-            <a:off x="6318237" y="1109582"/>
+            <a:off x="6318237" y="1177512"/>
             <a:ext cx="3041345" cy="400110"/>
           </a:xfrm>
           <a:prstGeom prst="rect">
@@ -18613,7 +18613,7 @@
         </p:nvSpPr>
         <p:spPr>
           <a:xfrm>
-            <a:off x="692717" y="1109582"/>
+            <a:off x="692717" y="1147252"/>
             <a:ext cx="3041345" cy="400110"/>
           </a:xfrm>
           <a:prstGeom prst="rect">
